--- a/laboratory/pnuskgh/docs/Deep_Learning.pptx
+++ b/laboratory/pnuskgh/docs/Deep_Learning.pptx
@@ -7700,7 +7700,7 @@
         <p:spPr>
           <a:xfrm>
             <a:off x="344488" y="1412776"/>
-            <a:ext cx="6624637" cy="3699474"/>
+            <a:ext cx="6624637" cy="5213735"/>
           </a:xfrm>
           <a:prstGeom prst="rect">
             <a:avLst/>
@@ -7911,6 +7911,83 @@
             </a:endParaRPr>
           </a:p>
           <a:p>
+            <a:pPr lvl="1"/>
+            <a:r>
+              <a:rPr lang="en-US" altLang="ko-KR" sz="1400" dirty="0">
+                <a:latin typeface="+mn-ea"/>
+              </a:rPr>
+              <a:t>y</a:t>
+            </a:r>
+            <a:r>
+              <a:rPr lang="ko-KR" altLang="en-US" sz="1400" dirty="0">
+                <a:latin typeface="+mn-ea"/>
+              </a:rPr>
+              <a:t>로 </a:t>
+            </a:r>
+            <a:r>
+              <a:rPr lang="en-US" altLang="ko-KR" sz="1400" dirty="0">
+                <a:latin typeface="+mn-ea"/>
+              </a:rPr>
+              <a:t>x</a:t>
+            </a:r>
+            <a:r>
+              <a:rPr lang="ko-KR" altLang="en-US" sz="1400" dirty="0">
+                <a:latin typeface="+mn-ea"/>
+              </a:rPr>
+              <a:t>를 생성</a:t>
+            </a:r>
+            <a:endParaRPr lang="en-US" altLang="ko-KR" sz="1400" dirty="0">
+              <a:latin typeface="+mn-ea"/>
+            </a:endParaRPr>
+          </a:p>
+          <a:p>
+            <a:pPr lvl="2"/>
+            <a:r>
+              <a:rPr lang="en-US" altLang="ko-KR" sz="1400" dirty="0" err="1">
+                <a:latin typeface="+mn-ea"/>
+              </a:rPr>
+              <a:t>AutoEncoders</a:t>
+            </a:r>
+          </a:p>
+          <a:p>
+            <a:pPr lvl="2"/>
+            <a:r>
+              <a:rPr lang="ko-KR" altLang="en-US" sz="1400" dirty="0" err="1">
+                <a:latin typeface="+mn-ea"/>
+              </a:rPr>
+              <a:t>인코더  </a:t>
+            </a:r>
+            <a:r>
+              <a:rPr lang="en-US" altLang="ko-KR" sz="1400" dirty="0" err="1">
+                <a:latin typeface="+mn-ea"/>
+                <a:sym typeface="Wingdings" pitchFamily="2" charset="2"/>
+              </a:rPr>
+              <a:t></a:t>
+            </a:r>
+            <a:r>
+              <a:rPr lang="ko-KR" altLang="en-US" sz="1400" dirty="0" err="1">
+                <a:latin typeface="+mn-ea"/>
+                <a:sym typeface="Wingdings" pitchFamily="2" charset="2"/>
+              </a:rPr>
+              <a:t>  </a:t>
+            </a:r>
+            <a:r>
+              <a:rPr lang="ko-KR" altLang="en-US" sz="1400" b="1" dirty="0" err="1">
+                <a:solidFill>
+                  <a:srgbClr val="0070C0"/>
+                </a:solidFill>
+                <a:latin typeface="+mn-ea"/>
+                <a:sym typeface="Wingdings" pitchFamily="2" charset="2"/>
+              </a:rPr>
+              <a:t>디코더</a:t>
+            </a:r>
+            <a:r>
+              <a:rPr lang="en-US" altLang="ko-KR" sz="1400" dirty="0" err="1">
+                <a:latin typeface="+mn-ea"/>
+                <a:sym typeface="Wingdings" pitchFamily="2" charset="2"/>
+              </a:rPr>
+              <a:t> (New)</a:t>
+            </a:r>
             <a:endParaRPr lang="en-US" altLang="ko-KR" sz="1600" dirty="0">
               <a:latin typeface="+mn-ea"/>
             </a:endParaRPr>
@@ -7949,6 +8026,33 @@
               <a:rPr lang="ko-KR" altLang="en-US" sz="1400" dirty="0">
                 <a:latin typeface="+mn-ea"/>
               </a:rPr>
+              <a:t>의 일부를 재활용</a:t>
+            </a:r>
+            <a:r>
+              <a:rPr lang="en-US" altLang="ko-KR" sz="1400" dirty="0">
+                <a:latin typeface="+mn-ea"/>
+              </a:rPr>
+              <a:t>		:</a:t>
+            </a:r>
+          </a:p>
+          <a:p>
+            <a:pPr lvl="1"/>
+            <a:endParaRPr lang="en-US" altLang="ko-KR" sz="1400" dirty="0">
+              <a:latin typeface="+mn-ea"/>
+            </a:endParaRPr>
+          </a:p>
+          <a:p>
+            <a:pPr lvl="1"/>
+            <a:r>
+              <a:rPr lang="en-US" altLang="ko-KR" sz="1400" dirty="0">
+                <a:latin typeface="+mn-ea"/>
+              </a:rPr>
+              <a:t>Application</a:t>
+            </a:r>
+            <a:r>
+              <a:rPr lang="ko-KR" altLang="en-US" sz="1400" dirty="0">
+                <a:latin typeface="+mn-ea"/>
+              </a:rPr>
               <a:t>을 </a:t>
             </a:r>
             <a:r>
@@ -7994,19 +8098,93 @@
               <a:rPr lang="ko-KR" altLang="en-US" sz="1400" dirty="0">
                 <a:latin typeface="+mn-ea"/>
               </a:rPr>
-              <a:t>의 일부를 재활용</a:t>
+              <a:t>으로 </a:t>
             </a:r>
             <a:r>
               <a:rPr lang="en-US" altLang="ko-KR" sz="1400" dirty="0">
                 <a:latin typeface="+mn-ea"/>
               </a:rPr>
-              <a:t>		:</a:t>
+              <a:t>x</a:t>
             </a:r>
             <a:r>
               <a:rPr lang="ko-KR" altLang="en-US" sz="1400" dirty="0">
                 <a:latin typeface="+mn-ea"/>
               </a:rPr>
+              <a:t>를 생성</a:t>
+            </a:r>
+            <a:endParaRPr lang="en-US" altLang="ko-KR" sz="1400" dirty="0">
+              <a:latin typeface="+mn-ea"/>
+            </a:endParaRPr>
+          </a:p>
+          <a:p>
+            <a:pPr lvl="2"/>
+            <a:r>
+              <a:rPr lang="en-US" altLang="ko-KR" sz="1400" dirty="0">
+                <a:latin typeface="+mn-ea"/>
+              </a:rPr>
+              <a:t>GAN (Generative Adversarial Networks, </a:t>
+            </a:r>
+            <a:r>
+              <a:rPr lang="ko-KR" altLang="en-US" sz="1400" dirty="0" err="1">
+                <a:latin typeface="+mn-ea"/>
+              </a:rPr>
+              <a:t>생성적</a:t>
+            </a:r>
+            <a:r>
+              <a:rPr lang="ko-KR" altLang="en-US" sz="1400" dirty="0">
+                <a:latin typeface="+mn-ea"/>
+              </a:rPr>
+              <a:t> 적대 신경망</a:t>
+            </a:r>
+            <a:r>
+              <a:rPr lang="en-US" altLang="ko-KR" sz="1400" dirty="0">
+                <a:latin typeface="+mn-ea"/>
+              </a:rPr>
+              <a:t>)</a:t>
+            </a:r>
+          </a:p>
+          <a:p>
+            <a:pPr lvl="2"/>
+            <a:r>
+              <a:rPr lang="ko-KR" altLang="en-US" sz="1400" b="1" dirty="0">
+                <a:solidFill>
+                  <a:srgbClr val="0070C0"/>
+                </a:solidFill>
+                <a:latin typeface="+mn-ea"/>
+              </a:rPr>
+              <a:t>생성기</a:t>
+            </a:r>
+            <a:r>
+              <a:rPr lang="ko-KR" altLang="en-US" sz="1400" dirty="0">
+                <a:latin typeface="+mn-ea"/>
+              </a:rPr>
               <a:t> </a:t>
+            </a:r>
+            <a:r>
+              <a:rPr lang="en-US" altLang="ko-KR" sz="1400" dirty="0">
+                <a:latin typeface="+mn-ea"/>
+              </a:rPr>
+              <a:t>(New)</a:t>
+            </a:r>
+            <a:r>
+              <a:rPr lang="ko-KR" altLang="en-US" sz="1400" dirty="0">
+                <a:latin typeface="+mn-ea"/>
+              </a:rPr>
+              <a:t>  </a:t>
+            </a:r>
+            <a:r>
+              <a:rPr lang="en-US" altLang="ko-KR" sz="1400" dirty="0">
+                <a:latin typeface="+mn-ea"/>
+                <a:sym typeface="Wingdings" pitchFamily="2" charset="2"/>
+              </a:rPr>
+              <a:t></a:t>
+            </a:r>
+            <a:r>
+              <a:rPr lang="ko-KR" altLang="en-US" sz="1400" dirty="0">
+                <a:latin typeface="+mn-ea"/>
+                <a:sym typeface="Wingdings" pitchFamily="2" charset="2"/>
+              </a:rPr>
+              <a:t>  판별기</a:t>
             </a:r>
             <a:endParaRPr lang="en-US" altLang="ko-KR" sz="1400" dirty="0">
               <a:latin typeface="+mn-ea"/>
@@ -23998,7 +24176,7 @@
         </p:blipFill>
         <p:spPr>
           <a:xfrm>
-            <a:off x="798955" y="4865073"/>
+            <a:off x="798955" y="5153105"/>
             <a:ext cx="1489749" cy="1126018"/>
           </a:xfrm>
           <a:prstGeom prst="rect">
@@ -24034,7 +24212,7 @@
         </p:blipFill>
         <p:spPr>
           <a:xfrm>
-            <a:off x="3493078" y="4865073"/>
+            <a:off x="3493078" y="5153105"/>
             <a:ext cx="1489749" cy="1126018"/>
           </a:xfrm>
           <a:prstGeom prst="rect">
@@ -24058,7 +24236,7 @@
         </p:nvSpPr>
         <p:spPr>
           <a:xfrm>
-            <a:off x="1127632" y="5991091"/>
+            <a:off x="1127632" y="6279123"/>
             <a:ext cx="832394" cy="246221"/>
           </a:xfrm>
           <a:prstGeom prst="rect">
@@ -24239,7 +24417,7 @@
         </p:nvSpPr>
         <p:spPr>
           <a:xfrm>
-            <a:off x="3821755" y="5991091"/>
+            <a:off x="3821755" y="6279123"/>
             <a:ext cx="832394" cy="246221"/>
           </a:xfrm>
           <a:prstGeom prst="rect">
@@ -24418,7 +24596,7 @@
         </p:nvSpPr>
         <p:spPr>
           <a:xfrm>
-            <a:off x="2561054" y="5176140"/>
+            <a:off x="2561054" y="5464172"/>
             <a:ext cx="648072" cy="504056"/>
           </a:xfrm>
           <a:prstGeom prst="stripedRightArrow">
@@ -25285,7 +25463,7 @@
               <a:rPr lang="en-US" altLang="ko-KR" sz="2400" dirty="0" err="1">
                 <a:latin typeface="+mn-ea"/>
               </a:rPr>
-              <a:t>AutoEncoders</a:t>
+              <a:t>AutoEncoder</a:t>
             </a:r>
             <a:endParaRPr lang="ko-KR" altLang="en-US" sz="2400" dirty="0"/>
           </a:p>
@@ -25318,7 +25496,7 @@
               <a:rPr lang="en-US" altLang="ko-KR" sz="1600" dirty="0" err="1">
                 <a:latin typeface="+mn-ea"/>
               </a:rPr>
-              <a:t>AutoEncoders</a:t>
+              <a:t>AutoEncoder</a:t>
             </a:r>
             <a:endParaRPr lang="en-US" altLang="ko-KR" sz="1600" dirty="0">
               <a:latin typeface="+mn-ea"/>
@@ -25762,7 +25940,7 @@
         </p:blipFill>
         <p:spPr>
           <a:xfrm>
-            <a:off x="798955" y="5048012"/>
+            <a:off x="798955" y="5112455"/>
             <a:ext cx="1489749" cy="1126018"/>
           </a:xfrm>
           <a:prstGeom prst="rect">
@@ -25798,7 +25976,7 @@
         </p:blipFill>
         <p:spPr>
           <a:xfrm>
-            <a:off x="3493078" y="5048012"/>
+            <a:off x="3493078" y="5112455"/>
             <a:ext cx="1489749" cy="1126018"/>
           </a:xfrm>
           <a:prstGeom prst="rect">
@@ -25822,7 +26000,7 @@
         </p:nvSpPr>
         <p:spPr>
           <a:xfrm>
-            <a:off x="798955" y="6174030"/>
+            <a:off x="798955" y="6238473"/>
             <a:ext cx="1489749" cy="430887"/>
           </a:xfrm>
           <a:prstGeom prst="rect">
@@ -26030,7 +26208,7 @@
         </p:nvSpPr>
         <p:spPr>
           <a:xfrm>
-            <a:off x="3584848" y="6174030"/>
+            <a:off x="3584848" y="6238473"/>
             <a:ext cx="1397979" cy="430887"/>
           </a:xfrm>
           <a:prstGeom prst="rect">
@@ -26236,7 +26414,7 @@
         </p:nvSpPr>
         <p:spPr>
           <a:xfrm>
-            <a:off x="2561054" y="5359079"/>
+            <a:off x="2561054" y="5423522"/>
             <a:ext cx="648072" cy="504056"/>
           </a:xfrm>
           <a:prstGeom prst="stripedRightArrow">
@@ -28437,8 +28615,8 @@
           </a:p>
         </p:txBody>
       </p:sp>
-      <mc:AlternateContent xmlns:mc="http://schemas.openxmlformats.org/markup-compatibility/2006">
-        <mc:Choice xmlns:a14="http://schemas.microsoft.com/office/drawing/2010/main" Requires="a14">
+      <mc:AlternateContent xmlns:mc="http://schemas.openxmlformats.org/markup-compatibility/2006" xmlns:a14="http://schemas.microsoft.com/office/drawing/2010/main">
+        <mc:Choice Requires="a14">
           <p:sp>
             <p:nvSpPr>
               <p:cNvPr id="2" name="내용 개체 틀 4">
@@ -28990,7 +29168,7 @@
             </p:txBody>
           </p:sp>
         </mc:Choice>
-        <mc:Fallback>
+        <mc:Fallback xmlns="">
           <p:sp>
             <p:nvSpPr>
               <p:cNvPr id="2" name="내용 개체 틀 4">

--- a/laboratory/pnuskgh/docs/Deep_Learning.pptx
+++ b/laboratory/pnuskgh/docs/Deep_Learning.pptx
@@ -5,7 +5,7 @@
     <p:sldMasterId id="2147483648" r:id="rId1"/>
   </p:sldMasterIdLst>
   <p:notesMasterIdLst>
-    <p:notesMasterId r:id="rId62"/>
+    <p:notesMasterId r:id="rId63"/>
   </p:notesMasterIdLst>
   <p:sldIdLst>
     <p:sldId id="256" r:id="rId2"/>
@@ -22,52 +22,53 @@
     <p:sldId id="2584" r:id="rId13"/>
     <p:sldId id="2586" r:id="rId14"/>
     <p:sldId id="2608" r:id="rId15"/>
-    <p:sldId id="2609" r:id="rId16"/>
-    <p:sldId id="2587" r:id="rId17"/>
-    <p:sldId id="2619" r:id="rId18"/>
-    <p:sldId id="2628" r:id="rId19"/>
-    <p:sldId id="2629" r:id="rId20"/>
-    <p:sldId id="2630" r:id="rId21"/>
-    <p:sldId id="2631" r:id="rId22"/>
-    <p:sldId id="2632" r:id="rId23"/>
-    <p:sldId id="2633" r:id="rId24"/>
-    <p:sldId id="2634" r:id="rId25"/>
-    <p:sldId id="2635" r:id="rId26"/>
-    <p:sldId id="2636" r:id="rId27"/>
-    <p:sldId id="2637" r:id="rId28"/>
-    <p:sldId id="2610" r:id="rId29"/>
-    <p:sldId id="2588" r:id="rId30"/>
-    <p:sldId id="2592" r:id="rId31"/>
-    <p:sldId id="2622" r:id="rId32"/>
-    <p:sldId id="2621" r:id="rId33"/>
-    <p:sldId id="2612" r:id="rId34"/>
-    <p:sldId id="2623" r:id="rId35"/>
-    <p:sldId id="2598" r:id="rId36"/>
-    <p:sldId id="2594" r:id="rId37"/>
-    <p:sldId id="2591" r:id="rId38"/>
-    <p:sldId id="2589" r:id="rId39"/>
-    <p:sldId id="2613" r:id="rId40"/>
-    <p:sldId id="2614" r:id="rId41"/>
-    <p:sldId id="2615" r:id="rId42"/>
-    <p:sldId id="2616" r:id="rId43"/>
-    <p:sldId id="2617" r:id="rId44"/>
-    <p:sldId id="2618" r:id="rId45"/>
-    <p:sldId id="2595" r:id="rId46"/>
-    <p:sldId id="2593" r:id="rId47"/>
-    <p:sldId id="2590" r:id="rId48"/>
-    <p:sldId id="2604" r:id="rId49"/>
-    <p:sldId id="2605" r:id="rId50"/>
-    <p:sldId id="2600" r:id="rId51"/>
-    <p:sldId id="2596" r:id="rId52"/>
-    <p:sldId id="2620" r:id="rId53"/>
-    <p:sldId id="2606" r:id="rId54"/>
-    <p:sldId id="2607" r:id="rId55"/>
-    <p:sldId id="2624" r:id="rId56"/>
-    <p:sldId id="2625" r:id="rId57"/>
-    <p:sldId id="2601" r:id="rId58"/>
-    <p:sldId id="2602" r:id="rId59"/>
-    <p:sldId id="2603" r:id="rId60"/>
-    <p:sldId id="2580" r:id="rId61"/>
+    <p:sldId id="2638" r:id="rId16"/>
+    <p:sldId id="2609" r:id="rId17"/>
+    <p:sldId id="2587" r:id="rId18"/>
+    <p:sldId id="2619" r:id="rId19"/>
+    <p:sldId id="2628" r:id="rId20"/>
+    <p:sldId id="2629" r:id="rId21"/>
+    <p:sldId id="2630" r:id="rId22"/>
+    <p:sldId id="2631" r:id="rId23"/>
+    <p:sldId id="2632" r:id="rId24"/>
+    <p:sldId id="2633" r:id="rId25"/>
+    <p:sldId id="2634" r:id="rId26"/>
+    <p:sldId id="2635" r:id="rId27"/>
+    <p:sldId id="2636" r:id="rId28"/>
+    <p:sldId id="2637" r:id="rId29"/>
+    <p:sldId id="2610" r:id="rId30"/>
+    <p:sldId id="2588" r:id="rId31"/>
+    <p:sldId id="2592" r:id="rId32"/>
+    <p:sldId id="2622" r:id="rId33"/>
+    <p:sldId id="2621" r:id="rId34"/>
+    <p:sldId id="2612" r:id="rId35"/>
+    <p:sldId id="2623" r:id="rId36"/>
+    <p:sldId id="2598" r:id="rId37"/>
+    <p:sldId id="2594" r:id="rId38"/>
+    <p:sldId id="2591" r:id="rId39"/>
+    <p:sldId id="2589" r:id="rId40"/>
+    <p:sldId id="2613" r:id="rId41"/>
+    <p:sldId id="2614" r:id="rId42"/>
+    <p:sldId id="2615" r:id="rId43"/>
+    <p:sldId id="2616" r:id="rId44"/>
+    <p:sldId id="2617" r:id="rId45"/>
+    <p:sldId id="2618" r:id="rId46"/>
+    <p:sldId id="2595" r:id="rId47"/>
+    <p:sldId id="2593" r:id="rId48"/>
+    <p:sldId id="2590" r:id="rId49"/>
+    <p:sldId id="2604" r:id="rId50"/>
+    <p:sldId id="2605" r:id="rId51"/>
+    <p:sldId id="2600" r:id="rId52"/>
+    <p:sldId id="2596" r:id="rId53"/>
+    <p:sldId id="2620" r:id="rId54"/>
+    <p:sldId id="2606" r:id="rId55"/>
+    <p:sldId id="2607" r:id="rId56"/>
+    <p:sldId id="2624" r:id="rId57"/>
+    <p:sldId id="2625" r:id="rId58"/>
+    <p:sldId id="2601" r:id="rId59"/>
+    <p:sldId id="2602" r:id="rId60"/>
+    <p:sldId id="2603" r:id="rId61"/>
+    <p:sldId id="2580" r:id="rId62"/>
   </p:sldIdLst>
   <p:sldSz cx="9906000" cy="6858000" type="A4"/>
   <p:notesSz cx="6797675" cy="9926638"/>
@@ -287,7 +288,7 @@
           <a:p>
             <a:fld id="{E17425D8-D77A-47D9-A78B-1C162B9A78B3}" type="datetimeFigureOut">
               <a:rPr lang="ko-KR" altLang="en-US" smtClean="0"/>
-              <a:t>2023. 7. 23.</a:t>
+              <a:t>2023-07-28</a:t>
             </a:fld>
             <a:endParaRPr lang="ko-KR" altLang="en-US"/>
           </a:p>
@@ -804,7 +805,7 @@
     </p:spTree>
     <p:extLst>
       <p:ext uri="{BB962C8B-B14F-4D97-AF65-F5344CB8AC3E}">
-        <p14:creationId xmlns:p14="http://schemas.microsoft.com/office/powerpoint/2010/main" val="1806450401"/>
+        <p14:creationId xmlns:p14="http://schemas.microsoft.com/office/powerpoint/2010/main" val="3019044362"/>
       </p:ext>
     </p:extLst>
   </p:cSld>
@@ -879,7 +880,7 @@
           <a:p>
             <a:fld id="{2772F151-F8E9-49FD-AAF6-1663CD6B968D}" type="slidenum">
               <a:rPr lang="ko-KR" altLang="en-US" smtClean="0"/>
-              <a:t>17</a:t>
+              <a:t>16</a:t>
             </a:fld>
             <a:endParaRPr lang="ko-KR" altLang="en-US"/>
           </a:p>
@@ -888,7 +889,7 @@
     </p:spTree>
     <p:extLst>
       <p:ext uri="{BB962C8B-B14F-4D97-AF65-F5344CB8AC3E}">
-        <p14:creationId xmlns:p14="http://schemas.microsoft.com/office/powerpoint/2010/main" val="2426400648"/>
+        <p14:creationId xmlns:p14="http://schemas.microsoft.com/office/powerpoint/2010/main" val="1806450401"/>
       </p:ext>
     </p:extLst>
   </p:cSld>
@@ -972,7 +973,7 @@
     </p:spTree>
     <p:extLst>
       <p:ext uri="{BB962C8B-B14F-4D97-AF65-F5344CB8AC3E}">
-        <p14:creationId xmlns:p14="http://schemas.microsoft.com/office/powerpoint/2010/main" val="1420681622"/>
+        <p14:creationId xmlns:p14="http://schemas.microsoft.com/office/powerpoint/2010/main" val="2426400648"/>
       </p:ext>
     </p:extLst>
   </p:cSld>
@@ -1056,7 +1057,7 @@
     </p:spTree>
     <p:extLst>
       <p:ext uri="{BB962C8B-B14F-4D97-AF65-F5344CB8AC3E}">
-        <p14:creationId xmlns:p14="http://schemas.microsoft.com/office/powerpoint/2010/main" val="546621107"/>
+        <p14:creationId xmlns:p14="http://schemas.microsoft.com/office/powerpoint/2010/main" val="1420681622"/>
       </p:ext>
     </p:extLst>
   </p:cSld>
@@ -1140,7 +1141,7 @@
     </p:spTree>
     <p:extLst>
       <p:ext uri="{BB962C8B-B14F-4D97-AF65-F5344CB8AC3E}">
-        <p14:creationId xmlns:p14="http://schemas.microsoft.com/office/powerpoint/2010/main" val="2548919046"/>
+        <p14:creationId xmlns:p14="http://schemas.microsoft.com/office/powerpoint/2010/main" val="546621107"/>
       </p:ext>
     </p:extLst>
   </p:cSld>
@@ -1224,7 +1225,7 @@
     </p:spTree>
     <p:extLst>
       <p:ext uri="{BB962C8B-B14F-4D97-AF65-F5344CB8AC3E}">
-        <p14:creationId xmlns:p14="http://schemas.microsoft.com/office/powerpoint/2010/main" val="2674787606"/>
+        <p14:creationId xmlns:p14="http://schemas.microsoft.com/office/powerpoint/2010/main" val="2548919046"/>
       </p:ext>
     </p:extLst>
   </p:cSld>
@@ -1308,7 +1309,7 @@
     </p:spTree>
     <p:extLst>
       <p:ext uri="{BB962C8B-B14F-4D97-AF65-F5344CB8AC3E}">
-        <p14:creationId xmlns:p14="http://schemas.microsoft.com/office/powerpoint/2010/main" val="1288958604"/>
+        <p14:creationId xmlns:p14="http://schemas.microsoft.com/office/powerpoint/2010/main" val="2674787606"/>
       </p:ext>
     </p:extLst>
   </p:cSld>
@@ -1392,7 +1393,7 @@
     </p:spTree>
     <p:extLst>
       <p:ext uri="{BB962C8B-B14F-4D97-AF65-F5344CB8AC3E}">
-        <p14:creationId xmlns:p14="http://schemas.microsoft.com/office/powerpoint/2010/main" val="3188808029"/>
+        <p14:creationId xmlns:p14="http://schemas.microsoft.com/office/powerpoint/2010/main" val="1288958604"/>
       </p:ext>
     </p:extLst>
   </p:cSld>
@@ -1476,7 +1477,7 @@
     </p:spTree>
     <p:extLst>
       <p:ext uri="{BB962C8B-B14F-4D97-AF65-F5344CB8AC3E}">
-        <p14:creationId xmlns:p14="http://schemas.microsoft.com/office/powerpoint/2010/main" val="1231231353"/>
+        <p14:creationId xmlns:p14="http://schemas.microsoft.com/office/powerpoint/2010/main" val="3188808029"/>
       </p:ext>
     </p:extLst>
   </p:cSld>
@@ -1644,7 +1645,7 @@
     </p:spTree>
     <p:extLst>
       <p:ext uri="{BB962C8B-B14F-4D97-AF65-F5344CB8AC3E}">
-        <p14:creationId xmlns:p14="http://schemas.microsoft.com/office/powerpoint/2010/main" val="3405405669"/>
+        <p14:creationId xmlns:p14="http://schemas.microsoft.com/office/powerpoint/2010/main" val="1231231353"/>
       </p:ext>
     </p:extLst>
   </p:cSld>
@@ -1728,7 +1729,7 @@
     </p:spTree>
     <p:extLst>
       <p:ext uri="{BB962C8B-B14F-4D97-AF65-F5344CB8AC3E}">
-        <p14:creationId xmlns:p14="http://schemas.microsoft.com/office/powerpoint/2010/main" val="204088498"/>
+        <p14:creationId xmlns:p14="http://schemas.microsoft.com/office/powerpoint/2010/main" val="3405405669"/>
       </p:ext>
     </p:extLst>
   </p:cSld>
@@ -1812,7 +1813,7 @@
     </p:spTree>
     <p:extLst>
       <p:ext uri="{BB962C8B-B14F-4D97-AF65-F5344CB8AC3E}">
-        <p14:creationId xmlns:p14="http://schemas.microsoft.com/office/powerpoint/2010/main" val="550548245"/>
+        <p14:creationId xmlns:p14="http://schemas.microsoft.com/office/powerpoint/2010/main" val="204088498"/>
       </p:ext>
     </p:extLst>
   </p:cSld>
@@ -1887,7 +1888,7 @@
           <a:p>
             <a:fld id="{2772F151-F8E9-49FD-AAF6-1663CD6B968D}" type="slidenum">
               <a:rPr lang="ko-KR" altLang="en-US" smtClean="0"/>
-              <a:t>29</a:t>
+              <a:t>28</a:t>
             </a:fld>
             <a:endParaRPr lang="ko-KR" altLang="en-US"/>
           </a:p>
@@ -1896,7 +1897,7 @@
     </p:spTree>
     <p:extLst>
       <p:ext uri="{BB962C8B-B14F-4D97-AF65-F5344CB8AC3E}">
-        <p14:creationId xmlns:p14="http://schemas.microsoft.com/office/powerpoint/2010/main" val="3805810086"/>
+        <p14:creationId xmlns:p14="http://schemas.microsoft.com/office/powerpoint/2010/main" val="550548245"/>
       </p:ext>
     </p:extLst>
   </p:cSld>
@@ -1980,7 +1981,7 @@
     </p:spTree>
     <p:extLst>
       <p:ext uri="{BB962C8B-B14F-4D97-AF65-F5344CB8AC3E}">
-        <p14:creationId xmlns:p14="http://schemas.microsoft.com/office/powerpoint/2010/main" val="133048275"/>
+        <p14:creationId xmlns:p14="http://schemas.microsoft.com/office/powerpoint/2010/main" val="3805810086"/>
       </p:ext>
     </p:extLst>
   </p:cSld>
@@ -2064,7 +2065,7 @@
     </p:spTree>
     <p:extLst>
       <p:ext uri="{BB962C8B-B14F-4D97-AF65-F5344CB8AC3E}">
-        <p14:creationId xmlns:p14="http://schemas.microsoft.com/office/powerpoint/2010/main" val="3824111197"/>
+        <p14:creationId xmlns:p14="http://schemas.microsoft.com/office/powerpoint/2010/main" val="133048275"/>
       </p:ext>
     </p:extLst>
   </p:cSld>
@@ -2148,7 +2149,7 @@
     </p:spTree>
     <p:extLst>
       <p:ext uri="{BB962C8B-B14F-4D97-AF65-F5344CB8AC3E}">
-        <p14:creationId xmlns:p14="http://schemas.microsoft.com/office/powerpoint/2010/main" val="1353368574"/>
+        <p14:creationId xmlns:p14="http://schemas.microsoft.com/office/powerpoint/2010/main" val="3824111197"/>
       </p:ext>
     </p:extLst>
   </p:cSld>
@@ -2223,7 +2224,7 @@
           <a:p>
             <a:fld id="{2772F151-F8E9-49FD-AAF6-1663CD6B968D}" type="slidenum">
               <a:rPr lang="ko-KR" altLang="en-US" smtClean="0"/>
-              <a:t>34</a:t>
+              <a:t>33</a:t>
             </a:fld>
             <a:endParaRPr lang="ko-KR" altLang="en-US"/>
           </a:p>
@@ -2232,7 +2233,7 @@
     </p:spTree>
     <p:extLst>
       <p:ext uri="{BB962C8B-B14F-4D97-AF65-F5344CB8AC3E}">
-        <p14:creationId xmlns:p14="http://schemas.microsoft.com/office/powerpoint/2010/main" val="1930794574"/>
+        <p14:creationId xmlns:p14="http://schemas.microsoft.com/office/powerpoint/2010/main" val="1353368574"/>
       </p:ext>
     </p:extLst>
   </p:cSld>
@@ -2307,7 +2308,7 @@
           <a:p>
             <a:fld id="{2772F151-F8E9-49FD-AAF6-1663CD6B968D}" type="slidenum">
               <a:rPr lang="ko-KR" altLang="en-US" smtClean="0"/>
-              <a:t>36</a:t>
+              <a:t>35</a:t>
             </a:fld>
             <a:endParaRPr lang="ko-KR" altLang="en-US"/>
           </a:p>
@@ -2316,7 +2317,7 @@
     </p:spTree>
     <p:extLst>
       <p:ext uri="{BB962C8B-B14F-4D97-AF65-F5344CB8AC3E}">
-        <p14:creationId xmlns:p14="http://schemas.microsoft.com/office/powerpoint/2010/main" val="3389456889"/>
+        <p14:creationId xmlns:p14="http://schemas.microsoft.com/office/powerpoint/2010/main" val="1930794574"/>
       </p:ext>
     </p:extLst>
   </p:cSld>
@@ -2391,7 +2392,7 @@
           <a:p>
             <a:fld id="{2772F151-F8E9-49FD-AAF6-1663CD6B968D}" type="slidenum">
               <a:rPr lang="ko-KR" altLang="en-US" smtClean="0"/>
-              <a:t>38</a:t>
+              <a:t>37</a:t>
             </a:fld>
             <a:endParaRPr lang="ko-KR" altLang="en-US"/>
           </a:p>
@@ -2400,7 +2401,7 @@
     </p:spTree>
     <p:extLst>
       <p:ext uri="{BB962C8B-B14F-4D97-AF65-F5344CB8AC3E}">
-        <p14:creationId xmlns:p14="http://schemas.microsoft.com/office/powerpoint/2010/main" val="830012518"/>
+        <p14:creationId xmlns:p14="http://schemas.microsoft.com/office/powerpoint/2010/main" val="3389456889"/>
       </p:ext>
     </p:extLst>
   </p:cSld>
@@ -2559,7 +2560,7 @@
           <a:p>
             <a:fld id="{2772F151-F8E9-49FD-AAF6-1663CD6B968D}" type="slidenum">
               <a:rPr lang="ko-KR" altLang="en-US" smtClean="0"/>
-              <a:t>45</a:t>
+              <a:t>39</a:t>
             </a:fld>
             <a:endParaRPr lang="ko-KR" altLang="en-US"/>
           </a:p>
@@ -2568,7 +2569,7 @@
     </p:spTree>
     <p:extLst>
       <p:ext uri="{BB962C8B-B14F-4D97-AF65-F5344CB8AC3E}">
-        <p14:creationId xmlns:p14="http://schemas.microsoft.com/office/powerpoint/2010/main" val="3383540969"/>
+        <p14:creationId xmlns:p14="http://schemas.microsoft.com/office/powerpoint/2010/main" val="830012518"/>
       </p:ext>
     </p:extLst>
   </p:cSld>
@@ -2643,7 +2644,7 @@
           <a:p>
             <a:fld id="{2772F151-F8E9-49FD-AAF6-1663CD6B968D}" type="slidenum">
               <a:rPr lang="ko-KR" altLang="en-US" smtClean="0"/>
-              <a:t>47</a:t>
+              <a:t>46</a:t>
             </a:fld>
             <a:endParaRPr lang="ko-KR" altLang="en-US"/>
           </a:p>
@@ -2652,7 +2653,7 @@
     </p:spTree>
     <p:extLst>
       <p:ext uri="{BB962C8B-B14F-4D97-AF65-F5344CB8AC3E}">
-        <p14:creationId xmlns:p14="http://schemas.microsoft.com/office/powerpoint/2010/main" val="1019507570"/>
+        <p14:creationId xmlns:p14="http://schemas.microsoft.com/office/powerpoint/2010/main" val="3383540969"/>
       </p:ext>
     </p:extLst>
   </p:cSld>
@@ -2727,7 +2728,7 @@
           <a:p>
             <a:fld id="{2772F151-F8E9-49FD-AAF6-1663CD6B968D}" type="slidenum">
               <a:rPr lang="ko-KR" altLang="en-US" smtClean="0"/>
-              <a:t>49</a:t>
+              <a:t>48</a:t>
             </a:fld>
             <a:endParaRPr lang="ko-KR" altLang="en-US"/>
           </a:p>
@@ -2736,7 +2737,7 @@
     </p:spTree>
     <p:extLst>
       <p:ext uri="{BB962C8B-B14F-4D97-AF65-F5344CB8AC3E}">
-        <p14:creationId xmlns:p14="http://schemas.microsoft.com/office/powerpoint/2010/main" val="2300978556"/>
+        <p14:creationId xmlns:p14="http://schemas.microsoft.com/office/powerpoint/2010/main" val="1019507570"/>
       </p:ext>
     </p:extLst>
   </p:cSld>
@@ -2811,7 +2812,7 @@
           <a:p>
             <a:fld id="{2772F151-F8E9-49FD-AAF6-1663CD6B968D}" type="slidenum">
               <a:rPr lang="ko-KR" altLang="en-US" smtClean="0"/>
-              <a:t>51</a:t>
+              <a:t>50</a:t>
             </a:fld>
             <a:endParaRPr lang="ko-KR" altLang="en-US"/>
           </a:p>
@@ -2820,7 +2821,7 @@
     </p:spTree>
     <p:extLst>
       <p:ext uri="{BB962C8B-B14F-4D97-AF65-F5344CB8AC3E}">
-        <p14:creationId xmlns:p14="http://schemas.microsoft.com/office/powerpoint/2010/main" val="4134595765"/>
+        <p14:creationId xmlns:p14="http://schemas.microsoft.com/office/powerpoint/2010/main" val="2300978556"/>
       </p:ext>
     </p:extLst>
   </p:cSld>
@@ -2904,7 +2905,7 @@
     </p:spTree>
     <p:extLst>
       <p:ext uri="{BB962C8B-B14F-4D97-AF65-F5344CB8AC3E}">
-        <p14:creationId xmlns:p14="http://schemas.microsoft.com/office/powerpoint/2010/main" val="179670617"/>
+        <p14:creationId xmlns:p14="http://schemas.microsoft.com/office/powerpoint/2010/main" val="4134595765"/>
       </p:ext>
     </p:extLst>
   </p:cSld>
@@ -2979,7 +2980,7 @@
           <a:p>
             <a:fld id="{2772F151-F8E9-49FD-AAF6-1663CD6B968D}" type="slidenum">
               <a:rPr lang="ko-KR" altLang="en-US" smtClean="0"/>
-              <a:t>54</a:t>
+              <a:t>53</a:t>
             </a:fld>
             <a:endParaRPr lang="ko-KR" altLang="en-US"/>
           </a:p>
@@ -2988,7 +2989,7 @@
     </p:spTree>
     <p:extLst>
       <p:ext uri="{BB962C8B-B14F-4D97-AF65-F5344CB8AC3E}">
-        <p14:creationId xmlns:p14="http://schemas.microsoft.com/office/powerpoint/2010/main" val="180927775"/>
+        <p14:creationId xmlns:p14="http://schemas.microsoft.com/office/powerpoint/2010/main" val="179670617"/>
       </p:ext>
     </p:extLst>
   </p:cSld>
@@ -3063,7 +3064,7 @@
           <a:p>
             <a:fld id="{2772F151-F8E9-49FD-AAF6-1663CD6B968D}" type="slidenum">
               <a:rPr lang="ko-KR" altLang="en-US" smtClean="0"/>
-              <a:t>56</a:t>
+              <a:t>55</a:t>
             </a:fld>
             <a:endParaRPr lang="ko-KR" altLang="en-US"/>
           </a:p>
@@ -3072,7 +3073,7 @@
     </p:spTree>
     <p:extLst>
       <p:ext uri="{BB962C8B-B14F-4D97-AF65-F5344CB8AC3E}">
-        <p14:creationId xmlns:p14="http://schemas.microsoft.com/office/powerpoint/2010/main" val="4080975486"/>
+        <p14:creationId xmlns:p14="http://schemas.microsoft.com/office/powerpoint/2010/main" val="180927775"/>
       </p:ext>
     </p:extLst>
   </p:cSld>
@@ -3147,7 +3148,7 @@
           <a:p>
             <a:fld id="{2772F151-F8E9-49FD-AAF6-1663CD6B968D}" type="slidenum">
               <a:rPr lang="ko-KR" altLang="en-US" smtClean="0"/>
-              <a:t>58</a:t>
+              <a:t>57</a:t>
             </a:fld>
             <a:endParaRPr lang="ko-KR" altLang="en-US"/>
           </a:p>
@@ -3156,7 +3157,7 @@
     </p:spTree>
     <p:extLst>
       <p:ext uri="{BB962C8B-B14F-4D97-AF65-F5344CB8AC3E}">
-        <p14:creationId xmlns:p14="http://schemas.microsoft.com/office/powerpoint/2010/main" val="2930920121"/>
+        <p14:creationId xmlns:p14="http://schemas.microsoft.com/office/powerpoint/2010/main" val="4080975486"/>
       </p:ext>
     </p:extLst>
   </p:cSld>
@@ -3240,7 +3241,7 @@
     </p:spTree>
     <p:extLst>
       <p:ext uri="{BB962C8B-B14F-4D97-AF65-F5344CB8AC3E}">
-        <p14:creationId xmlns:p14="http://schemas.microsoft.com/office/powerpoint/2010/main" val="1829908220"/>
+        <p14:creationId xmlns:p14="http://schemas.microsoft.com/office/powerpoint/2010/main" val="2930920121"/>
       </p:ext>
     </p:extLst>
   </p:cSld>
@@ -3291,15 +3292,10 @@
         </p:nvSpPr>
         <p:spPr/>
         <p:txBody>
-          <a:bodyPr>
-            <a:normAutofit/>
-          </a:bodyPr>
+          <a:bodyPr/>
           <a:lstStyle/>
           <a:p>
-            <a:endParaRPr lang="ko-KR" altLang="en-US">
-              <a:latin typeface="+mn-ea"/>
-              <a:ea typeface="+mn-ea"/>
-            </a:endParaRPr>
+            <a:endParaRPr lang="ko-KR" altLang="en-US" dirty="0"/>
           </a:p>
         </p:txBody>
       </p:sp>
@@ -3310,7 +3306,7 @@
             <a:spLocks noGrp="1"/>
           </p:cNvSpPr>
           <p:nvPr>
-            <p:ph type="sldNum" sz="quarter" idx="10"/>
+            <p:ph type="sldNum" sz="quarter" idx="5"/>
           </p:nvPr>
         </p:nvSpPr>
         <p:spPr/>
@@ -3318,24 +3314,18 @@
           <a:bodyPr/>
           <a:lstStyle/>
           <a:p>
-            <a:pPr>
-              <a:defRPr/>
-            </a:pPr>
-            <a:fld id="{2D3202B1-D589-442A-876F-2D517D5FB4C9}" type="slidenum">
-              <a:rPr lang="en-US" altLang="ko-KR" smtClean="0"/>
-              <a:pPr>
-                <a:defRPr/>
-              </a:pPr>
+            <a:fld id="{2772F151-F8E9-49FD-AAF6-1663CD6B968D}" type="slidenum">
+              <a:rPr lang="ko-KR" altLang="en-US" smtClean="0"/>
               <a:t>60</a:t>
             </a:fld>
-            <a:endParaRPr lang="en-US" altLang="ko-KR" dirty="0"/>
+            <a:endParaRPr lang="ko-KR" altLang="en-US"/>
           </a:p>
         </p:txBody>
       </p:sp>
     </p:spTree>
     <p:extLst>
       <p:ext uri="{BB962C8B-B14F-4D97-AF65-F5344CB8AC3E}">
-        <p14:creationId xmlns:p14="http://schemas.microsoft.com/office/powerpoint/2010/main" val="2140704459"/>
+        <p14:creationId xmlns:p14="http://schemas.microsoft.com/office/powerpoint/2010/main" val="1829908220"/>
       </p:ext>
     </p:extLst>
   </p:cSld>
@@ -3420,6 +3410,101 @@
     <p:extLst>
       <p:ext uri="{BB962C8B-B14F-4D97-AF65-F5344CB8AC3E}">
         <p14:creationId xmlns:p14="http://schemas.microsoft.com/office/powerpoint/2010/main" val="2837355982"/>
+      </p:ext>
+    </p:extLst>
+  </p:cSld>
+  <p:clrMapOvr>
+    <a:masterClrMapping/>
+  </p:clrMapOvr>
+</p:notes>
+</file>
+
+<file path=ppt/notesSlides/notesSlide40.xml><?xml version="1.0" encoding="utf-8"?>
+<p:notes xmlns:a="http://schemas.openxmlformats.org/drawingml/2006/main" xmlns:r="http://schemas.openxmlformats.org/officeDocument/2006/relationships" xmlns:p="http://schemas.openxmlformats.org/presentationml/2006/main">
+  <p:cSld>
+    <p:spTree>
+      <p:nvGrpSpPr>
+        <p:cNvPr id="1" name=""/>
+        <p:cNvGrpSpPr/>
+        <p:nvPr/>
+      </p:nvGrpSpPr>
+      <p:grpSpPr>
+        <a:xfrm>
+          <a:off x="0" y="0"/>
+          <a:ext cx="0" cy="0"/>
+          <a:chOff x="0" y="0"/>
+          <a:chExt cx="0" cy="0"/>
+        </a:xfrm>
+      </p:grpSpPr>
+      <p:sp>
+        <p:nvSpPr>
+          <p:cNvPr id="2" name="슬라이드 이미지 개체 틀 1"/>
+          <p:cNvSpPr>
+            <a:spLocks noGrp="1" noRot="1" noChangeAspect="1"/>
+          </p:cNvSpPr>
+          <p:nvPr>
+            <p:ph type="sldImg"/>
+          </p:nvPr>
+        </p:nvSpPr>
+        <p:spPr/>
+      </p:sp>
+      <p:sp>
+        <p:nvSpPr>
+          <p:cNvPr id="3" name="슬라이드 노트 개체 틀 2"/>
+          <p:cNvSpPr>
+            <a:spLocks noGrp="1"/>
+          </p:cNvSpPr>
+          <p:nvPr>
+            <p:ph type="body" idx="1"/>
+          </p:nvPr>
+        </p:nvSpPr>
+        <p:spPr/>
+        <p:txBody>
+          <a:bodyPr>
+            <a:normAutofit/>
+          </a:bodyPr>
+          <a:lstStyle/>
+          <a:p>
+            <a:endParaRPr lang="ko-KR" altLang="en-US">
+              <a:latin typeface="+mn-ea"/>
+              <a:ea typeface="+mn-ea"/>
+            </a:endParaRPr>
+          </a:p>
+        </p:txBody>
+      </p:sp>
+      <p:sp>
+        <p:nvSpPr>
+          <p:cNvPr id="4" name="슬라이드 번호 개체 틀 3"/>
+          <p:cNvSpPr>
+            <a:spLocks noGrp="1"/>
+          </p:cNvSpPr>
+          <p:nvPr>
+            <p:ph type="sldNum" sz="quarter" idx="10"/>
+          </p:nvPr>
+        </p:nvSpPr>
+        <p:spPr/>
+        <p:txBody>
+          <a:bodyPr/>
+          <a:lstStyle/>
+          <a:p>
+            <a:pPr>
+              <a:defRPr/>
+            </a:pPr>
+            <a:fld id="{2D3202B1-D589-442A-876F-2D517D5FB4C9}" type="slidenum">
+              <a:rPr lang="en-US" altLang="ko-KR" smtClean="0"/>
+              <a:pPr>
+                <a:defRPr/>
+              </a:pPr>
+              <a:t>61</a:t>
+            </a:fld>
+            <a:endParaRPr lang="en-US" altLang="ko-KR" dirty="0"/>
+          </a:p>
+        </p:txBody>
+      </p:sp>
+    </p:spTree>
+    <p:extLst>
+      <p:ext uri="{BB962C8B-B14F-4D97-AF65-F5344CB8AC3E}">
+        <p14:creationId xmlns:p14="http://schemas.microsoft.com/office/powerpoint/2010/main" val="2140704459"/>
       </p:ext>
     </p:extLst>
   </p:cSld>
@@ -5677,7 +5762,7 @@
                 <a:latin typeface="+mj-ea"/>
                 <a:ea typeface="+mj-ea"/>
               </a:rPr>
-              <a:t>~ 2023.07.23</a:t>
+              <a:t>~ 2023.07.28</a:t>
             </a:r>
             <a:endParaRPr lang="en-US" altLang="ko-KR" sz="2400" dirty="0">
               <a:latin typeface="+mj-ea"/>
@@ -7700,7 +7785,7 @@
         <p:spPr>
           <a:xfrm>
             <a:off x="344488" y="1412776"/>
-            <a:ext cx="6624637" cy="5213735"/>
+            <a:ext cx="6624637" cy="2517612"/>
           </a:xfrm>
           <a:prstGeom prst="rect">
             <a:avLst/>
@@ -7988,209 +8073,6 @@
               </a:rPr>
               <a:t> (New)</a:t>
             </a:r>
-            <a:endParaRPr lang="en-US" altLang="ko-KR" sz="1600" dirty="0">
-              <a:latin typeface="+mn-ea"/>
-            </a:endParaRPr>
-          </a:p>
-          <a:p>
-            <a:endParaRPr lang="en-US" altLang="ko-KR" sz="1600" dirty="0">
-              <a:latin typeface="+mn-ea"/>
-            </a:endParaRPr>
-          </a:p>
-          <a:p>
-            <a:r>
-              <a:rPr lang="en-US" altLang="ko-KR" sz="1600" dirty="0">
-                <a:latin typeface="+mn-ea"/>
-              </a:rPr>
-              <a:t>Application</a:t>
-            </a:r>
-          </a:p>
-          <a:p>
-            <a:pPr lvl="1"/>
-            <a:r>
-              <a:rPr lang="en-US" altLang="ko-KR" sz="1400" dirty="0">
-                <a:latin typeface="+mn-ea"/>
-              </a:rPr>
-              <a:t>Model + Weight</a:t>
-            </a:r>
-          </a:p>
-          <a:p>
-            <a:pPr lvl="1"/>
-            <a:r>
-              <a:rPr lang="en-US" altLang="ko-KR" sz="1400" dirty="0">
-                <a:latin typeface="+mn-ea"/>
-              </a:rPr>
-              <a:t>Application</a:t>
-            </a:r>
-            <a:r>
-              <a:rPr lang="ko-KR" altLang="en-US" sz="1400" dirty="0">
-                <a:latin typeface="+mn-ea"/>
-              </a:rPr>
-              <a:t>의 일부를 재활용</a:t>
-            </a:r>
-            <a:r>
-              <a:rPr lang="en-US" altLang="ko-KR" sz="1400" dirty="0">
-                <a:latin typeface="+mn-ea"/>
-              </a:rPr>
-              <a:t>		:</a:t>
-            </a:r>
-          </a:p>
-          <a:p>
-            <a:pPr lvl="1"/>
-            <a:endParaRPr lang="en-US" altLang="ko-KR" sz="1400" dirty="0">
-              <a:latin typeface="+mn-ea"/>
-            </a:endParaRPr>
-          </a:p>
-          <a:p>
-            <a:pPr lvl="1"/>
-            <a:r>
-              <a:rPr lang="en-US" altLang="ko-KR" sz="1400" dirty="0">
-                <a:latin typeface="+mn-ea"/>
-              </a:rPr>
-              <a:t>Application</a:t>
-            </a:r>
-            <a:r>
-              <a:rPr lang="ko-KR" altLang="en-US" sz="1400" dirty="0">
-                <a:latin typeface="+mn-ea"/>
-              </a:rPr>
-              <a:t>을 </a:t>
-            </a:r>
-            <a:r>
-              <a:rPr lang="en-US" altLang="ko-KR" sz="1400" dirty="0">
-                <a:latin typeface="+mn-ea"/>
-              </a:rPr>
-              <a:t>layout</a:t>
-            </a:r>
-            <a:r>
-              <a:rPr lang="ko-KR" altLang="en-US" sz="1400" dirty="0">
-                <a:latin typeface="+mn-ea"/>
-              </a:rPr>
-              <a:t>로 사용</a:t>
-            </a:r>
-            <a:r>
-              <a:rPr lang="en-US" altLang="ko-KR" sz="1400" dirty="0">
-                <a:latin typeface="+mn-ea"/>
-              </a:rPr>
-              <a:t>		:</a:t>
-            </a:r>
-            <a:r>
-              <a:rPr lang="ko-KR" altLang="en-US" sz="1400" dirty="0">
-                <a:latin typeface="+mn-ea"/>
-              </a:rPr>
-              <a:t> </a:t>
-            </a:r>
-            <a:r>
-              <a:rPr lang="en-US" altLang="ko-KR" sz="1400" dirty="0">
-                <a:latin typeface="+mn-ea"/>
-              </a:rPr>
-              <a:t>Capsule</a:t>
-            </a:r>
-          </a:p>
-          <a:p>
-            <a:pPr lvl="1"/>
-            <a:r>
-              <a:rPr lang="en-US" altLang="ko-KR" sz="1400" dirty="0">
-                <a:latin typeface="+mn-ea"/>
-              </a:rPr>
-              <a:t>Application</a:t>
-            </a:r>
-            <a:r>
-              <a:rPr lang="ko-KR" altLang="en-US" sz="1400" dirty="0">
-                <a:latin typeface="+mn-ea"/>
-              </a:rPr>
-              <a:t>으로 </a:t>
-            </a:r>
-            <a:r>
-              <a:rPr lang="en-US" altLang="ko-KR" sz="1400" dirty="0">
-                <a:latin typeface="+mn-ea"/>
-              </a:rPr>
-              <a:t>x</a:t>
-            </a:r>
-            <a:r>
-              <a:rPr lang="ko-KR" altLang="en-US" sz="1400" dirty="0">
-                <a:latin typeface="+mn-ea"/>
-              </a:rPr>
-              <a:t>를 생성</a:t>
-            </a:r>
-            <a:endParaRPr lang="en-US" altLang="ko-KR" sz="1400" dirty="0">
-              <a:latin typeface="+mn-ea"/>
-            </a:endParaRPr>
-          </a:p>
-          <a:p>
-            <a:pPr lvl="2"/>
-            <a:r>
-              <a:rPr lang="en-US" altLang="ko-KR" sz="1400" dirty="0">
-                <a:latin typeface="+mn-ea"/>
-              </a:rPr>
-              <a:t>GAN (Generative Adversarial Networks, </a:t>
-            </a:r>
-            <a:r>
-              <a:rPr lang="ko-KR" altLang="en-US" sz="1400" dirty="0" err="1">
-                <a:latin typeface="+mn-ea"/>
-              </a:rPr>
-              <a:t>생성적</a:t>
-            </a:r>
-            <a:r>
-              <a:rPr lang="ko-KR" altLang="en-US" sz="1400" dirty="0">
-                <a:latin typeface="+mn-ea"/>
-              </a:rPr>
-              <a:t> 적대 신경망</a:t>
-            </a:r>
-            <a:r>
-              <a:rPr lang="en-US" altLang="ko-KR" sz="1400" dirty="0">
-                <a:latin typeface="+mn-ea"/>
-              </a:rPr>
-              <a:t>)</a:t>
-            </a:r>
-          </a:p>
-          <a:p>
-            <a:pPr lvl="2"/>
-            <a:r>
-              <a:rPr lang="ko-KR" altLang="en-US" sz="1400" b="1" dirty="0">
-                <a:solidFill>
-                  <a:srgbClr val="0070C0"/>
-                </a:solidFill>
-                <a:latin typeface="+mn-ea"/>
-              </a:rPr>
-              <a:t>생성기</a:t>
-            </a:r>
-            <a:r>
-              <a:rPr lang="ko-KR" altLang="en-US" sz="1400" dirty="0">
-                <a:latin typeface="+mn-ea"/>
-              </a:rPr>
-              <a:t> </a:t>
-            </a:r>
-            <a:r>
-              <a:rPr lang="en-US" altLang="ko-KR" sz="1400" dirty="0">
-                <a:latin typeface="+mn-ea"/>
-              </a:rPr>
-              <a:t>(New)</a:t>
-            </a:r>
-            <a:r>
-              <a:rPr lang="ko-KR" altLang="en-US" sz="1400" dirty="0">
-                <a:latin typeface="+mn-ea"/>
-              </a:rPr>
-              <a:t>  </a:t>
-            </a:r>
-            <a:r>
-              <a:rPr lang="en-US" altLang="ko-KR" sz="1400" dirty="0">
-                <a:latin typeface="+mn-ea"/>
-                <a:sym typeface="Wingdings" pitchFamily="2" charset="2"/>
-              </a:rPr>
-              <a:t></a:t>
-            </a:r>
-            <a:r>
-              <a:rPr lang="ko-KR" altLang="en-US" sz="1400" dirty="0">
-                <a:latin typeface="+mn-ea"/>
-                <a:sym typeface="Wingdings" pitchFamily="2" charset="2"/>
-              </a:rPr>
-              <a:t>  판별기</a:t>
-            </a:r>
-            <a:endParaRPr lang="en-US" altLang="ko-KR" sz="1400" dirty="0">
-              <a:latin typeface="+mn-ea"/>
-            </a:endParaRPr>
-          </a:p>
-          <a:p>
             <a:endParaRPr lang="en-US" altLang="ko-KR" sz="1600" dirty="0">
               <a:latin typeface="+mn-ea"/>
             </a:endParaRPr>
@@ -8292,6 +8174,53 @@
           <a:chExt cx="0" cy="0"/>
         </a:xfrm>
       </p:grpSpPr>
+      <p:pic>
+        <p:nvPicPr>
+          <p:cNvPr id="1026" name="Picture 2">
+            <a:extLst>
+              <a:ext uri="{FF2B5EF4-FFF2-40B4-BE49-F238E27FC236}">
+                <a16:creationId xmlns:a16="http://schemas.microsoft.com/office/drawing/2014/main" id="{2978AE98-E0B0-5B3D-3812-E47E4FFB202A}"/>
+              </a:ext>
+            </a:extLst>
+          </p:cNvPr>
+          <p:cNvPicPr>
+            <a:picLocks noChangeAspect="1" noChangeArrowheads="1"/>
+          </p:cNvPicPr>
+          <p:nvPr/>
+        </p:nvPicPr>
+        <p:blipFill>
+          <a:blip r:embed="rId3">
+            <a:extLst>
+              <a:ext uri="{28A0092B-C50C-407E-A947-70E740481C1C}">
+                <a14:useLocalDpi xmlns:a14="http://schemas.microsoft.com/office/drawing/2010/main" val="0"/>
+              </a:ext>
+            </a:extLst>
+          </a:blip>
+          <a:srcRect/>
+          <a:stretch>
+            <a:fillRect/>
+          </a:stretch>
+        </p:blipFill>
+        <p:spPr bwMode="auto">
+          <a:xfrm>
+            <a:off x="5040282" y="2158983"/>
+            <a:ext cx="4521230" cy="1728192"/>
+          </a:xfrm>
+          <a:prstGeom prst="rect">
+            <a:avLst/>
+          </a:prstGeom>
+          <a:noFill/>
+          <a:extLst>
+            <a:ext uri="{909E8E84-426E-40DD-AFC4-6F175D3DCCD1}">
+              <a14:hiddenFill xmlns:a14="http://schemas.microsoft.com/office/drawing/2010/main">
+                <a:solidFill>
+                  <a:srgbClr val="FFFFFF"/>
+                </a:solidFill>
+              </a14:hiddenFill>
+            </a:ext>
+          </a:extLst>
+        </p:spPr>
+      </p:pic>
       <p:sp>
         <p:nvSpPr>
           <p:cNvPr id="4" name="제목 3"/>
@@ -8348,17 +8277,8 @@
               <a:rPr lang="en-US" altLang="ko-KR" sz="1600" dirty="0">
                 <a:latin typeface="+mn-ea"/>
               </a:rPr>
-              <a:t>layers </a:t>
-            </a:r>
-            <a:r>
-              <a:rPr lang="ko-KR" altLang="en-US" sz="1600" dirty="0">
-                <a:latin typeface="+mn-ea"/>
-              </a:rPr>
-              <a:t>종류</a:t>
-            </a:r>
-            <a:endParaRPr lang="en-US" altLang="ko-KR" sz="1600" dirty="0">
-              <a:latin typeface="+mn-ea"/>
-            </a:endParaRPr>
+              <a:t>layers</a:t>
+            </a:r>
           </a:p>
         </p:txBody>
       </p:sp>
@@ -8379,7 +8299,7 @@
         <p:spPr>
           <a:xfrm>
             <a:off x="344488" y="1412776"/>
-            <a:ext cx="9217025" cy="4659737"/>
+            <a:ext cx="6624637" cy="3736407"/>
           </a:xfrm>
           <a:prstGeom prst="rect">
             <a:avLst/>
@@ -8528,147 +8448,319 @@
           </a:lstStyle>
           <a:p>
             <a:r>
-              <a:rPr lang="en-US" altLang="ko-KR" sz="1600" dirty="0">
-                <a:latin typeface="+mn-ea"/>
-              </a:rPr>
-              <a:t>Dense Network (</a:t>
-            </a:r>
-            <a:r>
-              <a:rPr lang="ko-KR" altLang="en-US" sz="1600" dirty="0">
-                <a:latin typeface="+mn-ea"/>
-              </a:rPr>
-              <a:t>밀집망</a:t>
-            </a:r>
-            <a:r>
-              <a:rPr lang="en-US" altLang="ko-KR" sz="1600" dirty="0">
-                <a:latin typeface="+mn-ea"/>
-              </a:rPr>
-              <a:t>)</a:t>
-            </a:r>
-          </a:p>
-          <a:p>
-            <a:pPr lvl="1"/>
-            <a:r>
-              <a:rPr lang="en-US" altLang="ko-KR" sz="1400" dirty="0">
-                <a:latin typeface="+mn-ea"/>
-              </a:rPr>
-              <a:t>keras.layers.Dense(128, input_shape=(28</a:t>
-            </a:r>
-            <a:r>
-              <a:rPr lang="ko-KR" altLang="en-US" sz="1400" dirty="0">
-                <a:latin typeface="+mn-ea"/>
-              </a:rPr>
-              <a:t> * </a:t>
-            </a:r>
-            <a:r>
-              <a:rPr lang="en-US" altLang="ko-KR" sz="1400" dirty="0">
-                <a:latin typeface="+mn-ea"/>
-              </a:rPr>
-              <a:t>28,), activation='relu’)</a:t>
-            </a:r>
-          </a:p>
-          <a:p>
+              <a:rPr lang="en-US" altLang="ko-KR" sz="1600">
+                <a:latin typeface="+mn-ea"/>
+              </a:rPr>
+              <a:t>Application</a:t>
+            </a:r>
             <a:endParaRPr lang="en-US" altLang="ko-KR" sz="1600" dirty="0">
               <a:latin typeface="+mn-ea"/>
             </a:endParaRPr>
           </a:p>
           <a:p>
-            <a:r>
-              <a:rPr lang="en-US" altLang="ko-KR" sz="1600" dirty="0">
-                <a:latin typeface="+mn-ea"/>
-              </a:rPr>
-              <a:t>keras.layers.Flatten()</a:t>
-            </a:r>
+            <a:pPr lvl="1"/>
+            <a:r>
+              <a:rPr lang="en-US" altLang="ko-KR" sz="1400" dirty="0">
+                <a:latin typeface="+mn-ea"/>
+              </a:rPr>
+              <a:t>Model </a:t>
+            </a:r>
+            <a:r>
+              <a:rPr lang="en-US" altLang="ko-KR" sz="1400">
+                <a:latin typeface="+mn-ea"/>
+              </a:rPr>
+              <a:t>+ Weight</a:t>
+            </a:r>
+          </a:p>
+          <a:p>
+            <a:pPr lvl="1"/>
+            <a:r>
+              <a:rPr lang="en-US" altLang="ko-KR" sz="1400">
+                <a:latin typeface="+mn-ea"/>
+              </a:rPr>
+              <a:t>Application</a:t>
+            </a:r>
+            <a:r>
+              <a:rPr lang="ko-KR" altLang="en-US" sz="1400">
+                <a:latin typeface="+mn-ea"/>
+              </a:rPr>
+              <a:t>을 </a:t>
+            </a:r>
+            <a:r>
+              <a:rPr lang="en-US" altLang="ko-KR" sz="1400">
+                <a:latin typeface="+mn-ea"/>
+              </a:rPr>
+              <a:t>layout</a:t>
+            </a:r>
+            <a:r>
+              <a:rPr lang="ko-KR" altLang="en-US" sz="1400">
+                <a:latin typeface="+mn-ea"/>
+              </a:rPr>
+              <a:t>로 사용</a:t>
+            </a:r>
+            <a:r>
+              <a:rPr lang="en-US" altLang="ko-KR" sz="1400">
+                <a:latin typeface="+mn-ea"/>
+              </a:rPr>
+              <a:t>	:</a:t>
+            </a:r>
+            <a:r>
+              <a:rPr lang="ko-KR" altLang="en-US" sz="1400">
+                <a:latin typeface="+mn-ea"/>
+              </a:rPr>
+              <a:t> </a:t>
+            </a:r>
+            <a:r>
+              <a:rPr lang="en-US" altLang="ko-KR" sz="1400">
+                <a:latin typeface="+mn-ea"/>
+              </a:rPr>
+              <a:t>Capsule</a:t>
+            </a:r>
+          </a:p>
+          <a:p>
+            <a:pPr lvl="1"/>
+            <a:r>
+              <a:rPr lang="en-US" altLang="ko-KR" sz="1400">
+                <a:latin typeface="+mn-ea"/>
+              </a:rPr>
+              <a:t>Application</a:t>
+            </a:r>
+            <a:r>
+              <a:rPr lang="ko-KR" altLang="en-US" sz="1400" dirty="0">
+                <a:latin typeface="+mn-ea"/>
+              </a:rPr>
+              <a:t>의 </a:t>
+            </a:r>
+            <a:r>
+              <a:rPr lang="ko-KR" altLang="en-US" sz="1400">
+                <a:latin typeface="+mn-ea"/>
+              </a:rPr>
+              <a:t>일부를 재활용</a:t>
+            </a:r>
+            <a:r>
+              <a:rPr lang="en-US" altLang="ko-KR" sz="1400">
+                <a:latin typeface="+mn-ea"/>
+              </a:rPr>
+              <a:t>	: Model</a:t>
+            </a:r>
+            <a:r>
+              <a:rPr lang="ko-KR" altLang="en-US" sz="1400">
+                <a:latin typeface="+mn-ea"/>
+              </a:rPr>
+              <a:t> </a:t>
+            </a:r>
+            <a:r>
+              <a:rPr lang="en-US" altLang="ko-KR" sz="1400">
+                <a:latin typeface="+mn-ea"/>
+              </a:rPr>
+              <a:t>+</a:t>
+            </a:r>
+            <a:r>
+              <a:rPr lang="ko-KR" altLang="en-US" sz="1400">
+                <a:latin typeface="+mn-ea"/>
+              </a:rPr>
+              <a:t> </a:t>
+            </a:r>
+            <a:r>
+              <a:rPr lang="en-US" altLang="ko-KR" sz="1400">
+                <a:latin typeface="+mn-ea"/>
+              </a:rPr>
+              <a:t>Weight</a:t>
+            </a:r>
+          </a:p>
+          <a:p>
+            <a:pPr lvl="1"/>
+            <a:r>
+              <a:rPr lang="en-US" altLang="ko-KR" sz="1400">
+                <a:latin typeface="+mn-ea"/>
+              </a:rPr>
+              <a:t>Aplication</a:t>
+            </a:r>
+            <a:r>
+              <a:rPr lang="ko-KR" altLang="en-US" sz="1400">
+                <a:latin typeface="+mn-ea"/>
+              </a:rPr>
+              <a:t>을 여러 개 결합</a:t>
+            </a:r>
+            <a:endParaRPr lang="en-US" altLang="ko-KR" sz="1400">
+              <a:latin typeface="+mn-ea"/>
+            </a:endParaRPr>
+          </a:p>
+          <a:p>
+            <a:pPr lvl="1"/>
+            <a:endParaRPr lang="en-US" altLang="ko-KR" sz="1400">
+              <a:latin typeface="+mn-ea"/>
+            </a:endParaRPr>
+          </a:p>
+          <a:p>
+            <a:pPr lvl="1"/>
+            <a:endParaRPr lang="en-US" altLang="ko-KR" sz="1400">
+              <a:latin typeface="+mn-ea"/>
+            </a:endParaRPr>
+          </a:p>
+          <a:p>
+            <a:pPr lvl="1"/>
+            <a:r>
+              <a:rPr lang="en-US" altLang="ko-KR" sz="1400">
+                <a:latin typeface="+mn-ea"/>
+              </a:rPr>
+              <a:t>x</a:t>
+            </a:r>
+            <a:r>
+              <a:rPr lang="ko-KR" altLang="en-US" sz="1400" dirty="0">
+                <a:latin typeface="+mn-ea"/>
+              </a:rPr>
+              <a:t>를 생성</a:t>
+            </a:r>
+            <a:endParaRPr lang="en-US" altLang="ko-KR" sz="1400" dirty="0">
+              <a:latin typeface="+mn-ea"/>
+            </a:endParaRPr>
+          </a:p>
+          <a:p>
+            <a:pPr lvl="2"/>
+            <a:r>
+              <a:rPr lang="en-US" altLang="ko-KR" sz="1400" dirty="0">
+                <a:latin typeface="+mn-ea"/>
+              </a:rPr>
+              <a:t>GAN (Generative Adversarial Networks, </a:t>
+            </a:r>
+            <a:r>
+              <a:rPr lang="ko-KR" altLang="en-US" sz="1400" dirty="0" err="1">
+                <a:latin typeface="+mn-ea"/>
+              </a:rPr>
+              <a:t>생성적</a:t>
+            </a:r>
+            <a:r>
+              <a:rPr lang="ko-KR" altLang="en-US" sz="1400" dirty="0">
+                <a:latin typeface="+mn-ea"/>
+              </a:rPr>
+              <a:t> 적대 신경망</a:t>
+            </a:r>
+            <a:r>
+              <a:rPr lang="en-US" altLang="ko-KR" sz="1400" dirty="0">
+                <a:latin typeface="+mn-ea"/>
+              </a:rPr>
+              <a:t>)</a:t>
+            </a:r>
+          </a:p>
+          <a:p>
+            <a:pPr lvl="3"/>
+            <a:r>
+              <a:rPr lang="ko-KR" altLang="en-US" sz="1400" b="1" dirty="0">
+                <a:solidFill>
+                  <a:srgbClr val="0070C0"/>
+                </a:solidFill>
+                <a:latin typeface="+mn-ea"/>
+              </a:rPr>
+              <a:t>생성기</a:t>
+            </a:r>
+            <a:r>
+              <a:rPr lang="ko-KR" altLang="en-US" sz="1400" dirty="0">
+                <a:latin typeface="+mn-ea"/>
+              </a:rPr>
+              <a:t> </a:t>
+            </a:r>
+            <a:r>
+              <a:rPr lang="en-US" altLang="ko-KR" sz="1400" dirty="0">
+                <a:latin typeface="+mn-ea"/>
+              </a:rPr>
+              <a:t>(New)</a:t>
+            </a:r>
+            <a:r>
+              <a:rPr lang="ko-KR" altLang="en-US" sz="1400" dirty="0">
+                <a:latin typeface="+mn-ea"/>
+              </a:rPr>
+              <a:t>  </a:t>
+            </a:r>
+            <a:r>
+              <a:rPr lang="en-US" altLang="ko-KR" sz="1400" dirty="0">
+                <a:latin typeface="+mn-ea"/>
+                <a:sym typeface="Wingdings" pitchFamily="2" charset="2"/>
+              </a:rPr>
+              <a:t></a:t>
+            </a:r>
+            <a:r>
+              <a:rPr lang="ko-KR" altLang="en-US" sz="1400" dirty="0">
+                <a:latin typeface="+mn-ea"/>
+                <a:sym typeface="Wingdings" pitchFamily="2" charset="2"/>
+              </a:rPr>
+              <a:t>  판별기</a:t>
+            </a:r>
+            <a:endParaRPr lang="en-US" altLang="ko-KR" sz="1400" dirty="0">
+              <a:latin typeface="+mn-ea"/>
+            </a:endParaRPr>
+          </a:p>
+          <a:p>
+            <a:pPr lvl="1"/>
+            <a:endParaRPr lang="en-US" altLang="ko-KR" sz="1400">
+              <a:latin typeface="+mn-ea"/>
+            </a:endParaRPr>
+          </a:p>
+          <a:p>
+            <a:pPr lvl="1"/>
+            <a:r>
+              <a:rPr lang="en-US" altLang="ko-KR" sz="1400">
+                <a:latin typeface="+mn-ea"/>
+              </a:rPr>
+              <a:t>y</a:t>
+            </a:r>
+            <a:r>
+              <a:rPr lang="ko-KR" altLang="en-US" sz="1400">
+                <a:latin typeface="+mn-ea"/>
+              </a:rPr>
+              <a:t>로 </a:t>
+            </a:r>
+            <a:r>
+              <a:rPr lang="en-US" altLang="ko-KR" sz="1400">
+                <a:latin typeface="+mn-ea"/>
+              </a:rPr>
+              <a:t>x</a:t>
+            </a:r>
+            <a:r>
+              <a:rPr lang="ko-KR" altLang="en-US" sz="1400">
+                <a:latin typeface="+mn-ea"/>
+              </a:rPr>
+              <a:t>를 생성</a:t>
+            </a:r>
+            <a:endParaRPr lang="en-US" altLang="ko-KR" sz="1400">
+              <a:latin typeface="+mn-ea"/>
+            </a:endParaRPr>
+          </a:p>
+          <a:p>
+            <a:pPr lvl="2"/>
+            <a:r>
+              <a:rPr lang="en-US" altLang="ko-KR" sz="1400">
+                <a:latin typeface="+mn-ea"/>
+              </a:rPr>
+              <a:t>AutoEncoder : </a:t>
+            </a:r>
+            <a:r>
+              <a:rPr lang="ko-KR" altLang="en-US" sz="1400">
+                <a:latin typeface="+mn-ea"/>
+              </a:rPr>
+              <a:t>인코더</a:t>
+            </a:r>
+            <a:r>
+              <a:rPr lang="en-US" altLang="ko-KR" sz="1400">
+                <a:latin typeface="+mn-ea"/>
+              </a:rPr>
+              <a:t>-</a:t>
+            </a:r>
+            <a:r>
+              <a:rPr lang="ko-KR" altLang="en-US" sz="1400">
+                <a:latin typeface="+mn-ea"/>
+              </a:rPr>
+              <a:t>디코더</a:t>
+            </a:r>
+            <a:endParaRPr lang="en-US" altLang="ko-KR" sz="1400" dirty="0">
+              <a:latin typeface="+mn-ea"/>
+            </a:endParaRPr>
           </a:p>
           <a:p>
             <a:endParaRPr lang="en-US" altLang="ko-KR" sz="1600" dirty="0">
               <a:latin typeface="+mn-ea"/>
             </a:endParaRPr>
           </a:p>
-          <a:p>
-            <a:r>
-              <a:rPr lang="en-US" altLang="ko-KR" sz="1600" dirty="0">
-                <a:latin typeface="+mn-ea"/>
-              </a:rPr>
-              <a:t>Dropout : </a:t>
-            </a:r>
-            <a:r>
-              <a:rPr lang="ko-KR" altLang="en-US" sz="1600" dirty="0">
-                <a:latin typeface="+mn-ea"/>
-              </a:rPr>
-              <a:t>샘플링</a:t>
-            </a:r>
-            <a:endParaRPr lang="en-US" altLang="ko-KR" sz="1600" dirty="0">
-              <a:latin typeface="+mn-ea"/>
-            </a:endParaRPr>
-          </a:p>
-          <a:p>
-            <a:pPr lvl="1"/>
-            <a:r>
-              <a:rPr lang="en-US" altLang="ko-KR" sz="1400" dirty="0">
-                <a:latin typeface="+mn-ea"/>
-              </a:rPr>
-              <a:t>keras.layers.Dropout(0.3)</a:t>
-            </a:r>
-          </a:p>
-          <a:p>
-            <a:endParaRPr lang="en-US" altLang="ko-KR" sz="1600" dirty="0">
-              <a:latin typeface="+mn-ea"/>
-            </a:endParaRPr>
-          </a:p>
-          <a:p>
-            <a:r>
-              <a:rPr lang="en-US" altLang="ko-KR" sz="1600" dirty="0">
-                <a:latin typeface="+mn-ea"/>
-              </a:rPr>
-              <a:t>Convolution</a:t>
-            </a:r>
-          </a:p>
-          <a:p>
-            <a:pPr lvl="1"/>
-            <a:r>
-              <a:rPr lang="en-US" altLang="ko-KR" sz="1400" dirty="0">
-                <a:latin typeface="+mn-ea"/>
-              </a:rPr>
-              <a:t>keras.layers.Conv2D(20, (5, 5), activation='relu', input_shape=(28, 28, 1))</a:t>
-            </a:r>
-          </a:p>
-          <a:p>
-            <a:endParaRPr lang="en-US" altLang="ko-KR" sz="1600" dirty="0">
-              <a:latin typeface="+mn-ea"/>
-            </a:endParaRPr>
-          </a:p>
-          <a:p>
-            <a:r>
-              <a:rPr lang="en-US" altLang="ko-KR" sz="1600" dirty="0">
-                <a:latin typeface="+mn-ea"/>
-              </a:rPr>
-              <a:t>keras.layers.BatchNormalization()</a:t>
-            </a:r>
-          </a:p>
-          <a:p>
-            <a:r>
-              <a:rPr lang="en-US" altLang="ko-KR" sz="1600" dirty="0">
-                <a:latin typeface="+mn-ea"/>
-              </a:rPr>
-              <a:t>keras.layers.MaxPooling2D(pool_size=(2, 2), strides=(2, 2))</a:t>
-            </a:r>
-          </a:p>
-          <a:p>
-            <a:endParaRPr lang="en-US" altLang="ko-KR" sz="1600" dirty="0">
-              <a:latin typeface="+mn-ea"/>
-            </a:endParaRPr>
-          </a:p>
-          <a:p>
-            <a:endParaRPr lang="en-US" altLang="ko-KR" sz="1600" dirty="0">
-              <a:latin typeface="+mn-ea"/>
-            </a:endParaRPr>
-          </a:p>
-          <a:p>
-            <a:endParaRPr lang="en-US" altLang="ko-KR" sz="1600" dirty="0">
-              <a:latin typeface="+mn-ea"/>
-            </a:endParaRPr>
-          </a:p>
         </p:txBody>
       </p:sp>
       <p:sp>
@@ -8676,7 +8768,7 @@
           <p:cNvPr id="3" name="모서리가 둥근 직사각형 2">
             <a:extLst>
               <a:ext uri="{FF2B5EF4-FFF2-40B4-BE49-F238E27FC236}">
-                <a16:creationId xmlns:a16="http://schemas.microsoft.com/office/drawing/2014/main" id="{FA282748-C1EB-AB75-4DE3-DBB85A0096B5}"/>
+                <a16:creationId xmlns:a16="http://schemas.microsoft.com/office/drawing/2014/main" id="{E5A25E7B-1944-5B98-0FA6-E1ADAD83F9D6}"/>
               </a:ext>
             </a:extLst>
           </p:cNvPr>
@@ -8731,10 +8823,1154 @@
           </a:p>
         </p:txBody>
       </p:sp>
+      <p:pic>
+        <p:nvPicPr>
+          <p:cNvPr id="5" name="그림 4">
+            <a:extLst>
+              <a:ext uri="{FF2B5EF4-FFF2-40B4-BE49-F238E27FC236}">
+                <a16:creationId xmlns:a16="http://schemas.microsoft.com/office/drawing/2014/main" id="{555668B6-9249-D6AC-827C-FE9F949471F2}"/>
+              </a:ext>
+            </a:extLst>
+          </p:cNvPr>
+          <p:cNvPicPr>
+            <a:picLocks noChangeAspect="1"/>
+          </p:cNvPicPr>
+          <p:nvPr/>
+        </p:nvPicPr>
+        <p:blipFill>
+          <a:blip r:embed="rId4" cstate="print">
+            <a:extLst>
+              <a:ext uri="{28A0092B-C50C-407E-A947-70E740481C1C}">
+                <a14:useLocalDpi xmlns:a14="http://schemas.microsoft.com/office/drawing/2010/main" val="0"/>
+              </a:ext>
+            </a:extLst>
+          </a:blip>
+          <a:stretch>
+            <a:fillRect/>
+          </a:stretch>
+        </p:blipFill>
+        <p:spPr>
+          <a:xfrm>
+            <a:off x="422970" y="5118649"/>
+            <a:ext cx="1489749" cy="1126018"/>
+          </a:xfrm>
+          <a:prstGeom prst="rect">
+            <a:avLst/>
+          </a:prstGeom>
+        </p:spPr>
+      </p:pic>
+      <p:pic>
+        <p:nvPicPr>
+          <p:cNvPr id="6" name="그림 5">
+            <a:extLst>
+              <a:ext uri="{FF2B5EF4-FFF2-40B4-BE49-F238E27FC236}">
+                <a16:creationId xmlns:a16="http://schemas.microsoft.com/office/drawing/2014/main" id="{0D3C0B65-E01B-6706-B9A9-050792C7F4C6}"/>
+              </a:ext>
+            </a:extLst>
+          </p:cNvPr>
+          <p:cNvPicPr>
+            <a:picLocks noChangeAspect="1"/>
+          </p:cNvPicPr>
+          <p:nvPr/>
+        </p:nvPicPr>
+        <p:blipFill>
+          <a:blip r:embed="rId4" cstate="print">
+            <a:extLst>
+              <a:ext uri="{28A0092B-C50C-407E-A947-70E740481C1C}">
+                <a14:useLocalDpi xmlns:a14="http://schemas.microsoft.com/office/drawing/2010/main" val="0"/>
+              </a:ext>
+            </a:extLst>
+          </a:blip>
+          <a:stretch>
+            <a:fillRect/>
+          </a:stretch>
+        </p:blipFill>
+        <p:spPr>
+          <a:xfrm>
+            <a:off x="3117093" y="5118649"/>
+            <a:ext cx="1489749" cy="1126018"/>
+          </a:xfrm>
+          <a:prstGeom prst="rect">
+            <a:avLst/>
+          </a:prstGeom>
+        </p:spPr>
+      </p:pic>
+      <p:sp>
+        <p:nvSpPr>
+          <p:cNvPr id="7" name="내용 개체 틀 4">
+            <a:extLst>
+              <a:ext uri="{FF2B5EF4-FFF2-40B4-BE49-F238E27FC236}">
+                <a16:creationId xmlns:a16="http://schemas.microsoft.com/office/drawing/2014/main" id="{6FA0D524-123D-7974-2003-988190BA846B}"/>
+              </a:ext>
+            </a:extLst>
+          </p:cNvPr>
+          <p:cNvSpPr txBox="1">
+            <a:spLocks/>
+          </p:cNvSpPr>
+          <p:nvPr/>
+        </p:nvSpPr>
+        <p:spPr>
+          <a:xfrm>
+            <a:off x="422970" y="6244667"/>
+            <a:ext cx="1489749" cy="430887"/>
+          </a:xfrm>
+          <a:prstGeom prst="rect">
+            <a:avLst/>
+          </a:prstGeom>
+        </p:spPr>
+        <p:txBody>
+          <a:bodyPr wrap="square">
+            <a:spAutoFit/>
+          </a:bodyPr>
+          <a:lstStyle>
+            <a:lvl1pPr marL="355600" indent="-355600" algn="l" defTabSz="914400" rtl="0" eaLnBrk="1" latinLnBrk="1" hangingPunct="1">
+              <a:spcBef>
+                <a:spcPct val="20000"/>
+              </a:spcBef>
+              <a:buFont typeface="Wingdings" panose="05000000000000000000" pitchFamily="2" charset="2"/>
+              <a:buChar char="§"/>
+              <a:defRPr sz="1800" kern="1200">
+                <a:solidFill>
+                  <a:schemeClr val="tx1"/>
+                </a:solidFill>
+                <a:latin typeface="+mn-lt"/>
+                <a:ea typeface="+mn-ea"/>
+                <a:cs typeface="+mn-cs"/>
+              </a:defRPr>
+            </a:lvl1pPr>
+            <a:lvl2pPr marL="742950" indent="-379413" algn="l" defTabSz="914400" rtl="0" eaLnBrk="1" latinLnBrk="1" hangingPunct="1">
+              <a:spcBef>
+                <a:spcPct val="20000"/>
+              </a:spcBef>
+              <a:buFont typeface="Wingdings" panose="05000000000000000000" pitchFamily="2" charset="2"/>
+              <a:buChar char="§"/>
+              <a:defRPr sz="1600" kern="1200">
+                <a:solidFill>
+                  <a:schemeClr val="tx1"/>
+                </a:solidFill>
+                <a:latin typeface="+mn-lt"/>
+                <a:ea typeface="+mn-ea"/>
+                <a:cs typeface="+mn-cs"/>
+              </a:defRPr>
+            </a:lvl2pPr>
+            <a:lvl3pPr marL="1079500" indent="-355600" algn="l" defTabSz="914400" rtl="0" eaLnBrk="1" latinLnBrk="1" hangingPunct="1">
+              <a:spcBef>
+                <a:spcPct val="20000"/>
+              </a:spcBef>
+              <a:buFont typeface="Wingdings" panose="05000000000000000000" pitchFamily="2" charset="2"/>
+              <a:buChar char="§"/>
+              <a:defRPr sz="1600" kern="1200">
+                <a:solidFill>
+                  <a:schemeClr val="tx1"/>
+                </a:solidFill>
+                <a:latin typeface="+mn-lt"/>
+                <a:ea typeface="+mn-ea"/>
+                <a:cs typeface="+mn-cs"/>
+              </a:defRPr>
+            </a:lvl3pPr>
+            <a:lvl4pPr marL="1435100" indent="-355600" algn="l" defTabSz="914400" rtl="0" eaLnBrk="1" latinLnBrk="1" hangingPunct="1">
+              <a:spcBef>
+                <a:spcPct val="20000"/>
+              </a:spcBef>
+              <a:buFont typeface="Wingdings" panose="05000000000000000000" pitchFamily="2" charset="2"/>
+              <a:buChar char="§"/>
+              <a:defRPr sz="1600" kern="1200">
+                <a:solidFill>
+                  <a:schemeClr val="tx1"/>
+                </a:solidFill>
+                <a:latin typeface="+mn-lt"/>
+                <a:ea typeface="+mn-ea"/>
+                <a:cs typeface="+mn-cs"/>
+              </a:defRPr>
+            </a:lvl4pPr>
+            <a:lvl5pPr marL="1790700" indent="-355600" algn="l" defTabSz="914400" rtl="0" eaLnBrk="1" latinLnBrk="1" hangingPunct="1">
+              <a:spcBef>
+                <a:spcPct val="20000"/>
+              </a:spcBef>
+              <a:buFont typeface="Wingdings" panose="05000000000000000000" pitchFamily="2" charset="2"/>
+              <a:buChar char="§"/>
+              <a:defRPr sz="1600" kern="1200">
+                <a:solidFill>
+                  <a:schemeClr val="tx1"/>
+                </a:solidFill>
+                <a:latin typeface="+mn-lt"/>
+                <a:ea typeface="+mn-ea"/>
+                <a:cs typeface="+mn-cs"/>
+              </a:defRPr>
+            </a:lvl5pPr>
+            <a:lvl6pPr marL="2514600" indent="-228600" algn="l" defTabSz="914400" rtl="0" eaLnBrk="1" latinLnBrk="1" hangingPunct="1">
+              <a:spcBef>
+                <a:spcPct val="20000"/>
+              </a:spcBef>
+              <a:buFont typeface="Arial" pitchFamily="34" charset="0"/>
+              <a:buChar char="•"/>
+              <a:defRPr sz="2000" kern="1200">
+                <a:solidFill>
+                  <a:schemeClr val="tx1"/>
+                </a:solidFill>
+                <a:latin typeface="+mn-lt"/>
+                <a:ea typeface="+mn-ea"/>
+                <a:cs typeface="+mn-cs"/>
+              </a:defRPr>
+            </a:lvl6pPr>
+            <a:lvl7pPr marL="2971800" indent="-228600" algn="l" defTabSz="914400" rtl="0" eaLnBrk="1" latinLnBrk="1" hangingPunct="1">
+              <a:spcBef>
+                <a:spcPct val="20000"/>
+              </a:spcBef>
+              <a:buFont typeface="Arial" pitchFamily="34" charset="0"/>
+              <a:buChar char="•"/>
+              <a:defRPr sz="2000" kern="1200">
+                <a:solidFill>
+                  <a:schemeClr val="tx1"/>
+                </a:solidFill>
+                <a:latin typeface="+mn-lt"/>
+                <a:ea typeface="+mn-ea"/>
+                <a:cs typeface="+mn-cs"/>
+              </a:defRPr>
+            </a:lvl7pPr>
+            <a:lvl8pPr marL="3429000" indent="-228600" algn="l" defTabSz="914400" rtl="0" eaLnBrk="1" latinLnBrk="1" hangingPunct="1">
+              <a:spcBef>
+                <a:spcPct val="20000"/>
+              </a:spcBef>
+              <a:buFont typeface="Arial" pitchFamily="34" charset="0"/>
+              <a:buChar char="•"/>
+              <a:defRPr sz="2000" kern="1200">
+                <a:solidFill>
+                  <a:schemeClr val="tx1"/>
+                </a:solidFill>
+                <a:latin typeface="+mn-lt"/>
+                <a:ea typeface="+mn-ea"/>
+                <a:cs typeface="+mn-cs"/>
+              </a:defRPr>
+            </a:lvl8pPr>
+            <a:lvl9pPr marL="3886200" indent="-228600" algn="l" defTabSz="914400" rtl="0" eaLnBrk="1" latinLnBrk="1" hangingPunct="1">
+              <a:spcBef>
+                <a:spcPct val="20000"/>
+              </a:spcBef>
+              <a:buFont typeface="Arial" pitchFamily="34" charset="0"/>
+              <a:buChar char="•"/>
+              <a:defRPr sz="2000" kern="1200">
+                <a:solidFill>
+                  <a:schemeClr val="tx1"/>
+                </a:solidFill>
+                <a:latin typeface="+mn-lt"/>
+                <a:ea typeface="+mn-ea"/>
+                <a:cs typeface="+mn-cs"/>
+              </a:defRPr>
+            </a:lvl9pPr>
+          </a:lstStyle>
+          <a:p>
+            <a:pPr marL="0" indent="0" algn="ctr">
+              <a:buFont typeface="Wingdings" panose="05000000000000000000" pitchFamily="2" charset="2"/>
+              <a:buNone/>
+            </a:pPr>
+            <a:r>
+              <a:rPr lang="ko-KR" altLang="en-US" sz="1000">
+                <a:latin typeface="+mn-ea"/>
+              </a:rPr>
+              <a:t>인코더</a:t>
+            </a:r>
+            <a:endParaRPr lang="en-US" altLang="ko-KR" sz="1000">
+              <a:latin typeface="+mn-ea"/>
+            </a:endParaRPr>
+          </a:p>
+          <a:p>
+            <a:pPr marL="0" indent="0" algn="ctr">
+              <a:buFont typeface="Wingdings" panose="05000000000000000000" pitchFamily="2" charset="2"/>
+              <a:buNone/>
+            </a:pPr>
+            <a:r>
+              <a:rPr lang="en-US" altLang="ko-KR" sz="1000">
+                <a:latin typeface="+mn-ea"/>
+              </a:rPr>
+              <a:t>(</a:t>
+            </a:r>
+            <a:r>
+              <a:rPr lang="ko-KR" altLang="en-US" sz="1000">
+                <a:latin typeface="+mn-ea"/>
+              </a:rPr>
+              <a:t>판별기에 해당</a:t>
+            </a:r>
+            <a:r>
+              <a:rPr lang="en-US" altLang="ko-KR" sz="1000">
+                <a:latin typeface="+mn-ea"/>
+              </a:rPr>
+              <a:t>)</a:t>
+            </a:r>
+            <a:endParaRPr lang="en-US" altLang="ko-KR" sz="1000" dirty="0">
+              <a:latin typeface="+mn-ea"/>
+            </a:endParaRPr>
+          </a:p>
+        </p:txBody>
+      </p:sp>
+      <p:sp>
+        <p:nvSpPr>
+          <p:cNvPr id="8" name="내용 개체 틀 4">
+            <a:extLst>
+              <a:ext uri="{FF2B5EF4-FFF2-40B4-BE49-F238E27FC236}">
+                <a16:creationId xmlns:a16="http://schemas.microsoft.com/office/drawing/2014/main" id="{7DFE8190-B33C-FC96-FF43-FFD38A371E72}"/>
+              </a:ext>
+            </a:extLst>
+          </p:cNvPr>
+          <p:cNvSpPr txBox="1">
+            <a:spLocks/>
+          </p:cNvSpPr>
+          <p:nvPr/>
+        </p:nvSpPr>
+        <p:spPr>
+          <a:xfrm>
+            <a:off x="3208863" y="6244667"/>
+            <a:ext cx="1397979" cy="430887"/>
+          </a:xfrm>
+          <a:prstGeom prst="rect">
+            <a:avLst/>
+          </a:prstGeom>
+        </p:spPr>
+        <p:txBody>
+          <a:bodyPr wrap="square">
+            <a:spAutoFit/>
+          </a:bodyPr>
+          <a:lstStyle>
+            <a:lvl1pPr marL="355600" indent="-355600" algn="l" defTabSz="914400" rtl="0" eaLnBrk="1" latinLnBrk="1" hangingPunct="1">
+              <a:spcBef>
+                <a:spcPct val="20000"/>
+              </a:spcBef>
+              <a:buFont typeface="Wingdings" panose="05000000000000000000" pitchFamily="2" charset="2"/>
+              <a:buChar char="§"/>
+              <a:defRPr sz="1800" kern="1200">
+                <a:solidFill>
+                  <a:schemeClr val="tx1"/>
+                </a:solidFill>
+                <a:latin typeface="+mn-lt"/>
+                <a:ea typeface="+mn-ea"/>
+                <a:cs typeface="+mn-cs"/>
+              </a:defRPr>
+            </a:lvl1pPr>
+            <a:lvl2pPr marL="742950" indent="-379413" algn="l" defTabSz="914400" rtl="0" eaLnBrk="1" latinLnBrk="1" hangingPunct="1">
+              <a:spcBef>
+                <a:spcPct val="20000"/>
+              </a:spcBef>
+              <a:buFont typeface="Wingdings" panose="05000000000000000000" pitchFamily="2" charset="2"/>
+              <a:buChar char="§"/>
+              <a:defRPr sz="1600" kern="1200">
+                <a:solidFill>
+                  <a:schemeClr val="tx1"/>
+                </a:solidFill>
+                <a:latin typeface="+mn-lt"/>
+                <a:ea typeface="+mn-ea"/>
+                <a:cs typeface="+mn-cs"/>
+              </a:defRPr>
+            </a:lvl2pPr>
+            <a:lvl3pPr marL="1079500" indent="-355600" algn="l" defTabSz="914400" rtl="0" eaLnBrk="1" latinLnBrk="1" hangingPunct="1">
+              <a:spcBef>
+                <a:spcPct val="20000"/>
+              </a:spcBef>
+              <a:buFont typeface="Wingdings" panose="05000000000000000000" pitchFamily="2" charset="2"/>
+              <a:buChar char="§"/>
+              <a:defRPr sz="1600" kern="1200">
+                <a:solidFill>
+                  <a:schemeClr val="tx1"/>
+                </a:solidFill>
+                <a:latin typeface="+mn-lt"/>
+                <a:ea typeface="+mn-ea"/>
+                <a:cs typeface="+mn-cs"/>
+              </a:defRPr>
+            </a:lvl3pPr>
+            <a:lvl4pPr marL="1435100" indent="-355600" algn="l" defTabSz="914400" rtl="0" eaLnBrk="1" latinLnBrk="1" hangingPunct="1">
+              <a:spcBef>
+                <a:spcPct val="20000"/>
+              </a:spcBef>
+              <a:buFont typeface="Wingdings" panose="05000000000000000000" pitchFamily="2" charset="2"/>
+              <a:buChar char="§"/>
+              <a:defRPr sz="1600" kern="1200">
+                <a:solidFill>
+                  <a:schemeClr val="tx1"/>
+                </a:solidFill>
+                <a:latin typeface="+mn-lt"/>
+                <a:ea typeface="+mn-ea"/>
+                <a:cs typeface="+mn-cs"/>
+              </a:defRPr>
+            </a:lvl4pPr>
+            <a:lvl5pPr marL="1790700" indent="-355600" algn="l" defTabSz="914400" rtl="0" eaLnBrk="1" latinLnBrk="1" hangingPunct="1">
+              <a:spcBef>
+                <a:spcPct val="20000"/>
+              </a:spcBef>
+              <a:buFont typeface="Wingdings" panose="05000000000000000000" pitchFamily="2" charset="2"/>
+              <a:buChar char="§"/>
+              <a:defRPr sz="1600" kern="1200">
+                <a:solidFill>
+                  <a:schemeClr val="tx1"/>
+                </a:solidFill>
+                <a:latin typeface="+mn-lt"/>
+                <a:ea typeface="+mn-ea"/>
+                <a:cs typeface="+mn-cs"/>
+              </a:defRPr>
+            </a:lvl5pPr>
+            <a:lvl6pPr marL="2514600" indent="-228600" algn="l" defTabSz="914400" rtl="0" eaLnBrk="1" latinLnBrk="1" hangingPunct="1">
+              <a:spcBef>
+                <a:spcPct val="20000"/>
+              </a:spcBef>
+              <a:buFont typeface="Arial" pitchFamily="34" charset="0"/>
+              <a:buChar char="•"/>
+              <a:defRPr sz="2000" kern="1200">
+                <a:solidFill>
+                  <a:schemeClr val="tx1"/>
+                </a:solidFill>
+                <a:latin typeface="+mn-lt"/>
+                <a:ea typeface="+mn-ea"/>
+                <a:cs typeface="+mn-cs"/>
+              </a:defRPr>
+            </a:lvl6pPr>
+            <a:lvl7pPr marL="2971800" indent="-228600" algn="l" defTabSz="914400" rtl="0" eaLnBrk="1" latinLnBrk="1" hangingPunct="1">
+              <a:spcBef>
+                <a:spcPct val="20000"/>
+              </a:spcBef>
+              <a:buFont typeface="Arial" pitchFamily="34" charset="0"/>
+              <a:buChar char="•"/>
+              <a:defRPr sz="2000" kern="1200">
+                <a:solidFill>
+                  <a:schemeClr val="tx1"/>
+                </a:solidFill>
+                <a:latin typeface="+mn-lt"/>
+                <a:ea typeface="+mn-ea"/>
+                <a:cs typeface="+mn-cs"/>
+              </a:defRPr>
+            </a:lvl7pPr>
+            <a:lvl8pPr marL="3429000" indent="-228600" algn="l" defTabSz="914400" rtl="0" eaLnBrk="1" latinLnBrk="1" hangingPunct="1">
+              <a:spcBef>
+                <a:spcPct val="20000"/>
+              </a:spcBef>
+              <a:buFont typeface="Arial" pitchFamily="34" charset="0"/>
+              <a:buChar char="•"/>
+              <a:defRPr sz="2000" kern="1200">
+                <a:solidFill>
+                  <a:schemeClr val="tx1"/>
+                </a:solidFill>
+                <a:latin typeface="+mn-lt"/>
+                <a:ea typeface="+mn-ea"/>
+                <a:cs typeface="+mn-cs"/>
+              </a:defRPr>
+            </a:lvl8pPr>
+            <a:lvl9pPr marL="3886200" indent="-228600" algn="l" defTabSz="914400" rtl="0" eaLnBrk="1" latinLnBrk="1" hangingPunct="1">
+              <a:spcBef>
+                <a:spcPct val="20000"/>
+              </a:spcBef>
+              <a:buFont typeface="Arial" pitchFamily="34" charset="0"/>
+              <a:buChar char="•"/>
+              <a:defRPr sz="2000" kern="1200">
+                <a:solidFill>
+                  <a:schemeClr val="tx1"/>
+                </a:solidFill>
+                <a:latin typeface="+mn-lt"/>
+                <a:ea typeface="+mn-ea"/>
+                <a:cs typeface="+mn-cs"/>
+              </a:defRPr>
+            </a:lvl9pPr>
+          </a:lstStyle>
+          <a:p>
+            <a:pPr marL="0" indent="0" algn="ctr">
+              <a:buFont typeface="Wingdings" panose="05000000000000000000" pitchFamily="2" charset="2"/>
+              <a:buNone/>
+            </a:pPr>
+            <a:r>
+              <a:rPr lang="ko-KR" altLang="en-US" sz="1000">
+                <a:latin typeface="+mn-ea"/>
+              </a:rPr>
+              <a:t>디코더</a:t>
+            </a:r>
+            <a:endParaRPr lang="en-US" altLang="ko-KR" sz="1000">
+              <a:latin typeface="+mn-ea"/>
+            </a:endParaRPr>
+          </a:p>
+          <a:p>
+            <a:pPr marL="0" indent="0" algn="ctr">
+              <a:buFont typeface="Wingdings" panose="05000000000000000000" pitchFamily="2" charset="2"/>
+              <a:buNone/>
+            </a:pPr>
+            <a:r>
+              <a:rPr lang="en-US" altLang="ko-KR" sz="1000">
+                <a:latin typeface="+mn-ea"/>
+              </a:rPr>
+              <a:t>(</a:t>
+            </a:r>
+            <a:r>
+              <a:rPr lang="ko-KR" altLang="en-US" sz="1000">
+                <a:latin typeface="+mn-ea"/>
+              </a:rPr>
+              <a:t>생성기에 해당</a:t>
+            </a:r>
+            <a:r>
+              <a:rPr lang="en-US" altLang="ko-KR" sz="1000">
+                <a:latin typeface="+mn-ea"/>
+              </a:rPr>
+              <a:t>)</a:t>
+            </a:r>
+            <a:endParaRPr lang="en-US" altLang="ko-KR" sz="1000" dirty="0">
+              <a:latin typeface="+mn-ea"/>
+            </a:endParaRPr>
+          </a:p>
+        </p:txBody>
+      </p:sp>
+      <p:sp>
+        <p:nvSpPr>
+          <p:cNvPr id="9" name="화살표: 줄무늬가 있는 오른쪽 8">
+            <a:extLst>
+              <a:ext uri="{FF2B5EF4-FFF2-40B4-BE49-F238E27FC236}">
+                <a16:creationId xmlns:a16="http://schemas.microsoft.com/office/drawing/2014/main" id="{17766BEC-99C5-F54C-2722-E42B36FA8298}"/>
+              </a:ext>
+            </a:extLst>
+          </p:cNvPr>
+          <p:cNvSpPr/>
+          <p:nvPr/>
+        </p:nvSpPr>
+        <p:spPr>
+          <a:xfrm>
+            <a:off x="2185069" y="5429716"/>
+            <a:ext cx="648072" cy="504056"/>
+          </a:xfrm>
+          <a:prstGeom prst="stripedRightArrow">
+            <a:avLst/>
+          </a:prstGeom>
+          <a:solidFill>
+            <a:schemeClr val="bg1">
+              <a:lumMod val="85000"/>
+            </a:schemeClr>
+          </a:solidFill>
+          <a:ln w="19050">
+            <a:solidFill>
+              <a:schemeClr val="tx1">
+                <a:lumMod val="50000"/>
+                <a:lumOff val="50000"/>
+              </a:schemeClr>
+            </a:solidFill>
+          </a:ln>
+        </p:spPr>
+        <p:style>
+          <a:lnRef idx="2">
+            <a:schemeClr val="accent1">
+              <a:shade val="15000"/>
+            </a:schemeClr>
+          </a:lnRef>
+          <a:fillRef idx="1">
+            <a:schemeClr val="accent1"/>
+          </a:fillRef>
+          <a:effectRef idx="0">
+            <a:schemeClr val="accent1"/>
+          </a:effectRef>
+          <a:fontRef idx="minor">
+            <a:schemeClr val="lt1"/>
+          </a:fontRef>
+        </p:style>
+        <p:txBody>
+          <a:bodyPr rtlCol="0" anchor="ctr"/>
+          <a:lstStyle/>
+          <a:p>
+            <a:pPr algn="ctr"/>
+            <a:endParaRPr lang="ko-KR" altLang="en-US"/>
+          </a:p>
+        </p:txBody>
+      </p:sp>
+      <p:pic>
+        <p:nvPicPr>
+          <p:cNvPr id="10" name="그림 9">
+            <a:extLst>
+              <a:ext uri="{FF2B5EF4-FFF2-40B4-BE49-F238E27FC236}">
+                <a16:creationId xmlns:a16="http://schemas.microsoft.com/office/drawing/2014/main" id="{5203096C-E096-4E28-7242-7725C1222F33}"/>
+              </a:ext>
+            </a:extLst>
+          </p:cNvPr>
+          <p:cNvPicPr>
+            <a:picLocks noChangeAspect="1"/>
+          </p:cNvPicPr>
+          <p:nvPr/>
+        </p:nvPicPr>
+        <p:blipFill>
+          <a:blip r:embed="rId4" cstate="print">
+            <a:extLst>
+              <a:ext uri="{28A0092B-C50C-407E-A947-70E740481C1C}">
+                <a14:useLocalDpi xmlns:a14="http://schemas.microsoft.com/office/drawing/2010/main" val="0"/>
+              </a:ext>
+            </a:extLst>
+          </a:blip>
+          <a:stretch>
+            <a:fillRect/>
+          </a:stretch>
+        </p:blipFill>
+        <p:spPr>
+          <a:xfrm>
+            <a:off x="5351285" y="4217001"/>
+            <a:ext cx="1489749" cy="1126018"/>
+          </a:xfrm>
+          <a:prstGeom prst="rect">
+            <a:avLst/>
+          </a:prstGeom>
+        </p:spPr>
+      </p:pic>
+      <p:pic>
+        <p:nvPicPr>
+          <p:cNvPr id="11" name="그림 10">
+            <a:extLst>
+              <a:ext uri="{FF2B5EF4-FFF2-40B4-BE49-F238E27FC236}">
+                <a16:creationId xmlns:a16="http://schemas.microsoft.com/office/drawing/2014/main" id="{4539121A-3D07-778A-A711-B6452BAEBEAB}"/>
+              </a:ext>
+            </a:extLst>
+          </p:cNvPr>
+          <p:cNvPicPr>
+            <a:picLocks noChangeAspect="1"/>
+          </p:cNvPicPr>
+          <p:nvPr/>
+        </p:nvPicPr>
+        <p:blipFill>
+          <a:blip r:embed="rId4" cstate="print">
+            <a:extLst>
+              <a:ext uri="{28A0092B-C50C-407E-A947-70E740481C1C}">
+                <a14:useLocalDpi xmlns:a14="http://schemas.microsoft.com/office/drawing/2010/main" val="0"/>
+              </a:ext>
+            </a:extLst>
+          </a:blip>
+          <a:stretch>
+            <a:fillRect/>
+          </a:stretch>
+        </p:blipFill>
+        <p:spPr>
+          <a:xfrm>
+            <a:off x="8045408" y="4217001"/>
+            <a:ext cx="1489749" cy="1126018"/>
+          </a:xfrm>
+          <a:prstGeom prst="rect">
+            <a:avLst/>
+          </a:prstGeom>
+        </p:spPr>
+      </p:pic>
+      <p:sp>
+        <p:nvSpPr>
+          <p:cNvPr id="12" name="내용 개체 틀 4">
+            <a:extLst>
+              <a:ext uri="{FF2B5EF4-FFF2-40B4-BE49-F238E27FC236}">
+                <a16:creationId xmlns:a16="http://schemas.microsoft.com/office/drawing/2014/main" id="{0278526B-3A10-CF2D-E56B-8ABC5C68EFCC}"/>
+              </a:ext>
+            </a:extLst>
+          </p:cNvPr>
+          <p:cNvSpPr txBox="1">
+            <a:spLocks/>
+          </p:cNvSpPr>
+          <p:nvPr/>
+        </p:nvSpPr>
+        <p:spPr>
+          <a:xfrm>
+            <a:off x="5679962" y="5343019"/>
+            <a:ext cx="832394" cy="246221"/>
+          </a:xfrm>
+          <a:prstGeom prst="rect">
+            <a:avLst/>
+          </a:prstGeom>
+        </p:spPr>
+        <p:txBody>
+          <a:bodyPr wrap="square">
+            <a:spAutoFit/>
+          </a:bodyPr>
+          <a:lstStyle>
+            <a:lvl1pPr marL="355600" indent="-355600" algn="l" defTabSz="914400" rtl="0" eaLnBrk="1" latinLnBrk="1" hangingPunct="1">
+              <a:spcBef>
+                <a:spcPct val="20000"/>
+              </a:spcBef>
+              <a:buFont typeface="Wingdings" panose="05000000000000000000" pitchFamily="2" charset="2"/>
+              <a:buChar char="§"/>
+              <a:defRPr sz="1800" kern="1200">
+                <a:solidFill>
+                  <a:schemeClr val="tx1"/>
+                </a:solidFill>
+                <a:latin typeface="+mn-lt"/>
+                <a:ea typeface="+mn-ea"/>
+                <a:cs typeface="+mn-cs"/>
+              </a:defRPr>
+            </a:lvl1pPr>
+            <a:lvl2pPr marL="742950" indent="-379413" algn="l" defTabSz="914400" rtl="0" eaLnBrk="1" latinLnBrk="1" hangingPunct="1">
+              <a:spcBef>
+                <a:spcPct val="20000"/>
+              </a:spcBef>
+              <a:buFont typeface="Wingdings" panose="05000000000000000000" pitchFamily="2" charset="2"/>
+              <a:buChar char="§"/>
+              <a:defRPr sz="1600" kern="1200">
+                <a:solidFill>
+                  <a:schemeClr val="tx1"/>
+                </a:solidFill>
+                <a:latin typeface="+mn-lt"/>
+                <a:ea typeface="+mn-ea"/>
+                <a:cs typeface="+mn-cs"/>
+              </a:defRPr>
+            </a:lvl2pPr>
+            <a:lvl3pPr marL="1079500" indent="-355600" algn="l" defTabSz="914400" rtl="0" eaLnBrk="1" latinLnBrk="1" hangingPunct="1">
+              <a:spcBef>
+                <a:spcPct val="20000"/>
+              </a:spcBef>
+              <a:buFont typeface="Wingdings" panose="05000000000000000000" pitchFamily="2" charset="2"/>
+              <a:buChar char="§"/>
+              <a:defRPr sz="1600" kern="1200">
+                <a:solidFill>
+                  <a:schemeClr val="tx1"/>
+                </a:solidFill>
+                <a:latin typeface="+mn-lt"/>
+                <a:ea typeface="+mn-ea"/>
+                <a:cs typeface="+mn-cs"/>
+              </a:defRPr>
+            </a:lvl3pPr>
+            <a:lvl4pPr marL="1435100" indent="-355600" algn="l" defTabSz="914400" rtl="0" eaLnBrk="1" latinLnBrk="1" hangingPunct="1">
+              <a:spcBef>
+                <a:spcPct val="20000"/>
+              </a:spcBef>
+              <a:buFont typeface="Wingdings" panose="05000000000000000000" pitchFamily="2" charset="2"/>
+              <a:buChar char="§"/>
+              <a:defRPr sz="1600" kern="1200">
+                <a:solidFill>
+                  <a:schemeClr val="tx1"/>
+                </a:solidFill>
+                <a:latin typeface="+mn-lt"/>
+                <a:ea typeface="+mn-ea"/>
+                <a:cs typeface="+mn-cs"/>
+              </a:defRPr>
+            </a:lvl4pPr>
+            <a:lvl5pPr marL="1790700" indent="-355600" algn="l" defTabSz="914400" rtl="0" eaLnBrk="1" latinLnBrk="1" hangingPunct="1">
+              <a:spcBef>
+                <a:spcPct val="20000"/>
+              </a:spcBef>
+              <a:buFont typeface="Wingdings" panose="05000000000000000000" pitchFamily="2" charset="2"/>
+              <a:buChar char="§"/>
+              <a:defRPr sz="1600" kern="1200">
+                <a:solidFill>
+                  <a:schemeClr val="tx1"/>
+                </a:solidFill>
+                <a:latin typeface="+mn-lt"/>
+                <a:ea typeface="+mn-ea"/>
+                <a:cs typeface="+mn-cs"/>
+              </a:defRPr>
+            </a:lvl5pPr>
+            <a:lvl6pPr marL="2514600" indent="-228600" algn="l" defTabSz="914400" rtl="0" eaLnBrk="1" latinLnBrk="1" hangingPunct="1">
+              <a:spcBef>
+                <a:spcPct val="20000"/>
+              </a:spcBef>
+              <a:buFont typeface="Arial" pitchFamily="34" charset="0"/>
+              <a:buChar char="•"/>
+              <a:defRPr sz="2000" kern="1200">
+                <a:solidFill>
+                  <a:schemeClr val="tx1"/>
+                </a:solidFill>
+                <a:latin typeface="+mn-lt"/>
+                <a:ea typeface="+mn-ea"/>
+                <a:cs typeface="+mn-cs"/>
+              </a:defRPr>
+            </a:lvl6pPr>
+            <a:lvl7pPr marL="2971800" indent="-228600" algn="l" defTabSz="914400" rtl="0" eaLnBrk="1" latinLnBrk="1" hangingPunct="1">
+              <a:spcBef>
+                <a:spcPct val="20000"/>
+              </a:spcBef>
+              <a:buFont typeface="Arial" pitchFamily="34" charset="0"/>
+              <a:buChar char="•"/>
+              <a:defRPr sz="2000" kern="1200">
+                <a:solidFill>
+                  <a:schemeClr val="tx1"/>
+                </a:solidFill>
+                <a:latin typeface="+mn-lt"/>
+                <a:ea typeface="+mn-ea"/>
+                <a:cs typeface="+mn-cs"/>
+              </a:defRPr>
+            </a:lvl7pPr>
+            <a:lvl8pPr marL="3429000" indent="-228600" algn="l" defTabSz="914400" rtl="0" eaLnBrk="1" latinLnBrk="1" hangingPunct="1">
+              <a:spcBef>
+                <a:spcPct val="20000"/>
+              </a:spcBef>
+              <a:buFont typeface="Arial" pitchFamily="34" charset="0"/>
+              <a:buChar char="•"/>
+              <a:defRPr sz="2000" kern="1200">
+                <a:solidFill>
+                  <a:schemeClr val="tx1"/>
+                </a:solidFill>
+                <a:latin typeface="+mn-lt"/>
+                <a:ea typeface="+mn-ea"/>
+                <a:cs typeface="+mn-cs"/>
+              </a:defRPr>
+            </a:lvl8pPr>
+            <a:lvl9pPr marL="3886200" indent="-228600" algn="l" defTabSz="914400" rtl="0" eaLnBrk="1" latinLnBrk="1" hangingPunct="1">
+              <a:spcBef>
+                <a:spcPct val="20000"/>
+              </a:spcBef>
+              <a:buFont typeface="Arial" pitchFamily="34" charset="0"/>
+              <a:buChar char="•"/>
+              <a:defRPr sz="2000" kern="1200">
+                <a:solidFill>
+                  <a:schemeClr val="tx1"/>
+                </a:solidFill>
+                <a:latin typeface="+mn-lt"/>
+                <a:ea typeface="+mn-ea"/>
+                <a:cs typeface="+mn-cs"/>
+              </a:defRPr>
+            </a:lvl9pPr>
+          </a:lstStyle>
+          <a:p>
+            <a:pPr marL="0" indent="0" algn="ctr">
+              <a:buFont typeface="Wingdings" panose="05000000000000000000" pitchFamily="2" charset="2"/>
+              <a:buNone/>
+            </a:pPr>
+            <a:r>
+              <a:rPr lang="ko-KR" altLang="en-US" sz="1000">
+                <a:latin typeface="+mn-ea"/>
+              </a:rPr>
+              <a:t>생성기</a:t>
+            </a:r>
+            <a:endParaRPr lang="en-US" altLang="ko-KR" sz="1000" dirty="0">
+              <a:latin typeface="+mn-ea"/>
+            </a:endParaRPr>
+          </a:p>
+        </p:txBody>
+      </p:sp>
+      <p:sp>
+        <p:nvSpPr>
+          <p:cNvPr id="13" name="내용 개체 틀 4">
+            <a:extLst>
+              <a:ext uri="{FF2B5EF4-FFF2-40B4-BE49-F238E27FC236}">
+                <a16:creationId xmlns:a16="http://schemas.microsoft.com/office/drawing/2014/main" id="{4C297144-9712-7A20-358B-D28C04062264}"/>
+              </a:ext>
+            </a:extLst>
+          </p:cNvPr>
+          <p:cNvSpPr txBox="1">
+            <a:spLocks/>
+          </p:cNvSpPr>
+          <p:nvPr/>
+        </p:nvSpPr>
+        <p:spPr>
+          <a:xfrm>
+            <a:off x="8374085" y="5343019"/>
+            <a:ext cx="832394" cy="246221"/>
+          </a:xfrm>
+          <a:prstGeom prst="rect">
+            <a:avLst/>
+          </a:prstGeom>
+        </p:spPr>
+        <p:txBody>
+          <a:bodyPr wrap="square">
+            <a:spAutoFit/>
+          </a:bodyPr>
+          <a:lstStyle>
+            <a:lvl1pPr marL="355600" indent="-355600" algn="l" defTabSz="914400" rtl="0" eaLnBrk="1" latinLnBrk="1" hangingPunct="1">
+              <a:spcBef>
+                <a:spcPct val="20000"/>
+              </a:spcBef>
+              <a:buFont typeface="Wingdings" panose="05000000000000000000" pitchFamily="2" charset="2"/>
+              <a:buChar char="§"/>
+              <a:defRPr sz="1800" kern="1200">
+                <a:solidFill>
+                  <a:schemeClr val="tx1"/>
+                </a:solidFill>
+                <a:latin typeface="+mn-lt"/>
+                <a:ea typeface="+mn-ea"/>
+                <a:cs typeface="+mn-cs"/>
+              </a:defRPr>
+            </a:lvl1pPr>
+            <a:lvl2pPr marL="742950" indent="-379413" algn="l" defTabSz="914400" rtl="0" eaLnBrk="1" latinLnBrk="1" hangingPunct="1">
+              <a:spcBef>
+                <a:spcPct val="20000"/>
+              </a:spcBef>
+              <a:buFont typeface="Wingdings" panose="05000000000000000000" pitchFamily="2" charset="2"/>
+              <a:buChar char="§"/>
+              <a:defRPr sz="1600" kern="1200">
+                <a:solidFill>
+                  <a:schemeClr val="tx1"/>
+                </a:solidFill>
+                <a:latin typeface="+mn-lt"/>
+                <a:ea typeface="+mn-ea"/>
+                <a:cs typeface="+mn-cs"/>
+              </a:defRPr>
+            </a:lvl2pPr>
+            <a:lvl3pPr marL="1079500" indent="-355600" algn="l" defTabSz="914400" rtl="0" eaLnBrk="1" latinLnBrk="1" hangingPunct="1">
+              <a:spcBef>
+                <a:spcPct val="20000"/>
+              </a:spcBef>
+              <a:buFont typeface="Wingdings" panose="05000000000000000000" pitchFamily="2" charset="2"/>
+              <a:buChar char="§"/>
+              <a:defRPr sz="1600" kern="1200">
+                <a:solidFill>
+                  <a:schemeClr val="tx1"/>
+                </a:solidFill>
+                <a:latin typeface="+mn-lt"/>
+                <a:ea typeface="+mn-ea"/>
+                <a:cs typeface="+mn-cs"/>
+              </a:defRPr>
+            </a:lvl3pPr>
+            <a:lvl4pPr marL="1435100" indent="-355600" algn="l" defTabSz="914400" rtl="0" eaLnBrk="1" latinLnBrk="1" hangingPunct="1">
+              <a:spcBef>
+                <a:spcPct val="20000"/>
+              </a:spcBef>
+              <a:buFont typeface="Wingdings" panose="05000000000000000000" pitchFamily="2" charset="2"/>
+              <a:buChar char="§"/>
+              <a:defRPr sz="1600" kern="1200">
+                <a:solidFill>
+                  <a:schemeClr val="tx1"/>
+                </a:solidFill>
+                <a:latin typeface="+mn-lt"/>
+                <a:ea typeface="+mn-ea"/>
+                <a:cs typeface="+mn-cs"/>
+              </a:defRPr>
+            </a:lvl4pPr>
+            <a:lvl5pPr marL="1790700" indent="-355600" algn="l" defTabSz="914400" rtl="0" eaLnBrk="1" latinLnBrk="1" hangingPunct="1">
+              <a:spcBef>
+                <a:spcPct val="20000"/>
+              </a:spcBef>
+              <a:buFont typeface="Wingdings" panose="05000000000000000000" pitchFamily="2" charset="2"/>
+              <a:buChar char="§"/>
+              <a:defRPr sz="1600" kern="1200">
+                <a:solidFill>
+                  <a:schemeClr val="tx1"/>
+                </a:solidFill>
+                <a:latin typeface="+mn-lt"/>
+                <a:ea typeface="+mn-ea"/>
+                <a:cs typeface="+mn-cs"/>
+              </a:defRPr>
+            </a:lvl5pPr>
+            <a:lvl6pPr marL="2514600" indent="-228600" algn="l" defTabSz="914400" rtl="0" eaLnBrk="1" latinLnBrk="1" hangingPunct="1">
+              <a:spcBef>
+                <a:spcPct val="20000"/>
+              </a:spcBef>
+              <a:buFont typeface="Arial" pitchFamily="34" charset="0"/>
+              <a:buChar char="•"/>
+              <a:defRPr sz="2000" kern="1200">
+                <a:solidFill>
+                  <a:schemeClr val="tx1"/>
+                </a:solidFill>
+                <a:latin typeface="+mn-lt"/>
+                <a:ea typeface="+mn-ea"/>
+                <a:cs typeface="+mn-cs"/>
+              </a:defRPr>
+            </a:lvl6pPr>
+            <a:lvl7pPr marL="2971800" indent="-228600" algn="l" defTabSz="914400" rtl="0" eaLnBrk="1" latinLnBrk="1" hangingPunct="1">
+              <a:spcBef>
+                <a:spcPct val="20000"/>
+              </a:spcBef>
+              <a:buFont typeface="Arial" pitchFamily="34" charset="0"/>
+              <a:buChar char="•"/>
+              <a:defRPr sz="2000" kern="1200">
+                <a:solidFill>
+                  <a:schemeClr val="tx1"/>
+                </a:solidFill>
+                <a:latin typeface="+mn-lt"/>
+                <a:ea typeface="+mn-ea"/>
+                <a:cs typeface="+mn-cs"/>
+              </a:defRPr>
+            </a:lvl7pPr>
+            <a:lvl8pPr marL="3429000" indent="-228600" algn="l" defTabSz="914400" rtl="0" eaLnBrk="1" latinLnBrk="1" hangingPunct="1">
+              <a:spcBef>
+                <a:spcPct val="20000"/>
+              </a:spcBef>
+              <a:buFont typeface="Arial" pitchFamily="34" charset="0"/>
+              <a:buChar char="•"/>
+              <a:defRPr sz="2000" kern="1200">
+                <a:solidFill>
+                  <a:schemeClr val="tx1"/>
+                </a:solidFill>
+                <a:latin typeface="+mn-lt"/>
+                <a:ea typeface="+mn-ea"/>
+                <a:cs typeface="+mn-cs"/>
+              </a:defRPr>
+            </a:lvl8pPr>
+            <a:lvl9pPr marL="3886200" indent="-228600" algn="l" defTabSz="914400" rtl="0" eaLnBrk="1" latinLnBrk="1" hangingPunct="1">
+              <a:spcBef>
+                <a:spcPct val="20000"/>
+              </a:spcBef>
+              <a:buFont typeface="Arial" pitchFamily="34" charset="0"/>
+              <a:buChar char="•"/>
+              <a:defRPr sz="2000" kern="1200">
+                <a:solidFill>
+                  <a:schemeClr val="tx1"/>
+                </a:solidFill>
+                <a:latin typeface="+mn-lt"/>
+                <a:ea typeface="+mn-ea"/>
+                <a:cs typeface="+mn-cs"/>
+              </a:defRPr>
+            </a:lvl9pPr>
+          </a:lstStyle>
+          <a:p>
+            <a:pPr marL="0" indent="0" algn="ctr">
+              <a:buFont typeface="Wingdings" panose="05000000000000000000" pitchFamily="2" charset="2"/>
+              <a:buNone/>
+            </a:pPr>
+            <a:r>
+              <a:rPr lang="ko-KR" altLang="en-US" sz="1000">
+                <a:latin typeface="+mn-ea"/>
+              </a:rPr>
+              <a:t>판별기</a:t>
+            </a:r>
+            <a:endParaRPr lang="en-US" altLang="ko-KR" sz="1000" dirty="0">
+              <a:latin typeface="+mn-ea"/>
+            </a:endParaRPr>
+          </a:p>
+        </p:txBody>
+      </p:sp>
+      <p:sp>
+        <p:nvSpPr>
+          <p:cNvPr id="14" name="화살표: 줄무늬가 있는 오른쪽 13">
+            <a:extLst>
+              <a:ext uri="{FF2B5EF4-FFF2-40B4-BE49-F238E27FC236}">
+                <a16:creationId xmlns:a16="http://schemas.microsoft.com/office/drawing/2014/main" id="{1CE2D8E5-1CB2-B1C8-5466-597007819361}"/>
+              </a:ext>
+            </a:extLst>
+          </p:cNvPr>
+          <p:cNvSpPr/>
+          <p:nvPr/>
+        </p:nvSpPr>
+        <p:spPr>
+          <a:xfrm>
+            <a:off x="7113384" y="4528068"/>
+            <a:ext cx="648072" cy="504056"/>
+          </a:xfrm>
+          <a:prstGeom prst="stripedRightArrow">
+            <a:avLst/>
+          </a:prstGeom>
+          <a:solidFill>
+            <a:schemeClr val="bg1">
+              <a:lumMod val="85000"/>
+            </a:schemeClr>
+          </a:solidFill>
+          <a:ln w="19050">
+            <a:solidFill>
+              <a:schemeClr val="tx1">
+                <a:lumMod val="50000"/>
+                <a:lumOff val="50000"/>
+              </a:schemeClr>
+            </a:solidFill>
+          </a:ln>
+        </p:spPr>
+        <p:style>
+          <a:lnRef idx="2">
+            <a:schemeClr val="accent1">
+              <a:shade val="15000"/>
+            </a:schemeClr>
+          </a:lnRef>
+          <a:fillRef idx="1">
+            <a:schemeClr val="accent1"/>
+          </a:fillRef>
+          <a:effectRef idx="0">
+            <a:schemeClr val="accent1"/>
+          </a:effectRef>
+          <a:fontRef idx="minor">
+            <a:schemeClr val="lt1"/>
+          </a:fontRef>
+        </p:style>
+        <p:txBody>
+          <a:bodyPr rtlCol="0" anchor="ctr"/>
+          <a:lstStyle/>
+          <a:p>
+            <a:pPr algn="ctr"/>
+            <a:endParaRPr lang="ko-KR" altLang="en-US"/>
+          </a:p>
+        </p:txBody>
+      </p:sp>
+      <p:sp>
+        <p:nvSpPr>
+          <p:cNvPr id="15" name="사각형: 둥근 모서리 14">
+            <a:extLst>
+              <a:ext uri="{FF2B5EF4-FFF2-40B4-BE49-F238E27FC236}">
+                <a16:creationId xmlns:a16="http://schemas.microsoft.com/office/drawing/2014/main" id="{169E6BB1-6702-715A-E7B4-99EC7AF36C81}"/>
+              </a:ext>
+            </a:extLst>
+          </p:cNvPr>
+          <p:cNvSpPr/>
+          <p:nvPr/>
+        </p:nvSpPr>
+        <p:spPr>
+          <a:xfrm>
+            <a:off x="5109239" y="4077072"/>
+            <a:ext cx="2156061" cy="1512168"/>
+          </a:xfrm>
+          <a:prstGeom prst="roundRect">
+            <a:avLst/>
+          </a:prstGeom>
+          <a:noFill/>
+          <a:ln w="19050">
+            <a:solidFill>
+              <a:schemeClr val="accent1"/>
+            </a:solidFill>
+          </a:ln>
+        </p:spPr>
+        <p:style>
+          <a:lnRef idx="2">
+            <a:schemeClr val="accent1">
+              <a:shade val="15000"/>
+            </a:schemeClr>
+          </a:lnRef>
+          <a:fillRef idx="1">
+            <a:schemeClr val="accent1"/>
+          </a:fillRef>
+          <a:effectRef idx="0">
+            <a:schemeClr val="accent1"/>
+          </a:effectRef>
+          <a:fontRef idx="minor">
+            <a:schemeClr val="lt1"/>
+          </a:fontRef>
+        </p:style>
+        <p:txBody>
+          <a:bodyPr rtlCol="0" anchor="ctr"/>
+          <a:lstStyle/>
+          <a:p>
+            <a:pPr algn="ctr"/>
+            <a:endParaRPr lang="ko-KR" altLang="en-US"/>
+          </a:p>
+        </p:txBody>
+      </p:sp>
+      <p:sp>
+        <p:nvSpPr>
+          <p:cNvPr id="16" name="사각형: 둥근 모서리 15">
+            <a:extLst>
+              <a:ext uri="{FF2B5EF4-FFF2-40B4-BE49-F238E27FC236}">
+                <a16:creationId xmlns:a16="http://schemas.microsoft.com/office/drawing/2014/main" id="{F386FA65-BF92-8E43-411B-E6F6AD10941C}"/>
+              </a:ext>
+            </a:extLst>
+          </p:cNvPr>
+          <p:cNvSpPr/>
+          <p:nvPr/>
+        </p:nvSpPr>
+        <p:spPr>
+          <a:xfrm>
+            <a:off x="2977400" y="5032124"/>
+            <a:ext cx="1803161" cy="1618758"/>
+          </a:xfrm>
+          <a:prstGeom prst="roundRect">
+            <a:avLst/>
+          </a:prstGeom>
+          <a:noFill/>
+          <a:ln w="19050">
+            <a:solidFill>
+              <a:schemeClr val="accent1"/>
+            </a:solidFill>
+          </a:ln>
+        </p:spPr>
+        <p:style>
+          <a:lnRef idx="2">
+            <a:schemeClr val="accent1">
+              <a:shade val="15000"/>
+            </a:schemeClr>
+          </a:lnRef>
+          <a:fillRef idx="1">
+            <a:schemeClr val="accent1"/>
+          </a:fillRef>
+          <a:effectRef idx="0">
+            <a:schemeClr val="accent1"/>
+          </a:effectRef>
+          <a:fontRef idx="minor">
+            <a:schemeClr val="lt1"/>
+          </a:fontRef>
+        </p:style>
+        <p:txBody>
+          <a:bodyPr rtlCol="0" anchor="ctr"/>
+          <a:lstStyle/>
+          <a:p>
+            <a:pPr algn="ctr"/>
+            <a:endParaRPr lang="ko-KR" altLang="en-US"/>
+          </a:p>
+        </p:txBody>
+      </p:sp>
     </p:spTree>
     <p:extLst>
       <p:ext uri="{BB962C8B-B14F-4D97-AF65-F5344CB8AC3E}">
-        <p14:creationId xmlns:p14="http://schemas.microsoft.com/office/powerpoint/2010/main" val="754900208"/>
+        <p14:creationId xmlns:p14="http://schemas.microsoft.com/office/powerpoint/2010/main" val="1101102407"/>
       </p:ext>
     </p:extLst>
   </p:cSld>
@@ -8763,90 +9999,6 @@
       </p:grpSpPr>
       <p:sp>
         <p:nvSpPr>
-          <p:cNvPr id="5" name="내용 개체 틀 4"/>
-          <p:cNvSpPr>
-            <a:spLocks noGrp="1"/>
-          </p:cNvSpPr>
-          <p:nvPr>
-            <p:ph idx="1"/>
-          </p:nvPr>
-        </p:nvSpPr>
-        <p:spPr>
-          <a:xfrm>
-            <a:off x="3704861" y="2708927"/>
-            <a:ext cx="5856652" cy="430887"/>
-          </a:xfrm>
-        </p:spPr>
-        <p:txBody>
-          <a:bodyPr/>
-          <a:lstStyle/>
-          <a:p>
-            <a:endParaRPr lang="ko-KR" altLang="en-US" dirty="0"/>
-          </a:p>
-        </p:txBody>
-      </p:sp>
-      <p:sp>
-        <p:nvSpPr>
-          <p:cNvPr id="4" name="제목 3"/>
-          <p:cNvSpPr>
-            <a:spLocks noGrp="1"/>
-          </p:cNvSpPr>
-          <p:nvPr>
-            <p:ph type="title"/>
-          </p:nvPr>
-        </p:nvSpPr>
-        <p:spPr>
-          <a:xfrm>
-            <a:off x="2222699" y="1957097"/>
-            <a:ext cx="7338814" cy="584775"/>
-          </a:xfrm>
-        </p:spPr>
-        <p:txBody>
-          <a:bodyPr/>
-          <a:lstStyle/>
-          <a:p>
-            <a:r>
-              <a:rPr lang="en-US" altLang="ko-KR" sz="3200" dirty="0">
-                <a:latin typeface="+mn-ea"/>
-              </a:rPr>
-              <a:t>Algorithms</a:t>
-            </a:r>
-            <a:endParaRPr lang="ko-KR" altLang="en-US" dirty="0"/>
-          </a:p>
-        </p:txBody>
-      </p:sp>
-    </p:spTree>
-    <p:extLst>
-      <p:ext uri="{BB962C8B-B14F-4D97-AF65-F5344CB8AC3E}">
-        <p14:creationId xmlns:p14="http://schemas.microsoft.com/office/powerpoint/2010/main" val="3820590008"/>
-      </p:ext>
-    </p:extLst>
-  </p:cSld>
-  <p:clrMapOvr>
-    <a:masterClrMapping/>
-  </p:clrMapOvr>
-</p:sld>
-</file>
-
-<file path=ppt/slides/slide17.xml><?xml version="1.0" encoding="utf-8"?>
-<p:sld xmlns:a="http://schemas.openxmlformats.org/drawingml/2006/main" xmlns:r="http://schemas.openxmlformats.org/officeDocument/2006/relationships" xmlns:p="http://schemas.openxmlformats.org/presentationml/2006/main">
-  <p:cSld>
-    <p:spTree>
-      <p:nvGrpSpPr>
-        <p:cNvPr id="1" name=""/>
-        <p:cNvGrpSpPr/>
-        <p:nvPr/>
-      </p:nvGrpSpPr>
-      <p:grpSpPr>
-        <a:xfrm>
-          <a:off x="0" y="0"/>
-          <a:ext cx="0" cy="0"/>
-          <a:chOff x="0" y="0"/>
-          <a:chExt cx="0" cy="0"/>
-        </a:xfrm>
-      </p:grpSpPr>
-      <p:sp>
-        <p:nvSpPr>
           <p:cNvPr id="4" name="제목 3"/>
           <p:cNvSpPr>
             <a:spLocks noGrp="1"/>
@@ -8868,7 +10020,7 @@
           <a:p>
             <a:r>
               <a:rPr lang="en-US" altLang="ko-KR" sz="2400" dirty="0"/>
-              <a:t>Algorithms</a:t>
+              <a:t>Layers</a:t>
             </a:r>
             <a:endParaRPr lang="ko-KR" altLang="en-US" sz="2400" dirty="0"/>
           </a:p>
@@ -8932,7 +10084,7 @@
         <p:spPr>
           <a:xfrm>
             <a:off x="344488" y="1412776"/>
-            <a:ext cx="9217025" cy="4475071"/>
+            <a:ext cx="9217025" cy="4327338"/>
           </a:xfrm>
           <a:prstGeom prst="rect">
             <a:avLst/>
@@ -9084,79 +10236,40 @@
               <a:rPr lang="en-US" altLang="ko-KR" sz="1600" dirty="0">
                 <a:latin typeface="+mn-ea"/>
               </a:rPr>
-              <a:t>CNN (Convolutional Neural Network)</a:t>
-            </a:r>
-          </a:p>
-          <a:p>
+              <a:t>Dense Network (</a:t>
+            </a:r>
+            <a:r>
+              <a:rPr lang="ko-KR" altLang="en-US" sz="1600" dirty="0">
+                <a:latin typeface="+mn-ea"/>
+              </a:rPr>
+              <a:t>밀집망</a:t>
+            </a:r>
             <a:r>
               <a:rPr lang="en-US" altLang="ko-KR" sz="1600" dirty="0">
                 <a:latin typeface="+mn-ea"/>
               </a:rPr>
-              <a:t>LSTM (Long Short Term Memory Network)</a:t>
-            </a:r>
-          </a:p>
-          <a:p>
-            <a:r>
-              <a:rPr lang="en-US" altLang="ko-KR" sz="1600" dirty="0">
-                <a:latin typeface="+mn-ea"/>
-              </a:rPr>
-              <a:t>RNN (Recurrent Neural Network)</a:t>
-            </a:r>
-          </a:p>
-          <a:p>
-            <a:r>
-              <a:rPr lang="en-US" altLang="ko-KR" sz="1600" dirty="0">
-                <a:latin typeface="+mn-ea"/>
-              </a:rPr>
-              <a:t>GAN (Generative Adversarial Network)</a:t>
-            </a:r>
-          </a:p>
-          <a:p>
-            <a:r>
-              <a:rPr lang="en-US" altLang="ko-KR" sz="1600" dirty="0">
-                <a:latin typeface="+mn-ea"/>
-              </a:rPr>
-              <a:t>RBFN (Radial Basis Function Network)</a:t>
-            </a:r>
-          </a:p>
-          <a:p>
-            <a:r>
-              <a:rPr lang="en-US" altLang="ko-KR" sz="1600" dirty="0">
-                <a:latin typeface="+mn-ea"/>
-              </a:rPr>
-              <a:t>MLP (Multilayer Perceptron)</a:t>
-            </a:r>
-          </a:p>
-          <a:p>
-            <a:r>
-              <a:rPr lang="en-US" altLang="ko-KR" sz="1600" dirty="0">
-                <a:latin typeface="+mn-ea"/>
-              </a:rPr>
-              <a:t>SOM (Self Organizing Map)</a:t>
-            </a:r>
-          </a:p>
-          <a:p>
-            <a:r>
-              <a:rPr lang="en-US" altLang="ko-KR" sz="1600" dirty="0">
-                <a:latin typeface="+mn-ea"/>
-              </a:rPr>
-              <a:t>DBN (Deep Belief Network)</a:t>
-            </a:r>
-          </a:p>
-          <a:p>
-            <a:r>
-              <a:rPr lang="en-US" altLang="ko-KR" sz="1600" dirty="0">
-                <a:latin typeface="+mn-ea"/>
-              </a:rPr>
-              <a:t>RBM (Restricted Boltzmann Machine)</a:t>
-            </a:r>
-          </a:p>
-          <a:p>
-            <a:r>
-              <a:rPr lang="en-US" altLang="ko-KR" sz="1600" dirty="0">
-                <a:latin typeface="+mn-ea"/>
-              </a:rPr>
-              <a:t>AutoEncoder</a:t>
+              <a:t>)</a:t>
+            </a:r>
+          </a:p>
+          <a:p>
+            <a:pPr lvl="1"/>
+            <a:r>
+              <a:rPr lang="en-US" altLang="ko-KR" sz="1400" dirty="0">
+                <a:latin typeface="+mn-ea"/>
+              </a:rPr>
+              <a:t>keras.layers.Dense(128, input_shape=(28</a:t>
+            </a:r>
+            <a:r>
+              <a:rPr lang="ko-KR" altLang="en-US" sz="1400" dirty="0">
+                <a:latin typeface="+mn-ea"/>
+              </a:rPr>
+              <a:t> * </a:t>
+            </a:r>
+            <a:r>
+              <a:rPr lang="en-US" altLang="ko-KR" sz="1400" dirty="0">
+                <a:latin typeface="+mn-ea"/>
+              </a:rPr>
+              <a:t>28,), activation='relu’)</a:t>
             </a:r>
           </a:p>
           <a:p>
@@ -9169,15 +10282,7 @@
               <a:rPr lang="en-US" altLang="ko-KR" sz="1600" dirty="0">
                 <a:latin typeface="+mn-ea"/>
               </a:rPr>
-              <a:t>https://www.simplilearn.com/tutorials/deep-learning-tutorial/deep-learning-algorithm</a:t>
-            </a:r>
-          </a:p>
-          <a:p>
-            <a:r>
-              <a:rPr lang="en-US" altLang="ko-KR" sz="1600" dirty="0">
-                <a:latin typeface="+mn-ea"/>
-              </a:rPr>
-              <a:t>https://www.projectpro.io/article/deep-learning-algorithms/443</a:t>
+              <a:t>keras.layers.Flatten()</a:t>
             </a:r>
           </a:p>
           <a:p>
@@ -9186,10 +10291,103 @@
             </a:endParaRPr>
           </a:p>
           <a:p>
+            <a:r>
+              <a:rPr lang="en-US" altLang="ko-KR" sz="1600" dirty="0">
+                <a:latin typeface="+mn-ea"/>
+              </a:rPr>
+              <a:t>Dropout : </a:t>
+            </a:r>
+            <a:r>
+              <a:rPr lang="ko-KR" altLang="en-US" sz="1600" dirty="0">
+                <a:latin typeface="+mn-ea"/>
+              </a:rPr>
+              <a:t>샘플링</a:t>
+            </a:r>
             <a:endParaRPr lang="en-US" altLang="ko-KR" sz="1600" dirty="0">
               <a:latin typeface="+mn-ea"/>
             </a:endParaRPr>
           </a:p>
+          <a:p>
+            <a:pPr lvl="1"/>
+            <a:r>
+              <a:rPr lang="en-US" altLang="ko-KR" sz="1400" dirty="0">
+                <a:latin typeface="+mn-ea"/>
+              </a:rPr>
+              <a:t>keras.layers.Dropout(0.3)</a:t>
+            </a:r>
+          </a:p>
+          <a:p>
+            <a:endParaRPr lang="en-US" altLang="ko-KR" sz="1600" dirty="0">
+              <a:latin typeface="+mn-ea"/>
+            </a:endParaRPr>
+          </a:p>
+          <a:p>
+            <a:r>
+              <a:rPr lang="en-US" altLang="ko-KR" sz="1600" dirty="0">
+                <a:latin typeface="+mn-ea"/>
+              </a:rPr>
+              <a:t>Convolution</a:t>
+            </a:r>
+          </a:p>
+          <a:p>
+            <a:pPr lvl="1"/>
+            <a:r>
+              <a:rPr lang="en-US" altLang="ko-KR" sz="1400" dirty="0">
+                <a:latin typeface="+mn-ea"/>
+              </a:rPr>
+              <a:t>keras.layers.Conv2D(20, (5, 5), activation='relu', input_shape=(28, 28, </a:t>
+            </a:r>
+            <a:r>
+              <a:rPr lang="en-US" altLang="ko-KR" sz="1400">
+                <a:latin typeface="+mn-ea"/>
+              </a:rPr>
+              <a:t>1))</a:t>
+            </a:r>
+          </a:p>
+          <a:p>
+            <a:pPr lvl="1"/>
+            <a:r>
+              <a:rPr lang="en-US" altLang="ko-KR" sz="1400">
+                <a:latin typeface="+mn-ea"/>
+              </a:rPr>
+              <a:t>Conv3D</a:t>
+            </a:r>
+            <a:endParaRPr lang="en-US" altLang="ko-KR" sz="1400" dirty="0">
+              <a:latin typeface="+mn-ea"/>
+            </a:endParaRPr>
+          </a:p>
+          <a:p>
+            <a:endParaRPr lang="en-US" altLang="ko-KR" sz="1600" dirty="0">
+              <a:latin typeface="+mn-ea"/>
+            </a:endParaRPr>
+          </a:p>
+          <a:p>
+            <a:r>
+              <a:rPr lang="en-US" altLang="ko-KR" sz="1600" dirty="0">
+                <a:latin typeface="+mn-ea"/>
+              </a:rPr>
+              <a:t>keras.layers.BatchNormalization()</a:t>
+            </a:r>
+          </a:p>
+          <a:p>
+            <a:r>
+              <a:rPr lang="en-US" altLang="ko-KR" sz="1600" dirty="0">
+                <a:latin typeface="+mn-ea"/>
+              </a:rPr>
+              <a:t>keras.layers.MaxPooling2D(pool_size=(2, 2), strides=(2, </a:t>
+            </a:r>
+            <a:r>
+              <a:rPr lang="en-US" altLang="ko-KR" sz="1600">
+                <a:latin typeface="+mn-ea"/>
+              </a:rPr>
+              <a:t>2))</a:t>
+            </a:r>
+          </a:p>
+          <a:p>
+            <a:endParaRPr lang="en-US" altLang="ko-KR" sz="1600" dirty="0">
+              <a:latin typeface="+mn-ea"/>
+            </a:endParaRPr>
+          </a:p>
         </p:txBody>
       </p:sp>
       <p:sp>
@@ -9197,7 +10395,7 @@
           <p:cNvPr id="3" name="모서리가 둥근 직사각형 2">
             <a:extLst>
               <a:ext uri="{FF2B5EF4-FFF2-40B4-BE49-F238E27FC236}">
-                <a16:creationId xmlns:a16="http://schemas.microsoft.com/office/drawing/2014/main" id="{1E54598E-EE87-E435-BDC3-8A1F4C3AF8CD}"/>
+                <a16:creationId xmlns:a16="http://schemas.microsoft.com/office/drawing/2014/main" id="{FA282748-C1EB-AB75-4DE3-DBB85A0096B5}"/>
               </a:ext>
             </a:extLst>
           </p:cNvPr>
@@ -9255,6 +10453,527 @@
     </p:spTree>
     <p:extLst>
       <p:ext uri="{BB962C8B-B14F-4D97-AF65-F5344CB8AC3E}">
+        <p14:creationId xmlns:p14="http://schemas.microsoft.com/office/powerpoint/2010/main" val="754900208"/>
+      </p:ext>
+    </p:extLst>
+  </p:cSld>
+  <p:clrMapOvr>
+    <a:masterClrMapping/>
+  </p:clrMapOvr>
+</p:sld>
+</file>
+
+<file path=ppt/slides/slide17.xml><?xml version="1.0" encoding="utf-8"?>
+<p:sld xmlns:a="http://schemas.openxmlformats.org/drawingml/2006/main" xmlns:r="http://schemas.openxmlformats.org/officeDocument/2006/relationships" xmlns:p="http://schemas.openxmlformats.org/presentationml/2006/main">
+  <p:cSld>
+    <p:spTree>
+      <p:nvGrpSpPr>
+        <p:cNvPr id="1" name=""/>
+        <p:cNvGrpSpPr/>
+        <p:nvPr/>
+      </p:nvGrpSpPr>
+      <p:grpSpPr>
+        <a:xfrm>
+          <a:off x="0" y="0"/>
+          <a:ext cx="0" cy="0"/>
+          <a:chOff x="0" y="0"/>
+          <a:chExt cx="0" cy="0"/>
+        </a:xfrm>
+      </p:grpSpPr>
+      <p:sp>
+        <p:nvSpPr>
+          <p:cNvPr id="5" name="내용 개체 틀 4"/>
+          <p:cNvSpPr>
+            <a:spLocks noGrp="1"/>
+          </p:cNvSpPr>
+          <p:nvPr>
+            <p:ph idx="1"/>
+          </p:nvPr>
+        </p:nvSpPr>
+        <p:spPr>
+          <a:xfrm>
+            <a:off x="3704861" y="2708927"/>
+            <a:ext cx="5856652" cy="430887"/>
+          </a:xfrm>
+        </p:spPr>
+        <p:txBody>
+          <a:bodyPr/>
+          <a:lstStyle/>
+          <a:p>
+            <a:endParaRPr lang="ko-KR" altLang="en-US" dirty="0"/>
+          </a:p>
+        </p:txBody>
+      </p:sp>
+      <p:sp>
+        <p:nvSpPr>
+          <p:cNvPr id="4" name="제목 3"/>
+          <p:cNvSpPr>
+            <a:spLocks noGrp="1"/>
+          </p:cNvSpPr>
+          <p:nvPr>
+            <p:ph type="title"/>
+          </p:nvPr>
+        </p:nvSpPr>
+        <p:spPr>
+          <a:xfrm>
+            <a:off x="2222699" y="1957097"/>
+            <a:ext cx="7338814" cy="584775"/>
+          </a:xfrm>
+        </p:spPr>
+        <p:txBody>
+          <a:bodyPr/>
+          <a:lstStyle/>
+          <a:p>
+            <a:r>
+              <a:rPr lang="en-US" altLang="ko-KR" sz="3200" dirty="0">
+                <a:latin typeface="+mn-ea"/>
+              </a:rPr>
+              <a:t>Algorithms</a:t>
+            </a:r>
+            <a:endParaRPr lang="ko-KR" altLang="en-US" dirty="0"/>
+          </a:p>
+        </p:txBody>
+      </p:sp>
+    </p:spTree>
+    <p:extLst>
+      <p:ext uri="{BB962C8B-B14F-4D97-AF65-F5344CB8AC3E}">
+        <p14:creationId xmlns:p14="http://schemas.microsoft.com/office/powerpoint/2010/main" val="3820590008"/>
+      </p:ext>
+    </p:extLst>
+  </p:cSld>
+  <p:clrMapOvr>
+    <a:masterClrMapping/>
+  </p:clrMapOvr>
+</p:sld>
+</file>
+
+<file path=ppt/slides/slide18.xml><?xml version="1.0" encoding="utf-8"?>
+<p:sld xmlns:a="http://schemas.openxmlformats.org/drawingml/2006/main" xmlns:r="http://schemas.openxmlformats.org/officeDocument/2006/relationships" xmlns:p="http://schemas.openxmlformats.org/presentationml/2006/main">
+  <p:cSld>
+    <p:spTree>
+      <p:nvGrpSpPr>
+        <p:cNvPr id="1" name=""/>
+        <p:cNvGrpSpPr/>
+        <p:nvPr/>
+      </p:nvGrpSpPr>
+      <p:grpSpPr>
+        <a:xfrm>
+          <a:off x="0" y="0"/>
+          <a:ext cx="0" cy="0"/>
+          <a:chOff x="0" y="0"/>
+          <a:chExt cx="0" cy="0"/>
+        </a:xfrm>
+      </p:grpSpPr>
+      <p:sp>
+        <p:nvSpPr>
+          <p:cNvPr id="4" name="제목 3"/>
+          <p:cNvSpPr>
+            <a:spLocks noGrp="1"/>
+          </p:cNvSpPr>
+          <p:nvPr>
+            <p:ph type="title"/>
+          </p:nvPr>
+        </p:nvSpPr>
+        <p:spPr>
+          <a:prstGeom prst="rect">
+            <a:avLst/>
+          </a:prstGeom>
+        </p:spPr>
+        <p:txBody>
+          <a:bodyPr>
+            <a:normAutofit fontScale="90000"/>
+          </a:bodyPr>
+          <a:lstStyle/>
+          <a:p>
+            <a:r>
+              <a:rPr lang="en-US" altLang="ko-KR" sz="2400" dirty="0"/>
+              <a:t>Algorithms</a:t>
+            </a:r>
+            <a:endParaRPr lang="ko-KR" altLang="en-US" sz="2400" dirty="0"/>
+          </a:p>
+        </p:txBody>
+      </p:sp>
+      <p:sp>
+        <p:nvSpPr>
+          <p:cNvPr id="85" name="내용 개체 틀 4"/>
+          <p:cNvSpPr>
+            <a:spLocks noGrp="1"/>
+          </p:cNvSpPr>
+          <p:nvPr>
+            <p:ph idx="1"/>
+          </p:nvPr>
+        </p:nvSpPr>
+        <p:spPr>
+          <a:xfrm>
+            <a:off x="344488" y="764704"/>
+            <a:ext cx="9217025" cy="338554"/>
+          </a:xfrm>
+        </p:spPr>
+        <p:txBody>
+          <a:bodyPr/>
+          <a:lstStyle/>
+          <a:p>
+            <a:pPr marL="0" indent="0">
+              <a:buNone/>
+            </a:pPr>
+            <a:r>
+              <a:rPr lang="en-US" altLang="ko-KR" sz="1600" dirty="0">
+                <a:latin typeface="+mn-ea"/>
+              </a:rPr>
+              <a:t>layers </a:t>
+            </a:r>
+            <a:r>
+              <a:rPr lang="ko-KR" altLang="en-US" sz="1600" dirty="0">
+                <a:latin typeface="+mn-ea"/>
+              </a:rPr>
+              <a:t>종류</a:t>
+            </a:r>
+            <a:endParaRPr lang="en-US" altLang="ko-KR" sz="1600" dirty="0">
+              <a:latin typeface="+mn-ea"/>
+            </a:endParaRPr>
+          </a:p>
+        </p:txBody>
+      </p:sp>
+      <p:sp>
+        <p:nvSpPr>
+          <p:cNvPr id="2" name="내용 개체 틀 4">
+            <a:extLst>
+              <a:ext uri="{FF2B5EF4-FFF2-40B4-BE49-F238E27FC236}">
+                <a16:creationId xmlns:a16="http://schemas.microsoft.com/office/drawing/2014/main" id="{8B14DFDE-7F40-E347-BDD4-0DC8C48916F0}"/>
+              </a:ext>
+            </a:extLst>
+          </p:cNvPr>
+          <p:cNvSpPr txBox="1">
+            <a:spLocks/>
+          </p:cNvSpPr>
+          <p:nvPr/>
+        </p:nvSpPr>
+        <p:spPr>
+          <a:xfrm>
+            <a:off x="344488" y="1412776"/>
+            <a:ext cx="9217025" cy="4475071"/>
+          </a:xfrm>
+          <a:prstGeom prst="rect">
+            <a:avLst/>
+          </a:prstGeom>
+        </p:spPr>
+        <p:txBody>
+          <a:bodyPr wrap="square">
+            <a:spAutoFit/>
+          </a:bodyPr>
+          <a:lstStyle>
+            <a:lvl1pPr marL="355600" indent="-355600" algn="l" defTabSz="914400" rtl="0" eaLnBrk="1" latinLnBrk="1" hangingPunct="1">
+              <a:spcBef>
+                <a:spcPct val="20000"/>
+              </a:spcBef>
+              <a:buFont typeface="Wingdings" panose="05000000000000000000" pitchFamily="2" charset="2"/>
+              <a:buChar char="§"/>
+              <a:defRPr sz="1800" kern="1200">
+                <a:solidFill>
+                  <a:schemeClr val="tx1"/>
+                </a:solidFill>
+                <a:latin typeface="+mn-lt"/>
+                <a:ea typeface="+mn-ea"/>
+                <a:cs typeface="+mn-cs"/>
+              </a:defRPr>
+            </a:lvl1pPr>
+            <a:lvl2pPr marL="742950" indent="-379413" algn="l" defTabSz="914400" rtl="0" eaLnBrk="1" latinLnBrk="1" hangingPunct="1">
+              <a:spcBef>
+                <a:spcPct val="20000"/>
+              </a:spcBef>
+              <a:buFont typeface="Wingdings" panose="05000000000000000000" pitchFamily="2" charset="2"/>
+              <a:buChar char="§"/>
+              <a:defRPr sz="1600" kern="1200">
+                <a:solidFill>
+                  <a:schemeClr val="tx1"/>
+                </a:solidFill>
+                <a:latin typeface="+mn-lt"/>
+                <a:ea typeface="+mn-ea"/>
+                <a:cs typeface="+mn-cs"/>
+              </a:defRPr>
+            </a:lvl2pPr>
+            <a:lvl3pPr marL="1079500" indent="-355600" algn="l" defTabSz="914400" rtl="0" eaLnBrk="1" latinLnBrk="1" hangingPunct="1">
+              <a:spcBef>
+                <a:spcPct val="20000"/>
+              </a:spcBef>
+              <a:buFont typeface="Wingdings" panose="05000000000000000000" pitchFamily="2" charset="2"/>
+              <a:buChar char="§"/>
+              <a:defRPr sz="1600" kern="1200">
+                <a:solidFill>
+                  <a:schemeClr val="tx1"/>
+                </a:solidFill>
+                <a:latin typeface="+mn-lt"/>
+                <a:ea typeface="+mn-ea"/>
+                <a:cs typeface="+mn-cs"/>
+              </a:defRPr>
+            </a:lvl3pPr>
+            <a:lvl4pPr marL="1435100" indent="-355600" algn="l" defTabSz="914400" rtl="0" eaLnBrk="1" latinLnBrk="1" hangingPunct="1">
+              <a:spcBef>
+                <a:spcPct val="20000"/>
+              </a:spcBef>
+              <a:buFont typeface="Wingdings" panose="05000000000000000000" pitchFamily="2" charset="2"/>
+              <a:buChar char="§"/>
+              <a:defRPr sz="1600" kern="1200">
+                <a:solidFill>
+                  <a:schemeClr val="tx1"/>
+                </a:solidFill>
+                <a:latin typeface="+mn-lt"/>
+                <a:ea typeface="+mn-ea"/>
+                <a:cs typeface="+mn-cs"/>
+              </a:defRPr>
+            </a:lvl4pPr>
+            <a:lvl5pPr marL="1790700" indent="-355600" algn="l" defTabSz="914400" rtl="0" eaLnBrk="1" latinLnBrk="1" hangingPunct="1">
+              <a:spcBef>
+                <a:spcPct val="20000"/>
+              </a:spcBef>
+              <a:buFont typeface="Wingdings" panose="05000000000000000000" pitchFamily="2" charset="2"/>
+              <a:buChar char="§"/>
+              <a:defRPr sz="1600" kern="1200">
+                <a:solidFill>
+                  <a:schemeClr val="tx1"/>
+                </a:solidFill>
+                <a:latin typeface="+mn-lt"/>
+                <a:ea typeface="+mn-ea"/>
+                <a:cs typeface="+mn-cs"/>
+              </a:defRPr>
+            </a:lvl5pPr>
+            <a:lvl6pPr marL="2514600" indent="-228600" algn="l" defTabSz="914400" rtl="0" eaLnBrk="1" latinLnBrk="1" hangingPunct="1">
+              <a:spcBef>
+                <a:spcPct val="20000"/>
+              </a:spcBef>
+              <a:buFont typeface="Arial" pitchFamily="34" charset="0"/>
+              <a:buChar char="•"/>
+              <a:defRPr sz="2000" kern="1200">
+                <a:solidFill>
+                  <a:schemeClr val="tx1"/>
+                </a:solidFill>
+                <a:latin typeface="+mn-lt"/>
+                <a:ea typeface="+mn-ea"/>
+                <a:cs typeface="+mn-cs"/>
+              </a:defRPr>
+            </a:lvl6pPr>
+            <a:lvl7pPr marL="2971800" indent="-228600" algn="l" defTabSz="914400" rtl="0" eaLnBrk="1" latinLnBrk="1" hangingPunct="1">
+              <a:spcBef>
+                <a:spcPct val="20000"/>
+              </a:spcBef>
+              <a:buFont typeface="Arial" pitchFamily="34" charset="0"/>
+              <a:buChar char="•"/>
+              <a:defRPr sz="2000" kern="1200">
+                <a:solidFill>
+                  <a:schemeClr val="tx1"/>
+                </a:solidFill>
+                <a:latin typeface="+mn-lt"/>
+                <a:ea typeface="+mn-ea"/>
+                <a:cs typeface="+mn-cs"/>
+              </a:defRPr>
+            </a:lvl7pPr>
+            <a:lvl8pPr marL="3429000" indent="-228600" algn="l" defTabSz="914400" rtl="0" eaLnBrk="1" latinLnBrk="1" hangingPunct="1">
+              <a:spcBef>
+                <a:spcPct val="20000"/>
+              </a:spcBef>
+              <a:buFont typeface="Arial" pitchFamily="34" charset="0"/>
+              <a:buChar char="•"/>
+              <a:defRPr sz="2000" kern="1200">
+                <a:solidFill>
+                  <a:schemeClr val="tx1"/>
+                </a:solidFill>
+                <a:latin typeface="+mn-lt"/>
+                <a:ea typeface="+mn-ea"/>
+                <a:cs typeface="+mn-cs"/>
+              </a:defRPr>
+            </a:lvl8pPr>
+            <a:lvl9pPr marL="3886200" indent="-228600" algn="l" defTabSz="914400" rtl="0" eaLnBrk="1" latinLnBrk="1" hangingPunct="1">
+              <a:spcBef>
+                <a:spcPct val="20000"/>
+              </a:spcBef>
+              <a:buFont typeface="Arial" pitchFamily="34" charset="0"/>
+              <a:buChar char="•"/>
+              <a:defRPr sz="2000" kern="1200">
+                <a:solidFill>
+                  <a:schemeClr val="tx1"/>
+                </a:solidFill>
+                <a:latin typeface="+mn-lt"/>
+                <a:ea typeface="+mn-ea"/>
+                <a:cs typeface="+mn-cs"/>
+              </a:defRPr>
+            </a:lvl9pPr>
+          </a:lstStyle>
+          <a:p>
+            <a:r>
+              <a:rPr lang="en-US" altLang="ko-KR" sz="1600" dirty="0">
+                <a:latin typeface="+mn-ea"/>
+              </a:rPr>
+              <a:t>CNN (Convolutional Neural Network)</a:t>
+            </a:r>
+          </a:p>
+          <a:p>
+            <a:r>
+              <a:rPr lang="en-US" altLang="ko-KR" sz="1600" dirty="0">
+                <a:latin typeface="+mn-ea"/>
+              </a:rPr>
+              <a:t>LSTM (Long Short Term Memory Network)</a:t>
+            </a:r>
+          </a:p>
+          <a:p>
+            <a:r>
+              <a:rPr lang="en-US" altLang="ko-KR" sz="1600" dirty="0">
+                <a:latin typeface="+mn-ea"/>
+              </a:rPr>
+              <a:t>RNN (Recurrent Neural Network)</a:t>
+            </a:r>
+          </a:p>
+          <a:p>
+            <a:r>
+              <a:rPr lang="en-US" altLang="ko-KR" sz="1600" dirty="0">
+                <a:latin typeface="+mn-ea"/>
+              </a:rPr>
+              <a:t>GAN (Generative Adversarial Network)</a:t>
+            </a:r>
+          </a:p>
+          <a:p>
+            <a:r>
+              <a:rPr lang="en-US" altLang="ko-KR" sz="1600" dirty="0">
+                <a:latin typeface="+mn-ea"/>
+              </a:rPr>
+              <a:t>RBFN (Radial Basis Function Network)</a:t>
+            </a:r>
+          </a:p>
+          <a:p>
+            <a:r>
+              <a:rPr lang="en-US" altLang="ko-KR" sz="1600" dirty="0">
+                <a:latin typeface="+mn-ea"/>
+              </a:rPr>
+              <a:t>MLP (Multilayer Perceptron)</a:t>
+            </a:r>
+          </a:p>
+          <a:p>
+            <a:r>
+              <a:rPr lang="en-US" altLang="ko-KR" sz="1600" dirty="0">
+                <a:latin typeface="+mn-ea"/>
+              </a:rPr>
+              <a:t>SOM (Self Organizing Map)</a:t>
+            </a:r>
+          </a:p>
+          <a:p>
+            <a:r>
+              <a:rPr lang="en-US" altLang="ko-KR" sz="1600" dirty="0">
+                <a:latin typeface="+mn-ea"/>
+              </a:rPr>
+              <a:t>DBN (Deep Belief Network)</a:t>
+            </a:r>
+          </a:p>
+          <a:p>
+            <a:r>
+              <a:rPr lang="en-US" altLang="ko-KR" sz="1600" dirty="0">
+                <a:latin typeface="+mn-ea"/>
+              </a:rPr>
+              <a:t>RBM (Restricted Boltzmann Machine)</a:t>
+            </a:r>
+          </a:p>
+          <a:p>
+            <a:r>
+              <a:rPr lang="en-US" altLang="ko-KR" sz="1600" dirty="0">
+                <a:latin typeface="+mn-ea"/>
+              </a:rPr>
+              <a:t>AutoEncoder</a:t>
+            </a:r>
+          </a:p>
+          <a:p>
+            <a:endParaRPr lang="en-US" altLang="ko-KR" sz="1600" dirty="0">
+              <a:latin typeface="+mn-ea"/>
+            </a:endParaRPr>
+          </a:p>
+          <a:p>
+            <a:r>
+              <a:rPr lang="en-US" altLang="ko-KR" sz="1600" dirty="0">
+                <a:latin typeface="+mn-ea"/>
+              </a:rPr>
+              <a:t>https://www.simplilearn.com/tutorials/deep-learning-tutorial/deep-learning-algorithm</a:t>
+            </a:r>
+          </a:p>
+          <a:p>
+            <a:r>
+              <a:rPr lang="en-US" altLang="ko-KR" sz="1600" dirty="0">
+                <a:latin typeface="+mn-ea"/>
+              </a:rPr>
+              <a:t>https://www.projectpro.io/article/deep-learning-algorithms/443</a:t>
+            </a:r>
+          </a:p>
+          <a:p>
+            <a:endParaRPr lang="en-US" altLang="ko-KR" sz="1600" dirty="0">
+              <a:latin typeface="+mn-ea"/>
+            </a:endParaRPr>
+          </a:p>
+          <a:p>
+            <a:endParaRPr lang="en-US" altLang="ko-KR" sz="1600" dirty="0">
+              <a:latin typeface="+mn-ea"/>
+            </a:endParaRPr>
+          </a:p>
+        </p:txBody>
+      </p:sp>
+      <p:sp>
+        <p:nvSpPr>
+          <p:cNvPr id="3" name="모서리가 둥근 직사각형 2">
+            <a:extLst>
+              <a:ext uri="{FF2B5EF4-FFF2-40B4-BE49-F238E27FC236}">
+                <a16:creationId xmlns:a16="http://schemas.microsoft.com/office/drawing/2014/main" id="{1E54598E-EE87-E435-BDC3-8A1F4C3AF8CD}"/>
+              </a:ext>
+            </a:extLst>
+          </p:cNvPr>
+          <p:cNvSpPr/>
+          <p:nvPr/>
+        </p:nvSpPr>
+        <p:spPr>
+          <a:xfrm>
+            <a:off x="8265368" y="116672"/>
+            <a:ext cx="1260000" cy="360000"/>
+          </a:xfrm>
+          <a:prstGeom prst="roundRect">
+            <a:avLst/>
+          </a:prstGeom>
+          <a:solidFill>
+            <a:schemeClr val="accent2"/>
+          </a:solidFill>
+          <a:ln/>
+        </p:spPr>
+        <p:style>
+          <a:lnRef idx="2">
+            <a:schemeClr val="accent2"/>
+          </a:lnRef>
+          <a:fillRef idx="1">
+            <a:schemeClr val="lt1"/>
+          </a:fillRef>
+          <a:effectRef idx="0">
+            <a:schemeClr val="accent2"/>
+          </a:effectRef>
+          <a:fontRef idx="minor">
+            <a:schemeClr val="dk1"/>
+          </a:fontRef>
+        </p:style>
+        <p:txBody>
+          <a:bodyPr rtlCol="0" anchor="ctr"/>
+          <a:lstStyle/>
+          <a:p>
+            <a:pPr algn="ctr"/>
+            <a:r>
+              <a:rPr kumimoji="1" lang="ko-KR" altLang="en-US" sz="1600">
+                <a:solidFill>
+                  <a:schemeClr val="bg1"/>
+                </a:solidFill>
+              </a:rPr>
+              <a:t>작성중</a:t>
+            </a:r>
+            <a:endParaRPr kumimoji="1" lang="ko-Kore-KR" altLang="en-US" sz="1600">
+              <a:solidFill>
+                <a:schemeClr val="bg1"/>
+              </a:solidFill>
+            </a:endParaRPr>
+          </a:p>
+        </p:txBody>
+      </p:sp>
+    </p:spTree>
+    <p:extLst>
+      <p:ext uri="{BB962C8B-B14F-4D97-AF65-F5344CB8AC3E}">
         <p14:creationId xmlns:p14="http://schemas.microsoft.com/office/powerpoint/2010/main" val="1022758159"/>
       </p:ext>
     </p:extLst>
@@ -9265,7 +10984,7 @@
 </p:sld>
 </file>
 
-<file path=ppt/slides/slide18.xml><?xml version="1.0" encoding="utf-8"?>
+<file path=ppt/slides/slide19.xml><?xml version="1.0" encoding="utf-8"?>
 <p:sld xmlns:a="http://schemas.openxmlformats.org/drawingml/2006/main" xmlns:r="http://schemas.openxmlformats.org/officeDocument/2006/relationships" xmlns:p="http://schemas.openxmlformats.org/presentationml/2006/main">
   <p:cSld>
     <p:spTree>
@@ -9624,382 +11343,56 @@
           </a:extLst>
         </p:spPr>
       </p:pic>
-    </p:spTree>
-    <p:extLst>
-      <p:ext uri="{BB962C8B-B14F-4D97-AF65-F5344CB8AC3E}">
-        <p14:creationId xmlns:p14="http://schemas.microsoft.com/office/powerpoint/2010/main" val="2885163550"/>
-      </p:ext>
-    </p:extLst>
-  </p:cSld>
-  <p:clrMapOvr>
-    <a:masterClrMapping/>
-  </p:clrMapOvr>
-</p:sld>
-</file>
-
-<file path=ppt/slides/slide19.xml><?xml version="1.0" encoding="utf-8"?>
-<p:sld xmlns:a="http://schemas.openxmlformats.org/drawingml/2006/main" xmlns:r="http://schemas.openxmlformats.org/officeDocument/2006/relationships" xmlns:p="http://schemas.openxmlformats.org/presentationml/2006/main">
-  <p:cSld>
-    <p:spTree>
-      <p:nvGrpSpPr>
-        <p:cNvPr id="1" name=""/>
-        <p:cNvGrpSpPr/>
-        <p:nvPr/>
-      </p:nvGrpSpPr>
-      <p:grpSpPr>
-        <a:xfrm>
-          <a:off x="0" y="0"/>
-          <a:ext cx="0" cy="0"/>
-          <a:chOff x="0" y="0"/>
-          <a:chExt cx="0" cy="0"/>
-        </a:xfrm>
-      </p:grpSpPr>
-      <p:sp>
-        <p:nvSpPr>
-          <p:cNvPr id="4" name="제목 3"/>
-          <p:cNvSpPr>
-            <a:spLocks noGrp="1"/>
-          </p:cNvSpPr>
-          <p:nvPr>
-            <p:ph type="title"/>
-          </p:nvPr>
-        </p:nvSpPr>
-        <p:spPr>
-          <a:prstGeom prst="rect">
-            <a:avLst/>
-          </a:prstGeom>
-        </p:spPr>
-        <p:txBody>
-          <a:bodyPr>
-            <a:normAutofit fontScale="90000"/>
-          </a:bodyPr>
-          <a:lstStyle/>
-          <a:p>
-            <a:r>
-              <a:rPr lang="en-US" altLang="ko-KR" sz="2400" dirty="0"/>
-              <a:t>Algorithms</a:t>
-            </a:r>
-            <a:endParaRPr lang="ko-KR" altLang="en-US" sz="2400" dirty="0"/>
-          </a:p>
-        </p:txBody>
-      </p:sp>
-      <p:sp>
-        <p:nvSpPr>
-          <p:cNvPr id="85" name="내용 개체 틀 4"/>
-          <p:cNvSpPr>
-            <a:spLocks noGrp="1"/>
-          </p:cNvSpPr>
-          <p:nvPr>
-            <p:ph idx="1"/>
-          </p:nvPr>
-        </p:nvSpPr>
-        <p:spPr>
-          <a:xfrm>
-            <a:off x="344488" y="764704"/>
-            <a:ext cx="9217025" cy="338554"/>
-          </a:xfrm>
-        </p:spPr>
-        <p:txBody>
-          <a:bodyPr/>
-          <a:lstStyle/>
-          <a:p>
-            <a:pPr marL="0" indent="0">
-              <a:buNone/>
-            </a:pPr>
-            <a:r>
-              <a:rPr lang="en-US" altLang="ko-KR" sz="1600" dirty="0">
-                <a:latin typeface="+mn-ea"/>
-              </a:rPr>
-              <a:t>LSTM (Long Short Term Memory Network)</a:t>
-            </a:r>
-          </a:p>
-        </p:txBody>
-      </p:sp>
-      <p:sp>
-        <p:nvSpPr>
-          <p:cNvPr id="2" name="내용 개체 틀 4">
+      <p:sp>
+        <p:nvSpPr>
+          <p:cNvPr id="5" name="TextBox 4">
             <a:extLst>
               <a:ext uri="{FF2B5EF4-FFF2-40B4-BE49-F238E27FC236}">
-                <a16:creationId xmlns:a16="http://schemas.microsoft.com/office/drawing/2014/main" id="{8B14DFDE-7F40-E347-BDD4-0DC8C48916F0}"/>
+                <a16:creationId xmlns:a16="http://schemas.microsoft.com/office/drawing/2014/main" id="{D0D58FD0-1575-255B-3133-2908E8271BFB}"/>
               </a:ext>
             </a:extLst>
           </p:cNvPr>
-          <p:cNvSpPr txBox="1">
-            <a:spLocks/>
-          </p:cNvSpPr>
+          <p:cNvSpPr txBox="1"/>
           <p:nvPr/>
         </p:nvSpPr>
         <p:spPr>
           <a:xfrm>
-            <a:off x="344488" y="1412776"/>
-            <a:ext cx="9217025" cy="338554"/>
-          </a:xfrm>
-          <a:prstGeom prst="rect">
-            <a:avLst/>
-          </a:prstGeom>
-        </p:spPr>
-        <p:txBody>
-          <a:bodyPr wrap="square">
-            <a:spAutoFit/>
-          </a:bodyPr>
-          <a:lstStyle>
-            <a:lvl1pPr marL="355600" indent="-355600" algn="l" defTabSz="914400" rtl="0" eaLnBrk="1" latinLnBrk="1" hangingPunct="1">
-              <a:spcBef>
-                <a:spcPct val="20000"/>
-              </a:spcBef>
-              <a:buFont typeface="Wingdings" panose="05000000000000000000" pitchFamily="2" charset="2"/>
-              <a:buChar char="§"/>
-              <a:defRPr sz="1800" kern="1200">
-                <a:solidFill>
-                  <a:schemeClr val="tx1"/>
-                </a:solidFill>
-                <a:latin typeface="+mn-lt"/>
-                <a:ea typeface="+mn-ea"/>
-                <a:cs typeface="+mn-cs"/>
-              </a:defRPr>
-            </a:lvl1pPr>
-            <a:lvl2pPr marL="742950" indent="-379413" algn="l" defTabSz="914400" rtl="0" eaLnBrk="1" latinLnBrk="1" hangingPunct="1">
-              <a:spcBef>
-                <a:spcPct val="20000"/>
-              </a:spcBef>
-              <a:buFont typeface="Wingdings" panose="05000000000000000000" pitchFamily="2" charset="2"/>
-              <a:buChar char="§"/>
-              <a:defRPr sz="1600" kern="1200">
-                <a:solidFill>
-                  <a:schemeClr val="tx1"/>
-                </a:solidFill>
-                <a:latin typeface="+mn-lt"/>
-                <a:ea typeface="+mn-ea"/>
-                <a:cs typeface="+mn-cs"/>
-              </a:defRPr>
-            </a:lvl2pPr>
-            <a:lvl3pPr marL="1079500" indent="-355600" algn="l" defTabSz="914400" rtl="0" eaLnBrk="1" latinLnBrk="1" hangingPunct="1">
-              <a:spcBef>
-                <a:spcPct val="20000"/>
-              </a:spcBef>
-              <a:buFont typeface="Wingdings" panose="05000000000000000000" pitchFamily="2" charset="2"/>
-              <a:buChar char="§"/>
-              <a:defRPr sz="1600" kern="1200">
-                <a:solidFill>
-                  <a:schemeClr val="tx1"/>
-                </a:solidFill>
-                <a:latin typeface="+mn-lt"/>
-                <a:ea typeface="+mn-ea"/>
-                <a:cs typeface="+mn-cs"/>
-              </a:defRPr>
-            </a:lvl3pPr>
-            <a:lvl4pPr marL="1435100" indent="-355600" algn="l" defTabSz="914400" rtl="0" eaLnBrk="1" latinLnBrk="1" hangingPunct="1">
-              <a:spcBef>
-                <a:spcPct val="20000"/>
-              </a:spcBef>
-              <a:buFont typeface="Wingdings" panose="05000000000000000000" pitchFamily="2" charset="2"/>
-              <a:buChar char="§"/>
-              <a:defRPr sz="1600" kern="1200">
-                <a:solidFill>
-                  <a:schemeClr val="tx1"/>
-                </a:solidFill>
-                <a:latin typeface="+mn-lt"/>
-                <a:ea typeface="+mn-ea"/>
-                <a:cs typeface="+mn-cs"/>
-              </a:defRPr>
-            </a:lvl4pPr>
-            <a:lvl5pPr marL="1790700" indent="-355600" algn="l" defTabSz="914400" rtl="0" eaLnBrk="1" latinLnBrk="1" hangingPunct="1">
-              <a:spcBef>
-                <a:spcPct val="20000"/>
-              </a:spcBef>
-              <a:buFont typeface="Wingdings" panose="05000000000000000000" pitchFamily="2" charset="2"/>
-              <a:buChar char="§"/>
-              <a:defRPr sz="1600" kern="1200">
-                <a:solidFill>
-                  <a:schemeClr val="tx1"/>
-                </a:solidFill>
-                <a:latin typeface="+mn-lt"/>
-                <a:ea typeface="+mn-ea"/>
-                <a:cs typeface="+mn-cs"/>
-              </a:defRPr>
-            </a:lvl5pPr>
-            <a:lvl6pPr marL="2514600" indent="-228600" algn="l" defTabSz="914400" rtl="0" eaLnBrk="1" latinLnBrk="1" hangingPunct="1">
-              <a:spcBef>
-                <a:spcPct val="20000"/>
-              </a:spcBef>
-              <a:buFont typeface="Arial" pitchFamily="34" charset="0"/>
-              <a:buChar char="•"/>
-              <a:defRPr sz="2000" kern="1200">
-                <a:solidFill>
-                  <a:schemeClr val="tx1"/>
-                </a:solidFill>
-                <a:latin typeface="+mn-lt"/>
-                <a:ea typeface="+mn-ea"/>
-                <a:cs typeface="+mn-cs"/>
-              </a:defRPr>
-            </a:lvl6pPr>
-            <a:lvl7pPr marL="2971800" indent="-228600" algn="l" defTabSz="914400" rtl="0" eaLnBrk="1" latinLnBrk="1" hangingPunct="1">
-              <a:spcBef>
-                <a:spcPct val="20000"/>
-              </a:spcBef>
-              <a:buFont typeface="Arial" pitchFamily="34" charset="0"/>
-              <a:buChar char="•"/>
-              <a:defRPr sz="2000" kern="1200">
-                <a:solidFill>
-                  <a:schemeClr val="tx1"/>
-                </a:solidFill>
-                <a:latin typeface="+mn-lt"/>
-                <a:ea typeface="+mn-ea"/>
-                <a:cs typeface="+mn-cs"/>
-              </a:defRPr>
-            </a:lvl7pPr>
-            <a:lvl8pPr marL="3429000" indent="-228600" algn="l" defTabSz="914400" rtl="0" eaLnBrk="1" latinLnBrk="1" hangingPunct="1">
-              <a:spcBef>
-                <a:spcPct val="20000"/>
-              </a:spcBef>
-              <a:buFont typeface="Arial" pitchFamily="34" charset="0"/>
-              <a:buChar char="•"/>
-              <a:defRPr sz="2000" kern="1200">
-                <a:solidFill>
-                  <a:schemeClr val="tx1"/>
-                </a:solidFill>
-                <a:latin typeface="+mn-lt"/>
-                <a:ea typeface="+mn-ea"/>
-                <a:cs typeface="+mn-cs"/>
-              </a:defRPr>
-            </a:lvl8pPr>
-            <a:lvl9pPr marL="3886200" indent="-228600" algn="l" defTabSz="914400" rtl="0" eaLnBrk="1" latinLnBrk="1" hangingPunct="1">
-              <a:spcBef>
-                <a:spcPct val="20000"/>
-              </a:spcBef>
-              <a:buFont typeface="Arial" pitchFamily="34" charset="0"/>
-              <a:buChar char="•"/>
-              <a:defRPr sz="2000" kern="1200">
-                <a:solidFill>
-                  <a:schemeClr val="tx1"/>
-                </a:solidFill>
-                <a:latin typeface="+mn-lt"/>
-                <a:ea typeface="+mn-ea"/>
-                <a:cs typeface="+mn-cs"/>
-              </a:defRPr>
-            </a:lvl9pPr>
-          </a:lstStyle>
-          <a:p>
-            <a:r>
-              <a:rPr lang="en-US" altLang="ko-KR" sz="1600" dirty="0">
-                <a:latin typeface="+mn-ea"/>
-              </a:rPr>
-              <a:t>ppp</a:t>
-            </a:r>
-          </a:p>
-        </p:txBody>
-      </p:sp>
-      <p:sp>
-        <p:nvSpPr>
-          <p:cNvPr id="3" name="모서리가 둥근 직사각형 2">
-            <a:extLst>
-              <a:ext uri="{FF2B5EF4-FFF2-40B4-BE49-F238E27FC236}">
-                <a16:creationId xmlns:a16="http://schemas.microsoft.com/office/drawing/2014/main" id="{F48B3EEB-88EB-74CA-1F2F-5089E488CEF8}"/>
-              </a:ext>
-            </a:extLst>
-          </p:cNvPr>
-          <p:cNvSpPr/>
-          <p:nvPr/>
-        </p:nvSpPr>
-        <p:spPr>
-          <a:xfrm>
-            <a:off x="8265368" y="116672"/>
-            <a:ext cx="1260000" cy="360000"/>
-          </a:xfrm>
-          <a:prstGeom prst="roundRect">
-            <a:avLst/>
-          </a:prstGeom>
-          <a:solidFill>
-            <a:schemeClr val="accent2"/>
-          </a:solidFill>
-          <a:ln/>
-        </p:spPr>
-        <p:style>
-          <a:lnRef idx="2">
-            <a:schemeClr val="accent2"/>
-          </a:lnRef>
-          <a:fillRef idx="1">
-            <a:schemeClr val="lt1"/>
-          </a:fillRef>
-          <a:effectRef idx="0">
-            <a:schemeClr val="accent2"/>
-          </a:effectRef>
-          <a:fontRef idx="minor">
-            <a:schemeClr val="dk1"/>
-          </a:fontRef>
-        </p:style>
-        <p:txBody>
-          <a:bodyPr rtlCol="0" anchor="ctr"/>
-          <a:lstStyle/>
-          <a:p>
-            <a:pPr algn="ctr"/>
-            <a:r>
-              <a:rPr kumimoji="1" lang="ko-KR" altLang="en-US" sz="1600">
-                <a:solidFill>
-                  <a:schemeClr val="bg1"/>
-                </a:solidFill>
-              </a:rPr>
-              <a:t>작성중</a:t>
-            </a:r>
-            <a:endParaRPr kumimoji="1" lang="ko-Kore-KR" altLang="en-US" sz="1600">
-              <a:solidFill>
-                <a:schemeClr val="bg1"/>
-              </a:solidFill>
-            </a:endParaRPr>
-          </a:p>
-        </p:txBody>
-      </p:sp>
-      <p:pic>
-        <p:nvPicPr>
-          <p:cNvPr id="2050" name="Picture 2" descr="Long_Short_Term_Memory.">
-            <a:extLst>
-              <a:ext uri="{FF2B5EF4-FFF2-40B4-BE49-F238E27FC236}">
-                <a16:creationId xmlns:a16="http://schemas.microsoft.com/office/drawing/2014/main" id="{EF64D0BB-244B-6D5C-BCBD-75035F78166A}"/>
-              </a:ext>
-            </a:extLst>
-          </p:cNvPr>
-          <p:cNvPicPr>
-            <a:picLocks noChangeAspect="1" noChangeArrowheads="1"/>
-          </p:cNvPicPr>
-          <p:nvPr/>
-        </p:nvPicPr>
-        <p:blipFill>
-          <a:blip r:embed="rId3">
-            <a:extLst>
-              <a:ext uri="{28A0092B-C50C-407E-A947-70E740481C1C}">
-                <a14:useLocalDpi xmlns:a14="http://schemas.microsoft.com/office/drawing/2010/main" val="0"/>
-              </a:ext>
-            </a:extLst>
-          </a:blip>
-          <a:srcRect/>
-          <a:stretch>
-            <a:fillRect/>
-          </a:stretch>
-        </p:blipFill>
-        <p:spPr bwMode="auto">
-          <a:xfrm>
-            <a:off x="776536" y="1878917"/>
-            <a:ext cx="7977336" cy="3100166"/>
+            <a:off x="704528" y="4509120"/>
+            <a:ext cx="8820840" cy="246221"/>
           </a:xfrm>
           <a:prstGeom prst="rect">
             <a:avLst/>
           </a:prstGeom>
           <a:noFill/>
-          <a:extLst>
-            <a:ext uri="{909E8E84-426E-40DD-AFC4-6F175D3DCCD1}">
-              <a14:hiddenFill xmlns:a14="http://schemas.microsoft.com/office/drawing/2010/main">
-                <a:solidFill>
-                  <a:srgbClr val="FFFFFF"/>
-                </a:solidFill>
-              </a14:hiddenFill>
-            </a:ext>
-          </a:extLst>
         </p:spPr>
-      </p:pic>
+        <p:txBody>
+          <a:bodyPr wrap="square" rtlCol="0">
+            <a:spAutoFit/>
+          </a:bodyPr>
+          <a:lstStyle/>
+          <a:p>
+            <a:r>
+              <a:rPr lang="ko-KR" altLang="en-US" sz="1000">
+                <a:latin typeface="+mn-ea"/>
+              </a:rPr>
+              <a:t>출처</a:t>
+            </a:r>
+            <a:r>
+              <a:rPr lang="en-US" altLang="ko-KR" sz="1000">
+                <a:latin typeface="+mn-ea"/>
+              </a:rPr>
+              <a:t>: https://www.simplilearn.com/tutorials/deep-learning-tutorial/deep-learning-algorithm</a:t>
+            </a:r>
+            <a:endParaRPr lang="ko-KR" altLang="en-US" sz="1000">
+              <a:latin typeface="+mn-ea"/>
+            </a:endParaRPr>
+          </a:p>
+        </p:txBody>
+      </p:sp>
     </p:spTree>
     <p:extLst>
       <p:ext uri="{BB962C8B-B14F-4D97-AF65-F5344CB8AC3E}">
-        <p14:creationId xmlns:p14="http://schemas.microsoft.com/office/powerpoint/2010/main" val="2660212693"/>
+        <p14:creationId xmlns:p14="http://schemas.microsoft.com/office/powerpoint/2010/main" val="2885163550"/>
       </p:ext>
     </p:extLst>
   </p:cSld>
@@ -10058,7 +11451,7 @@
           <p:nvPr>
             <p:extLst>
               <p:ext uri="{D42A27DB-BD31-4B8C-83A1-F6EECF244321}">
-                <p14:modId xmlns:p14="http://schemas.microsoft.com/office/powerpoint/2010/main" val="2408160358"/>
+                <p14:modId xmlns:p14="http://schemas.microsoft.com/office/powerpoint/2010/main" val="1630028737"/>
               </p:ext>
             </p:extLst>
           </p:nvPr>
@@ -12225,13 +13618,16 @@
                         <a:buFont typeface="Wingdings" panose="05000000000000000000" pitchFamily="2" charset="2"/>
                         <a:buNone/>
                       </a:pPr>
-                      <a:endParaRPr lang="en-US" altLang="ko-KR" sz="1200" dirty="0">
-                        <a:solidFill>
-                          <a:schemeClr val="tx1"/>
-                        </a:solidFill>
-                        <a:latin typeface="+mn-ea"/>
-                        <a:ea typeface="+mn-ea"/>
-                      </a:endParaRPr>
+                      <a:r>
+                        <a:rPr lang="en-US" altLang="ko-KR" sz="1200" dirty="0">
+                          <a:solidFill>
+                            <a:schemeClr val="tx1"/>
+                          </a:solidFill>
+                          <a:latin typeface="+mn-ea"/>
+                          <a:ea typeface="+mn-ea"/>
+                        </a:rPr>
+                        <a:t>2022.07.23</a:t>
+                      </a:r>
                     </a:p>
                   </a:txBody>
                   <a:tcPr marL="99060" marR="99060" anchor="ctr">
@@ -12301,82 +13697,16 @@
                         <a:buFont typeface="Wingdings" panose="05000000000000000000" pitchFamily="2" charset="2"/>
                         <a:buNone/>
                       </a:pPr>
-                      <a:endParaRPr lang="en-US" altLang="ko-KR" sz="1200" dirty="0">
-                        <a:solidFill>
-                          <a:schemeClr val="tx1"/>
-                        </a:solidFill>
-                        <a:latin typeface="+mn-ea"/>
-                        <a:ea typeface="+mn-ea"/>
-                      </a:endParaRPr>
-                    </a:p>
-                  </a:txBody>
-                  <a:tcPr marL="99060" marR="99060" anchor="ctr">
-                    <a:lnL w="12700" cap="flat" cmpd="sng" algn="ctr">
-                      <a:solidFill>
-                        <a:sysClr val="window" lastClr="FFFFFF">
-                          <a:lumMod val="65000"/>
-                        </a:sysClr>
-                      </a:solidFill>
-                      <a:prstDash val="solid"/>
-                      <a:round/>
-                      <a:headEnd type="none" w="med" len="med"/>
-                      <a:tailEnd type="none" w="med" len="med"/>
-                    </a:lnL>
-                    <a:lnR w="12700" cap="flat" cmpd="sng" algn="ctr">
-                      <a:solidFill>
-                        <a:sysClr val="window" lastClr="FFFFFF">
-                          <a:lumMod val="65000"/>
-                        </a:sysClr>
-                      </a:solidFill>
-                      <a:prstDash val="solid"/>
-                      <a:round/>
-                      <a:headEnd type="none" w="med" len="med"/>
-                      <a:tailEnd type="none" w="med" len="med"/>
-                    </a:lnR>
-                    <a:lnT w="12700" cap="flat" cmpd="sng" algn="ctr">
-                      <a:solidFill>
-                        <a:sysClr val="window" lastClr="FFFFFF">
-                          <a:lumMod val="65000"/>
-                        </a:sysClr>
-                      </a:solidFill>
-                      <a:prstDash val="solid"/>
-                      <a:round/>
-                      <a:headEnd type="none" w="med" len="med"/>
-                      <a:tailEnd type="none" w="med" len="med"/>
-                    </a:lnT>
-                    <a:lnB w="12700" cap="flat" cmpd="sng" algn="ctr">
-                      <a:solidFill>
-                        <a:sysClr val="window" lastClr="FFFFFF">
-                          <a:lumMod val="65000"/>
-                        </a:sysClr>
-                      </a:solidFill>
-                      <a:prstDash val="solid"/>
-                      <a:round/>
-                      <a:headEnd type="none" w="med" len="med"/>
-                      <a:tailEnd type="none" w="med" len="med"/>
-                    </a:lnB>
-                    <a:lnTlToBr w="12700" cmpd="sng">
-                      <a:noFill/>
-                      <a:prstDash val="solid"/>
-                    </a:lnTlToBr>
-                    <a:lnBlToTr w="12700" cmpd="sng">
-                      <a:noFill/>
-                      <a:prstDash val="solid"/>
-                    </a:lnBlToTr>
-                    <a:solidFill>
-                      <a:sysClr val="window" lastClr="FFFFFF"/>
-                    </a:solidFill>
-                  </a:tcPr>
-                </a:tc>
-                <a:tc>
-                  <a:txBody>
-                    <a:bodyPr/>
-                    <a:lstStyle/>
-                    <a:p>
-                      <a:pPr marL="0" indent="0" algn="ctr" latinLnBrk="1">
-                        <a:buFont typeface="Wingdings" panose="05000000000000000000" pitchFamily="2" charset="2"/>
-                        <a:buNone/>
-                      </a:pPr>
+                      <a:r>
+                        <a:rPr lang="ko-KR" altLang="en-US" sz="1200" baseline="0" dirty="0">
+                          <a:solidFill>
+                            <a:schemeClr val="tx1"/>
+                          </a:solidFill>
+                          <a:latin typeface="+mn-ea"/>
+                          <a:ea typeface="+mn-ea"/>
+                        </a:rPr>
+                        <a:t>김계현</a:t>
+                      </a:r>
                       <a:endParaRPr lang="en-US" altLang="ko-KR" sz="1200" baseline="0" dirty="0">
                         <a:solidFill>
                           <a:schemeClr val="tx1"/>
@@ -12440,6 +13770,92 @@
                       <a:prstDash val="solid"/>
                     </a:lnBlToTr>
                     <a:solidFill>
+                      <a:sysClr val="window" lastClr="FFFFFF"/>
+                    </a:solidFill>
+                  </a:tcPr>
+                </a:tc>
+                <a:tc>
+                  <a:txBody>
+                    <a:bodyPr/>
+                    <a:lstStyle/>
+                    <a:p>
+                      <a:pPr marL="0" indent="0" algn="ctr" latinLnBrk="1">
+                        <a:buFont typeface="Wingdings" panose="05000000000000000000" pitchFamily="2" charset="2"/>
+                        <a:buNone/>
+                      </a:pPr>
+                      <a:r>
+                        <a:rPr lang="en-US" altLang="ko-KR" sz="1200" baseline="0">
+                          <a:solidFill>
+                            <a:schemeClr val="tx1"/>
+                          </a:solidFill>
+                          <a:latin typeface="+mn-ea"/>
+                          <a:ea typeface="+mn-ea"/>
+                        </a:rPr>
+                        <a:t>0.06</a:t>
+                      </a:r>
+                      <a:endParaRPr lang="en-US" altLang="ko-KR" sz="1200" baseline="0" dirty="0">
+                        <a:solidFill>
+                          <a:schemeClr val="tx1"/>
+                        </a:solidFill>
+                        <a:latin typeface="+mn-ea"/>
+                        <a:ea typeface="+mn-ea"/>
+                      </a:endParaRPr>
+                    </a:p>
+                  </a:txBody>
+                  <a:tcPr marL="99060" marR="99060" anchor="ctr">
+                    <a:lnL w="12700" cap="flat" cmpd="sng" algn="ctr">
+                      <a:solidFill>
+                        <a:sysClr val="window" lastClr="FFFFFF">
+                          <a:lumMod val="65000"/>
+                        </a:sysClr>
+                      </a:solidFill>
+                      <a:prstDash val="solid"/>
+                      <a:round/>
+                      <a:headEnd type="none" w="med" len="med"/>
+                      <a:tailEnd type="none" w="med" len="med"/>
+                    </a:lnL>
+                    <a:lnR w="12700" cap="flat" cmpd="sng" algn="ctr">
+                      <a:solidFill>
+                        <a:sysClr val="window" lastClr="FFFFFF">
+                          <a:lumMod val="65000"/>
+                        </a:sysClr>
+                      </a:solidFill>
+                      <a:prstDash val="solid"/>
+                      <a:round/>
+                      <a:headEnd type="none" w="med" len="med"/>
+                      <a:tailEnd type="none" w="med" len="med"/>
+                    </a:lnR>
+                    <a:lnT w="12700" cap="flat" cmpd="sng" algn="ctr">
+                      <a:solidFill>
+                        <a:sysClr val="window" lastClr="FFFFFF">
+                          <a:lumMod val="65000"/>
+                        </a:sysClr>
+                      </a:solidFill>
+                      <a:prstDash val="solid"/>
+                      <a:round/>
+                      <a:headEnd type="none" w="med" len="med"/>
+                      <a:tailEnd type="none" w="med" len="med"/>
+                    </a:lnT>
+                    <a:lnB w="12700" cap="flat" cmpd="sng" algn="ctr">
+                      <a:solidFill>
+                        <a:sysClr val="window" lastClr="FFFFFF">
+                          <a:lumMod val="65000"/>
+                        </a:sysClr>
+                      </a:solidFill>
+                      <a:prstDash val="solid"/>
+                      <a:round/>
+                      <a:headEnd type="none" w="med" len="med"/>
+                      <a:tailEnd type="none" w="med" len="med"/>
+                    </a:lnB>
+                    <a:lnTlToBr w="12700" cmpd="sng">
+                      <a:noFill/>
+                      <a:prstDash val="solid"/>
+                    </a:lnTlToBr>
+                    <a:lnBlToTr w="12700" cmpd="sng">
+                      <a:noFill/>
+                      <a:prstDash val="solid"/>
+                    </a:lnBlToTr>
+                    <a:solidFill>
                       <a:schemeClr val="bg1"/>
                     </a:solidFill>
                   </a:tcPr>
@@ -12453,6 +13869,26 @@
                         <a:buFont typeface="Wingdings" pitchFamily="2" charset="2"/>
                         <a:buChar char="§"/>
                       </a:pPr>
+                      <a:r>
+                        <a:rPr lang="en-US" altLang="ko-KR" sz="1200" baseline="0">
+                          <a:solidFill>
+                            <a:schemeClr val="tx1"/>
+                          </a:solidFill>
+                          <a:latin typeface="+mn-ea"/>
+                          <a:ea typeface="+mn-ea"/>
+                        </a:rPr>
+                        <a:t>CNN</a:t>
+                      </a:r>
+                      <a:r>
+                        <a:rPr lang="ko-KR" altLang="en-US" sz="1200" baseline="0">
+                          <a:solidFill>
+                            <a:schemeClr val="tx1"/>
+                          </a:solidFill>
+                          <a:latin typeface="+mn-ea"/>
+                          <a:ea typeface="+mn-ea"/>
+                        </a:rPr>
+                        <a:t> 추가 정리</a:t>
+                      </a:r>
                       <a:endParaRPr lang="en-US" altLang="ko-KR" sz="1200" baseline="0" dirty="0">
                         <a:solidFill>
                           <a:schemeClr val="tx1"/>
@@ -16659,7 +18095,7 @@
               <a:rPr lang="en-US" altLang="ko-KR" sz="1600" dirty="0">
                 <a:latin typeface="+mn-ea"/>
               </a:rPr>
-              <a:t>RNN (Recurrent Neural Network)</a:t>
+              <a:t>LSTM (Long Short Term Memory Network)</a:t>
             </a:r>
           </a:p>
         </p:txBody>
@@ -16900,6 +18336,424 @@
       </p:sp>
       <p:pic>
         <p:nvPicPr>
+          <p:cNvPr id="2050" name="Picture 2" descr="Long_Short_Term_Memory.">
+            <a:extLst>
+              <a:ext uri="{FF2B5EF4-FFF2-40B4-BE49-F238E27FC236}">
+                <a16:creationId xmlns:a16="http://schemas.microsoft.com/office/drawing/2014/main" id="{EF64D0BB-244B-6D5C-BCBD-75035F78166A}"/>
+              </a:ext>
+            </a:extLst>
+          </p:cNvPr>
+          <p:cNvPicPr>
+            <a:picLocks noChangeAspect="1" noChangeArrowheads="1"/>
+          </p:cNvPicPr>
+          <p:nvPr/>
+        </p:nvPicPr>
+        <p:blipFill>
+          <a:blip r:embed="rId3">
+            <a:extLst>
+              <a:ext uri="{28A0092B-C50C-407E-A947-70E740481C1C}">
+                <a14:useLocalDpi xmlns:a14="http://schemas.microsoft.com/office/drawing/2010/main" val="0"/>
+              </a:ext>
+            </a:extLst>
+          </a:blip>
+          <a:srcRect/>
+          <a:stretch>
+            <a:fillRect/>
+          </a:stretch>
+        </p:blipFill>
+        <p:spPr bwMode="auto">
+          <a:xfrm>
+            <a:off x="776536" y="1878917"/>
+            <a:ext cx="7977336" cy="3100166"/>
+          </a:xfrm>
+          <a:prstGeom prst="rect">
+            <a:avLst/>
+          </a:prstGeom>
+          <a:noFill/>
+          <a:extLst>
+            <a:ext uri="{909E8E84-426E-40DD-AFC4-6F175D3DCCD1}">
+              <a14:hiddenFill xmlns:a14="http://schemas.microsoft.com/office/drawing/2010/main">
+                <a:solidFill>
+                  <a:srgbClr val="FFFFFF"/>
+                </a:solidFill>
+              </a14:hiddenFill>
+            </a:ext>
+          </a:extLst>
+        </p:spPr>
+      </p:pic>
+      <p:sp>
+        <p:nvSpPr>
+          <p:cNvPr id="5" name="TextBox 4">
+            <a:extLst>
+              <a:ext uri="{FF2B5EF4-FFF2-40B4-BE49-F238E27FC236}">
+                <a16:creationId xmlns:a16="http://schemas.microsoft.com/office/drawing/2014/main" id="{7ED09D0A-A753-3196-3904-8F9FDE0F56AD}"/>
+              </a:ext>
+            </a:extLst>
+          </p:cNvPr>
+          <p:cNvSpPr txBox="1"/>
+          <p:nvPr/>
+        </p:nvSpPr>
+        <p:spPr>
+          <a:xfrm>
+            <a:off x="704528" y="4958056"/>
+            <a:ext cx="8820840" cy="246221"/>
+          </a:xfrm>
+          <a:prstGeom prst="rect">
+            <a:avLst/>
+          </a:prstGeom>
+          <a:noFill/>
+        </p:spPr>
+        <p:txBody>
+          <a:bodyPr wrap="square" rtlCol="0">
+            <a:spAutoFit/>
+          </a:bodyPr>
+          <a:lstStyle/>
+          <a:p>
+            <a:r>
+              <a:rPr lang="ko-KR" altLang="en-US" sz="1000">
+                <a:latin typeface="+mn-ea"/>
+              </a:rPr>
+              <a:t>출처</a:t>
+            </a:r>
+            <a:r>
+              <a:rPr lang="en-US" altLang="ko-KR" sz="1000">
+                <a:latin typeface="+mn-ea"/>
+              </a:rPr>
+              <a:t>: https://www.simplilearn.com/tutorials/deep-learning-tutorial/deep-learning-algorithm</a:t>
+            </a:r>
+            <a:endParaRPr lang="ko-KR" altLang="en-US" sz="1000">
+              <a:latin typeface="+mn-ea"/>
+            </a:endParaRPr>
+          </a:p>
+        </p:txBody>
+      </p:sp>
+    </p:spTree>
+    <p:extLst>
+      <p:ext uri="{BB962C8B-B14F-4D97-AF65-F5344CB8AC3E}">
+        <p14:creationId xmlns:p14="http://schemas.microsoft.com/office/powerpoint/2010/main" val="2660212693"/>
+      </p:ext>
+    </p:extLst>
+  </p:cSld>
+  <p:clrMapOvr>
+    <a:masterClrMapping/>
+  </p:clrMapOvr>
+</p:sld>
+</file>
+
+<file path=ppt/slides/slide21.xml><?xml version="1.0" encoding="utf-8"?>
+<p:sld xmlns:a="http://schemas.openxmlformats.org/drawingml/2006/main" xmlns:r="http://schemas.openxmlformats.org/officeDocument/2006/relationships" xmlns:p="http://schemas.openxmlformats.org/presentationml/2006/main">
+  <p:cSld>
+    <p:spTree>
+      <p:nvGrpSpPr>
+        <p:cNvPr id="1" name=""/>
+        <p:cNvGrpSpPr/>
+        <p:nvPr/>
+      </p:nvGrpSpPr>
+      <p:grpSpPr>
+        <a:xfrm>
+          <a:off x="0" y="0"/>
+          <a:ext cx="0" cy="0"/>
+          <a:chOff x="0" y="0"/>
+          <a:chExt cx="0" cy="0"/>
+        </a:xfrm>
+      </p:grpSpPr>
+      <p:sp>
+        <p:nvSpPr>
+          <p:cNvPr id="4" name="제목 3"/>
+          <p:cNvSpPr>
+            <a:spLocks noGrp="1"/>
+          </p:cNvSpPr>
+          <p:nvPr>
+            <p:ph type="title"/>
+          </p:nvPr>
+        </p:nvSpPr>
+        <p:spPr>
+          <a:prstGeom prst="rect">
+            <a:avLst/>
+          </a:prstGeom>
+        </p:spPr>
+        <p:txBody>
+          <a:bodyPr>
+            <a:normAutofit fontScale="90000"/>
+          </a:bodyPr>
+          <a:lstStyle/>
+          <a:p>
+            <a:r>
+              <a:rPr lang="en-US" altLang="ko-KR" sz="2400" dirty="0"/>
+              <a:t>Algorithms</a:t>
+            </a:r>
+            <a:endParaRPr lang="ko-KR" altLang="en-US" sz="2400" dirty="0"/>
+          </a:p>
+        </p:txBody>
+      </p:sp>
+      <p:sp>
+        <p:nvSpPr>
+          <p:cNvPr id="85" name="내용 개체 틀 4"/>
+          <p:cNvSpPr>
+            <a:spLocks noGrp="1"/>
+          </p:cNvSpPr>
+          <p:nvPr>
+            <p:ph idx="1"/>
+          </p:nvPr>
+        </p:nvSpPr>
+        <p:spPr>
+          <a:xfrm>
+            <a:off x="344488" y="764704"/>
+            <a:ext cx="9217025" cy="338554"/>
+          </a:xfrm>
+        </p:spPr>
+        <p:txBody>
+          <a:bodyPr/>
+          <a:lstStyle/>
+          <a:p>
+            <a:pPr marL="0" indent="0">
+              <a:buNone/>
+            </a:pPr>
+            <a:r>
+              <a:rPr lang="en-US" altLang="ko-KR" sz="1600" dirty="0">
+                <a:latin typeface="+mn-ea"/>
+              </a:rPr>
+              <a:t>RNN (Recurrent Neural Network)</a:t>
+            </a:r>
+          </a:p>
+        </p:txBody>
+      </p:sp>
+      <p:sp>
+        <p:nvSpPr>
+          <p:cNvPr id="2" name="내용 개체 틀 4">
+            <a:extLst>
+              <a:ext uri="{FF2B5EF4-FFF2-40B4-BE49-F238E27FC236}">
+                <a16:creationId xmlns:a16="http://schemas.microsoft.com/office/drawing/2014/main" id="{8B14DFDE-7F40-E347-BDD4-0DC8C48916F0}"/>
+              </a:ext>
+            </a:extLst>
+          </p:cNvPr>
+          <p:cNvSpPr txBox="1">
+            <a:spLocks/>
+          </p:cNvSpPr>
+          <p:nvPr/>
+        </p:nvSpPr>
+        <p:spPr>
+          <a:xfrm>
+            <a:off x="344488" y="1412776"/>
+            <a:ext cx="9217025" cy="338554"/>
+          </a:xfrm>
+          <a:prstGeom prst="rect">
+            <a:avLst/>
+          </a:prstGeom>
+        </p:spPr>
+        <p:txBody>
+          <a:bodyPr wrap="square">
+            <a:spAutoFit/>
+          </a:bodyPr>
+          <a:lstStyle>
+            <a:lvl1pPr marL="355600" indent="-355600" algn="l" defTabSz="914400" rtl="0" eaLnBrk="1" latinLnBrk="1" hangingPunct="1">
+              <a:spcBef>
+                <a:spcPct val="20000"/>
+              </a:spcBef>
+              <a:buFont typeface="Wingdings" panose="05000000000000000000" pitchFamily="2" charset="2"/>
+              <a:buChar char="§"/>
+              <a:defRPr sz="1800" kern="1200">
+                <a:solidFill>
+                  <a:schemeClr val="tx1"/>
+                </a:solidFill>
+                <a:latin typeface="+mn-lt"/>
+                <a:ea typeface="+mn-ea"/>
+                <a:cs typeface="+mn-cs"/>
+              </a:defRPr>
+            </a:lvl1pPr>
+            <a:lvl2pPr marL="742950" indent="-379413" algn="l" defTabSz="914400" rtl="0" eaLnBrk="1" latinLnBrk="1" hangingPunct="1">
+              <a:spcBef>
+                <a:spcPct val="20000"/>
+              </a:spcBef>
+              <a:buFont typeface="Wingdings" panose="05000000000000000000" pitchFamily="2" charset="2"/>
+              <a:buChar char="§"/>
+              <a:defRPr sz="1600" kern="1200">
+                <a:solidFill>
+                  <a:schemeClr val="tx1"/>
+                </a:solidFill>
+                <a:latin typeface="+mn-lt"/>
+                <a:ea typeface="+mn-ea"/>
+                <a:cs typeface="+mn-cs"/>
+              </a:defRPr>
+            </a:lvl2pPr>
+            <a:lvl3pPr marL="1079500" indent="-355600" algn="l" defTabSz="914400" rtl="0" eaLnBrk="1" latinLnBrk="1" hangingPunct="1">
+              <a:spcBef>
+                <a:spcPct val="20000"/>
+              </a:spcBef>
+              <a:buFont typeface="Wingdings" panose="05000000000000000000" pitchFamily="2" charset="2"/>
+              <a:buChar char="§"/>
+              <a:defRPr sz="1600" kern="1200">
+                <a:solidFill>
+                  <a:schemeClr val="tx1"/>
+                </a:solidFill>
+                <a:latin typeface="+mn-lt"/>
+                <a:ea typeface="+mn-ea"/>
+                <a:cs typeface="+mn-cs"/>
+              </a:defRPr>
+            </a:lvl3pPr>
+            <a:lvl4pPr marL="1435100" indent="-355600" algn="l" defTabSz="914400" rtl="0" eaLnBrk="1" latinLnBrk="1" hangingPunct="1">
+              <a:spcBef>
+                <a:spcPct val="20000"/>
+              </a:spcBef>
+              <a:buFont typeface="Wingdings" panose="05000000000000000000" pitchFamily="2" charset="2"/>
+              <a:buChar char="§"/>
+              <a:defRPr sz="1600" kern="1200">
+                <a:solidFill>
+                  <a:schemeClr val="tx1"/>
+                </a:solidFill>
+                <a:latin typeface="+mn-lt"/>
+                <a:ea typeface="+mn-ea"/>
+                <a:cs typeface="+mn-cs"/>
+              </a:defRPr>
+            </a:lvl4pPr>
+            <a:lvl5pPr marL="1790700" indent="-355600" algn="l" defTabSz="914400" rtl="0" eaLnBrk="1" latinLnBrk="1" hangingPunct="1">
+              <a:spcBef>
+                <a:spcPct val="20000"/>
+              </a:spcBef>
+              <a:buFont typeface="Wingdings" panose="05000000000000000000" pitchFamily="2" charset="2"/>
+              <a:buChar char="§"/>
+              <a:defRPr sz="1600" kern="1200">
+                <a:solidFill>
+                  <a:schemeClr val="tx1"/>
+                </a:solidFill>
+                <a:latin typeface="+mn-lt"/>
+                <a:ea typeface="+mn-ea"/>
+                <a:cs typeface="+mn-cs"/>
+              </a:defRPr>
+            </a:lvl5pPr>
+            <a:lvl6pPr marL="2514600" indent="-228600" algn="l" defTabSz="914400" rtl="0" eaLnBrk="1" latinLnBrk="1" hangingPunct="1">
+              <a:spcBef>
+                <a:spcPct val="20000"/>
+              </a:spcBef>
+              <a:buFont typeface="Arial" pitchFamily="34" charset="0"/>
+              <a:buChar char="•"/>
+              <a:defRPr sz="2000" kern="1200">
+                <a:solidFill>
+                  <a:schemeClr val="tx1"/>
+                </a:solidFill>
+                <a:latin typeface="+mn-lt"/>
+                <a:ea typeface="+mn-ea"/>
+                <a:cs typeface="+mn-cs"/>
+              </a:defRPr>
+            </a:lvl6pPr>
+            <a:lvl7pPr marL="2971800" indent="-228600" algn="l" defTabSz="914400" rtl="0" eaLnBrk="1" latinLnBrk="1" hangingPunct="1">
+              <a:spcBef>
+                <a:spcPct val="20000"/>
+              </a:spcBef>
+              <a:buFont typeface="Arial" pitchFamily="34" charset="0"/>
+              <a:buChar char="•"/>
+              <a:defRPr sz="2000" kern="1200">
+                <a:solidFill>
+                  <a:schemeClr val="tx1"/>
+                </a:solidFill>
+                <a:latin typeface="+mn-lt"/>
+                <a:ea typeface="+mn-ea"/>
+                <a:cs typeface="+mn-cs"/>
+              </a:defRPr>
+            </a:lvl7pPr>
+            <a:lvl8pPr marL="3429000" indent="-228600" algn="l" defTabSz="914400" rtl="0" eaLnBrk="1" latinLnBrk="1" hangingPunct="1">
+              <a:spcBef>
+                <a:spcPct val="20000"/>
+              </a:spcBef>
+              <a:buFont typeface="Arial" pitchFamily="34" charset="0"/>
+              <a:buChar char="•"/>
+              <a:defRPr sz="2000" kern="1200">
+                <a:solidFill>
+                  <a:schemeClr val="tx1"/>
+                </a:solidFill>
+                <a:latin typeface="+mn-lt"/>
+                <a:ea typeface="+mn-ea"/>
+                <a:cs typeface="+mn-cs"/>
+              </a:defRPr>
+            </a:lvl8pPr>
+            <a:lvl9pPr marL="3886200" indent="-228600" algn="l" defTabSz="914400" rtl="0" eaLnBrk="1" latinLnBrk="1" hangingPunct="1">
+              <a:spcBef>
+                <a:spcPct val="20000"/>
+              </a:spcBef>
+              <a:buFont typeface="Arial" pitchFamily="34" charset="0"/>
+              <a:buChar char="•"/>
+              <a:defRPr sz="2000" kern="1200">
+                <a:solidFill>
+                  <a:schemeClr val="tx1"/>
+                </a:solidFill>
+                <a:latin typeface="+mn-lt"/>
+                <a:ea typeface="+mn-ea"/>
+                <a:cs typeface="+mn-cs"/>
+              </a:defRPr>
+            </a:lvl9pPr>
+          </a:lstStyle>
+          <a:p>
+            <a:r>
+              <a:rPr lang="en-US" altLang="ko-KR" sz="1600" dirty="0">
+                <a:latin typeface="+mn-ea"/>
+              </a:rPr>
+              <a:t>ppp</a:t>
+            </a:r>
+          </a:p>
+        </p:txBody>
+      </p:sp>
+      <p:sp>
+        <p:nvSpPr>
+          <p:cNvPr id="3" name="모서리가 둥근 직사각형 2">
+            <a:extLst>
+              <a:ext uri="{FF2B5EF4-FFF2-40B4-BE49-F238E27FC236}">
+                <a16:creationId xmlns:a16="http://schemas.microsoft.com/office/drawing/2014/main" id="{F48B3EEB-88EB-74CA-1F2F-5089E488CEF8}"/>
+              </a:ext>
+            </a:extLst>
+          </p:cNvPr>
+          <p:cNvSpPr/>
+          <p:nvPr/>
+        </p:nvSpPr>
+        <p:spPr>
+          <a:xfrm>
+            <a:off x="8265368" y="116672"/>
+            <a:ext cx="1260000" cy="360000"/>
+          </a:xfrm>
+          <a:prstGeom prst="roundRect">
+            <a:avLst/>
+          </a:prstGeom>
+          <a:solidFill>
+            <a:schemeClr val="accent2"/>
+          </a:solidFill>
+          <a:ln/>
+        </p:spPr>
+        <p:style>
+          <a:lnRef idx="2">
+            <a:schemeClr val="accent2"/>
+          </a:lnRef>
+          <a:fillRef idx="1">
+            <a:schemeClr val="lt1"/>
+          </a:fillRef>
+          <a:effectRef idx="0">
+            <a:schemeClr val="accent2"/>
+          </a:effectRef>
+          <a:fontRef idx="minor">
+            <a:schemeClr val="dk1"/>
+          </a:fontRef>
+        </p:style>
+        <p:txBody>
+          <a:bodyPr rtlCol="0" anchor="ctr"/>
+          <a:lstStyle/>
+          <a:p>
+            <a:pPr algn="ctr"/>
+            <a:r>
+              <a:rPr kumimoji="1" lang="ko-KR" altLang="en-US" sz="1600">
+                <a:solidFill>
+                  <a:schemeClr val="bg1"/>
+                </a:solidFill>
+              </a:rPr>
+              <a:t>작성중</a:t>
+            </a:r>
+            <a:endParaRPr kumimoji="1" lang="ko-Kore-KR" altLang="en-US" sz="1600">
+              <a:solidFill>
+                <a:schemeClr val="bg1"/>
+              </a:solidFill>
+            </a:endParaRPr>
+          </a:p>
+        </p:txBody>
+      </p:sp>
+      <p:pic>
+        <p:nvPicPr>
           <p:cNvPr id="3074" name="Picture 2" descr="RNN">
             <a:extLst>
               <a:ext uri="{FF2B5EF4-FFF2-40B4-BE49-F238E27FC236}">
@@ -16927,8 +18781,8 @@
         </p:blipFill>
         <p:spPr bwMode="auto">
           <a:xfrm>
-            <a:off x="1640632" y="1103258"/>
-            <a:ext cx="7524696" cy="3551657"/>
+            <a:off x="1640632" y="1393277"/>
+            <a:ext cx="6910248" cy="3261638"/>
           </a:xfrm>
           <a:prstGeom prst="rect">
             <a:avLst/>
@@ -16974,8 +18828,8 @@
         </p:blipFill>
         <p:spPr bwMode="auto">
           <a:xfrm>
-            <a:off x="1134056" y="4583170"/>
-            <a:ext cx="7761312" cy="2130629"/>
+            <a:off x="1355120" y="4470185"/>
+            <a:ext cx="6987296" cy="1918147"/>
           </a:xfrm>
           <a:prstGeom prst="rect">
             <a:avLst/>
@@ -16992,6 +18846,52 @@
           </a:extLst>
         </p:spPr>
       </p:pic>
+      <p:sp>
+        <p:nvSpPr>
+          <p:cNvPr id="5" name="TextBox 4">
+            <a:extLst>
+              <a:ext uri="{FF2B5EF4-FFF2-40B4-BE49-F238E27FC236}">
+                <a16:creationId xmlns:a16="http://schemas.microsoft.com/office/drawing/2014/main" id="{F56D752E-9859-0FD1-C386-FAAA0231863E}"/>
+              </a:ext>
+            </a:extLst>
+          </p:cNvPr>
+          <p:cNvSpPr txBox="1"/>
+          <p:nvPr/>
+        </p:nvSpPr>
+        <p:spPr>
+          <a:xfrm>
+            <a:off x="704528" y="6351131"/>
+            <a:ext cx="8820840" cy="246221"/>
+          </a:xfrm>
+          <a:prstGeom prst="rect">
+            <a:avLst/>
+          </a:prstGeom>
+          <a:noFill/>
+        </p:spPr>
+        <p:txBody>
+          <a:bodyPr wrap="square" rtlCol="0">
+            <a:spAutoFit/>
+          </a:bodyPr>
+          <a:lstStyle/>
+          <a:p>
+            <a:r>
+              <a:rPr lang="ko-KR" altLang="en-US" sz="1000">
+                <a:latin typeface="+mn-ea"/>
+              </a:rPr>
+              <a:t>출처</a:t>
+            </a:r>
+            <a:r>
+              <a:rPr lang="en-US" altLang="ko-KR" sz="1000">
+                <a:latin typeface="+mn-ea"/>
+              </a:rPr>
+              <a:t>: https://www.simplilearn.com/tutorials/deep-learning-tutorial/deep-learning-algorithm</a:t>
+            </a:r>
+            <a:endParaRPr lang="ko-KR" altLang="en-US" sz="1000">
+              <a:latin typeface="+mn-ea"/>
+            </a:endParaRPr>
+          </a:p>
+        </p:txBody>
+      </p:sp>
     </p:spTree>
     <p:extLst>
       <p:ext uri="{BB962C8B-B14F-4D97-AF65-F5344CB8AC3E}">
@@ -17005,7 +18905,7 @@
 </p:sld>
 </file>
 
-<file path=ppt/slides/slide21.xml><?xml version="1.0" encoding="utf-8"?>
+<file path=ppt/slides/slide22.xml><?xml version="1.0" encoding="utf-8"?>
 <p:sld xmlns:a="http://schemas.openxmlformats.org/drawingml/2006/main" xmlns:r="http://schemas.openxmlformats.org/officeDocument/2006/relationships" xmlns:p="http://schemas.openxmlformats.org/presentationml/2006/main">
   <p:cSld>
     <p:spTree>
@@ -17364,6 +19264,52 @@
           </a:extLst>
         </p:spPr>
       </p:pic>
+      <p:sp>
+        <p:nvSpPr>
+          <p:cNvPr id="5" name="TextBox 4">
+            <a:extLst>
+              <a:ext uri="{FF2B5EF4-FFF2-40B4-BE49-F238E27FC236}">
+                <a16:creationId xmlns:a16="http://schemas.microsoft.com/office/drawing/2014/main" id="{274942F5-5F77-B5EC-4691-49517BD21196}"/>
+              </a:ext>
+            </a:extLst>
+          </p:cNvPr>
+          <p:cNvSpPr txBox="1"/>
+          <p:nvPr/>
+        </p:nvSpPr>
+        <p:spPr>
+          <a:xfrm>
+            <a:off x="704528" y="5106671"/>
+            <a:ext cx="8820840" cy="246221"/>
+          </a:xfrm>
+          <a:prstGeom prst="rect">
+            <a:avLst/>
+          </a:prstGeom>
+          <a:noFill/>
+        </p:spPr>
+        <p:txBody>
+          <a:bodyPr wrap="square" rtlCol="0">
+            <a:spAutoFit/>
+          </a:bodyPr>
+          <a:lstStyle/>
+          <a:p>
+            <a:r>
+              <a:rPr lang="ko-KR" altLang="en-US" sz="1000">
+                <a:latin typeface="+mn-ea"/>
+              </a:rPr>
+              <a:t>출처</a:t>
+            </a:r>
+            <a:r>
+              <a:rPr lang="en-US" altLang="ko-KR" sz="1000">
+                <a:latin typeface="+mn-ea"/>
+              </a:rPr>
+              <a:t>: https://www.simplilearn.com/tutorials/deep-learning-tutorial/deep-learning-algorithm</a:t>
+            </a:r>
+            <a:endParaRPr lang="ko-KR" altLang="en-US" sz="1000">
+              <a:latin typeface="+mn-ea"/>
+            </a:endParaRPr>
+          </a:p>
+        </p:txBody>
+      </p:sp>
     </p:spTree>
     <p:extLst>
       <p:ext uri="{BB962C8B-B14F-4D97-AF65-F5344CB8AC3E}">
@@ -17377,7 +19323,7 @@
 </p:sld>
 </file>
 
-<file path=ppt/slides/slide22.xml><?xml version="1.0" encoding="utf-8"?>
+<file path=ppt/slides/slide23.xml><?xml version="1.0" encoding="utf-8"?>
 <p:sld xmlns:a="http://schemas.openxmlformats.org/drawingml/2006/main" xmlns:r="http://schemas.openxmlformats.org/officeDocument/2006/relationships" xmlns:p="http://schemas.openxmlformats.org/presentationml/2006/main">
   <p:cSld>
     <p:spTree>
@@ -17736,6 +19682,52 @@
           </a:extLst>
         </p:spPr>
       </p:pic>
+      <p:sp>
+        <p:nvSpPr>
+          <p:cNvPr id="5" name="TextBox 4">
+            <a:extLst>
+              <a:ext uri="{FF2B5EF4-FFF2-40B4-BE49-F238E27FC236}">
+                <a16:creationId xmlns:a16="http://schemas.microsoft.com/office/drawing/2014/main" id="{5CD06D95-34F5-FF8D-69DE-319D9628EC0D}"/>
+              </a:ext>
+            </a:extLst>
+          </p:cNvPr>
+          <p:cNvSpPr txBox="1"/>
+          <p:nvPr/>
+        </p:nvSpPr>
+        <p:spPr>
+          <a:xfrm>
+            <a:off x="704528" y="5847075"/>
+            <a:ext cx="8820840" cy="246221"/>
+          </a:xfrm>
+          <a:prstGeom prst="rect">
+            <a:avLst/>
+          </a:prstGeom>
+          <a:noFill/>
+        </p:spPr>
+        <p:txBody>
+          <a:bodyPr wrap="square" rtlCol="0">
+            <a:spAutoFit/>
+          </a:bodyPr>
+          <a:lstStyle/>
+          <a:p>
+            <a:r>
+              <a:rPr lang="ko-KR" altLang="en-US" sz="1000">
+                <a:latin typeface="+mn-ea"/>
+              </a:rPr>
+              <a:t>출처</a:t>
+            </a:r>
+            <a:r>
+              <a:rPr lang="en-US" altLang="ko-KR" sz="1000">
+                <a:latin typeface="+mn-ea"/>
+              </a:rPr>
+              <a:t>: https://www.simplilearn.com/tutorials/deep-learning-tutorial/deep-learning-algorithm</a:t>
+            </a:r>
+            <a:endParaRPr lang="ko-KR" altLang="en-US" sz="1000">
+              <a:latin typeface="+mn-ea"/>
+            </a:endParaRPr>
+          </a:p>
+        </p:txBody>
+      </p:sp>
     </p:spTree>
     <p:extLst>
       <p:ext uri="{BB962C8B-B14F-4D97-AF65-F5344CB8AC3E}">
@@ -17749,7 +19741,7 @@
 </p:sld>
 </file>
 
-<file path=ppt/slides/slide23.xml><?xml version="1.0" encoding="utf-8"?>
+<file path=ppt/slides/slide24.xml><?xml version="1.0" encoding="utf-8"?>
 <p:sld xmlns:a="http://schemas.openxmlformats.org/drawingml/2006/main" xmlns:r="http://schemas.openxmlformats.org/officeDocument/2006/relationships" xmlns:p="http://schemas.openxmlformats.org/presentationml/2006/main">
   <p:cSld>
     <p:spTree>
@@ -18108,6 +20100,52 @@
           </a:extLst>
         </p:spPr>
       </p:pic>
+      <p:sp>
+        <p:nvSpPr>
+          <p:cNvPr id="5" name="TextBox 4">
+            <a:extLst>
+              <a:ext uri="{FF2B5EF4-FFF2-40B4-BE49-F238E27FC236}">
+                <a16:creationId xmlns:a16="http://schemas.microsoft.com/office/drawing/2014/main" id="{39786162-DDCD-2593-E124-5611DAE087EC}"/>
+              </a:ext>
+            </a:extLst>
+          </p:cNvPr>
+          <p:cNvSpPr txBox="1"/>
+          <p:nvPr/>
+        </p:nvSpPr>
+        <p:spPr>
+          <a:xfrm>
+            <a:off x="704528" y="4541899"/>
+            <a:ext cx="8820840" cy="246221"/>
+          </a:xfrm>
+          <a:prstGeom prst="rect">
+            <a:avLst/>
+          </a:prstGeom>
+          <a:noFill/>
+        </p:spPr>
+        <p:txBody>
+          <a:bodyPr wrap="square" rtlCol="0">
+            <a:spAutoFit/>
+          </a:bodyPr>
+          <a:lstStyle/>
+          <a:p>
+            <a:r>
+              <a:rPr lang="ko-KR" altLang="en-US" sz="1000">
+                <a:latin typeface="+mn-ea"/>
+              </a:rPr>
+              <a:t>출처</a:t>
+            </a:r>
+            <a:r>
+              <a:rPr lang="en-US" altLang="ko-KR" sz="1000">
+                <a:latin typeface="+mn-ea"/>
+              </a:rPr>
+              <a:t>: https://www.simplilearn.com/tutorials/deep-learning-tutorial/deep-learning-algorithm</a:t>
+            </a:r>
+            <a:endParaRPr lang="ko-KR" altLang="en-US" sz="1000">
+              <a:latin typeface="+mn-ea"/>
+            </a:endParaRPr>
+          </a:p>
+        </p:txBody>
+      </p:sp>
     </p:spTree>
     <p:extLst>
       <p:ext uri="{BB962C8B-B14F-4D97-AF65-F5344CB8AC3E}">
@@ -18121,7 +20159,7 @@
 </p:sld>
 </file>
 
-<file path=ppt/slides/slide24.xml><?xml version="1.0" encoding="utf-8"?>
+<file path=ppt/slides/slide25.xml><?xml version="1.0" encoding="utf-8"?>
 <p:sld xmlns:a="http://schemas.openxmlformats.org/drawingml/2006/main" xmlns:r="http://schemas.openxmlformats.org/officeDocument/2006/relationships" xmlns:p="http://schemas.openxmlformats.org/presentationml/2006/main">
   <p:cSld>
     <p:spTree>
@@ -18480,6 +20518,52 @@
           </a:extLst>
         </p:spPr>
       </p:pic>
+      <p:sp>
+        <p:nvSpPr>
+          <p:cNvPr id="5" name="TextBox 4">
+            <a:extLst>
+              <a:ext uri="{FF2B5EF4-FFF2-40B4-BE49-F238E27FC236}">
+                <a16:creationId xmlns:a16="http://schemas.microsoft.com/office/drawing/2014/main" id="{E3DAE7CE-5345-BF74-50BC-3D1CB1496996}"/>
+              </a:ext>
+            </a:extLst>
+          </p:cNvPr>
+          <p:cNvSpPr txBox="1"/>
+          <p:nvPr/>
+        </p:nvSpPr>
+        <p:spPr>
+          <a:xfrm>
+            <a:off x="704528" y="5322113"/>
+            <a:ext cx="8820840" cy="246221"/>
+          </a:xfrm>
+          <a:prstGeom prst="rect">
+            <a:avLst/>
+          </a:prstGeom>
+          <a:noFill/>
+        </p:spPr>
+        <p:txBody>
+          <a:bodyPr wrap="square" rtlCol="0">
+            <a:spAutoFit/>
+          </a:bodyPr>
+          <a:lstStyle/>
+          <a:p>
+            <a:r>
+              <a:rPr lang="ko-KR" altLang="en-US" sz="1000">
+                <a:latin typeface="+mn-ea"/>
+              </a:rPr>
+              <a:t>출처</a:t>
+            </a:r>
+            <a:r>
+              <a:rPr lang="en-US" altLang="ko-KR" sz="1000">
+                <a:latin typeface="+mn-ea"/>
+              </a:rPr>
+              <a:t>: https://www.simplilearn.com/tutorials/deep-learning-tutorial/deep-learning-algorithm</a:t>
+            </a:r>
+            <a:endParaRPr lang="ko-KR" altLang="en-US" sz="1000">
+              <a:latin typeface="+mn-ea"/>
+            </a:endParaRPr>
+          </a:p>
+        </p:txBody>
+      </p:sp>
     </p:spTree>
     <p:extLst>
       <p:ext uri="{BB962C8B-B14F-4D97-AF65-F5344CB8AC3E}">
@@ -18493,7 +20577,7 @@
 </p:sld>
 </file>
 
-<file path=ppt/slides/slide25.xml><?xml version="1.0" encoding="utf-8"?>
+<file path=ppt/slides/slide26.xml><?xml version="1.0" encoding="utf-8"?>
 <p:sld xmlns:a="http://schemas.openxmlformats.org/drawingml/2006/main" xmlns:r="http://schemas.openxmlformats.org/officeDocument/2006/relationships" xmlns:p="http://schemas.openxmlformats.org/presentationml/2006/main">
   <p:cSld>
     <p:spTree>
@@ -18852,6 +20936,52 @@
           </a:extLst>
         </p:spPr>
       </p:pic>
+      <p:sp>
+        <p:nvSpPr>
+          <p:cNvPr id="5" name="TextBox 4">
+            <a:extLst>
+              <a:ext uri="{FF2B5EF4-FFF2-40B4-BE49-F238E27FC236}">
+                <a16:creationId xmlns:a16="http://schemas.microsoft.com/office/drawing/2014/main" id="{6945DB86-7857-4062-E462-F1EBCA4D633C}"/>
+              </a:ext>
+            </a:extLst>
+          </p:cNvPr>
+          <p:cNvSpPr txBox="1"/>
+          <p:nvPr/>
+        </p:nvSpPr>
+        <p:spPr>
+          <a:xfrm>
+            <a:off x="704528" y="5589240"/>
+            <a:ext cx="8820840" cy="246221"/>
+          </a:xfrm>
+          <a:prstGeom prst="rect">
+            <a:avLst/>
+          </a:prstGeom>
+          <a:noFill/>
+        </p:spPr>
+        <p:txBody>
+          <a:bodyPr wrap="square" rtlCol="0">
+            <a:spAutoFit/>
+          </a:bodyPr>
+          <a:lstStyle/>
+          <a:p>
+            <a:r>
+              <a:rPr lang="ko-KR" altLang="en-US" sz="1000">
+                <a:latin typeface="+mn-ea"/>
+              </a:rPr>
+              <a:t>출처</a:t>
+            </a:r>
+            <a:r>
+              <a:rPr lang="en-US" altLang="ko-KR" sz="1000">
+                <a:latin typeface="+mn-ea"/>
+              </a:rPr>
+              <a:t>: https://www.simplilearn.com/tutorials/deep-learning-tutorial/deep-learning-algorithm</a:t>
+            </a:r>
+            <a:endParaRPr lang="ko-KR" altLang="en-US" sz="1000">
+              <a:latin typeface="+mn-ea"/>
+            </a:endParaRPr>
+          </a:p>
+        </p:txBody>
+      </p:sp>
     </p:spTree>
     <p:extLst>
       <p:ext uri="{BB962C8B-B14F-4D97-AF65-F5344CB8AC3E}">
@@ -18865,7 +20995,7 @@
 </p:sld>
 </file>
 
-<file path=ppt/slides/slide26.xml><?xml version="1.0" encoding="utf-8"?>
+<file path=ppt/slides/slide27.xml><?xml version="1.0" encoding="utf-8"?>
 <p:sld xmlns:a="http://schemas.openxmlformats.org/drawingml/2006/main" xmlns:r="http://schemas.openxmlformats.org/officeDocument/2006/relationships" xmlns:p="http://schemas.openxmlformats.org/presentationml/2006/main">
   <p:cSld>
     <p:spTree>
@@ -19224,6 +21354,52 @@
           </a:extLst>
         </p:spPr>
       </p:pic>
+      <p:sp>
+        <p:nvSpPr>
+          <p:cNvPr id="5" name="TextBox 4">
+            <a:extLst>
+              <a:ext uri="{FF2B5EF4-FFF2-40B4-BE49-F238E27FC236}">
+                <a16:creationId xmlns:a16="http://schemas.microsoft.com/office/drawing/2014/main" id="{23639548-D56D-9111-61F2-42E6010B6956}"/>
+              </a:ext>
+            </a:extLst>
+          </p:cNvPr>
+          <p:cNvSpPr txBox="1"/>
+          <p:nvPr/>
+        </p:nvSpPr>
+        <p:spPr>
+          <a:xfrm>
+            <a:off x="704528" y="5714211"/>
+            <a:ext cx="8820840" cy="246221"/>
+          </a:xfrm>
+          <a:prstGeom prst="rect">
+            <a:avLst/>
+          </a:prstGeom>
+          <a:noFill/>
+        </p:spPr>
+        <p:txBody>
+          <a:bodyPr wrap="square" rtlCol="0">
+            <a:spAutoFit/>
+          </a:bodyPr>
+          <a:lstStyle/>
+          <a:p>
+            <a:r>
+              <a:rPr lang="ko-KR" altLang="en-US" sz="1000">
+                <a:latin typeface="+mn-ea"/>
+              </a:rPr>
+              <a:t>출처</a:t>
+            </a:r>
+            <a:r>
+              <a:rPr lang="en-US" altLang="ko-KR" sz="1000">
+                <a:latin typeface="+mn-ea"/>
+              </a:rPr>
+              <a:t>: https://www.simplilearn.com/tutorials/deep-learning-tutorial/deep-learning-algorithm</a:t>
+            </a:r>
+            <a:endParaRPr lang="ko-KR" altLang="en-US" sz="1000">
+              <a:latin typeface="+mn-ea"/>
+            </a:endParaRPr>
+          </a:p>
+        </p:txBody>
+      </p:sp>
     </p:spTree>
     <p:extLst>
       <p:ext uri="{BB962C8B-B14F-4D97-AF65-F5344CB8AC3E}">
@@ -19237,7 +21413,7 @@
 </p:sld>
 </file>
 
-<file path=ppt/slides/slide27.xml><?xml version="1.0" encoding="utf-8"?>
+<file path=ppt/slides/slide28.xml><?xml version="1.0" encoding="utf-8"?>
 <p:sld xmlns:a="http://schemas.openxmlformats.org/drawingml/2006/main" xmlns:r="http://schemas.openxmlformats.org/officeDocument/2006/relationships" xmlns:p="http://schemas.openxmlformats.org/presentationml/2006/main">
   <p:cSld>
     <p:spTree>
@@ -19596,6 +21772,52 @@
           </a:extLst>
         </p:spPr>
       </p:pic>
+      <p:sp>
+        <p:nvSpPr>
+          <p:cNvPr id="5" name="TextBox 4">
+            <a:extLst>
+              <a:ext uri="{FF2B5EF4-FFF2-40B4-BE49-F238E27FC236}">
+                <a16:creationId xmlns:a16="http://schemas.microsoft.com/office/drawing/2014/main" id="{B948EFB0-7180-1068-787A-5FC840BBB38E}"/>
+              </a:ext>
+            </a:extLst>
+          </p:cNvPr>
+          <p:cNvSpPr txBox="1"/>
+          <p:nvPr/>
+        </p:nvSpPr>
+        <p:spPr>
+          <a:xfrm>
+            <a:off x="704528" y="5560197"/>
+            <a:ext cx="8820840" cy="246221"/>
+          </a:xfrm>
+          <a:prstGeom prst="rect">
+            <a:avLst/>
+          </a:prstGeom>
+          <a:noFill/>
+        </p:spPr>
+        <p:txBody>
+          <a:bodyPr wrap="square" rtlCol="0">
+            <a:spAutoFit/>
+          </a:bodyPr>
+          <a:lstStyle/>
+          <a:p>
+            <a:r>
+              <a:rPr lang="ko-KR" altLang="en-US" sz="1000">
+                <a:latin typeface="+mn-ea"/>
+              </a:rPr>
+              <a:t>출처</a:t>
+            </a:r>
+            <a:r>
+              <a:rPr lang="en-US" altLang="ko-KR" sz="1000">
+                <a:latin typeface="+mn-ea"/>
+              </a:rPr>
+              <a:t>: https://www.simplilearn.com/tutorials/deep-learning-tutorial/deep-learning-algorithm</a:t>
+            </a:r>
+            <a:endParaRPr lang="ko-KR" altLang="en-US" sz="1000">
+              <a:latin typeface="+mn-ea"/>
+            </a:endParaRPr>
+          </a:p>
+        </p:txBody>
+      </p:sp>
     </p:spTree>
     <p:extLst>
       <p:ext uri="{BB962C8B-B14F-4D97-AF65-F5344CB8AC3E}">
@@ -19609,7 +21831,7 @@
 </p:sld>
 </file>
 
-<file path=ppt/slides/slide28.xml><?xml version="1.0" encoding="utf-8"?>
+<file path=ppt/slides/slide29.xml><?xml version="1.0" encoding="utf-8"?>
 <p:sld xmlns:a="http://schemas.openxmlformats.org/drawingml/2006/main" xmlns:r="http://schemas.openxmlformats.org/officeDocument/2006/relationships" xmlns:p="http://schemas.openxmlformats.org/presentationml/2006/main">
   <p:cSld>
     <p:spTree>
@@ -19693,7 +21915,164 @@
 </p:sld>
 </file>
 
-<file path=ppt/slides/slide29.xml><?xml version="1.0" encoding="utf-8"?>
+<file path=ppt/slides/slide3.xml><?xml version="1.0" encoding="utf-8"?>
+<p:sld xmlns:a="http://schemas.openxmlformats.org/drawingml/2006/main" xmlns:r="http://schemas.openxmlformats.org/officeDocument/2006/relationships" xmlns:p="http://schemas.openxmlformats.org/presentationml/2006/main">
+  <p:cSld>
+    <p:spTree>
+      <p:nvGrpSpPr>
+        <p:cNvPr id="1" name=""/>
+        <p:cNvGrpSpPr/>
+        <p:nvPr/>
+      </p:nvGrpSpPr>
+      <p:grpSpPr>
+        <a:xfrm>
+          <a:off x="0" y="0"/>
+          <a:ext cx="0" cy="0"/>
+          <a:chOff x="0" y="0"/>
+          <a:chExt cx="0" cy="0"/>
+        </a:xfrm>
+      </p:grpSpPr>
+      <p:sp>
+        <p:nvSpPr>
+          <p:cNvPr id="2" name="내용 개체 틀 1"/>
+          <p:cNvSpPr>
+            <a:spLocks noGrp="1"/>
+          </p:cNvSpPr>
+          <p:nvPr>
+            <p:ph idx="1"/>
+          </p:nvPr>
+        </p:nvSpPr>
+        <p:spPr>
+          <a:xfrm>
+            <a:off x="2690752" y="1844831"/>
+            <a:ext cx="6870761" cy="4450449"/>
+          </a:xfrm>
+        </p:spPr>
+        <p:txBody>
+          <a:bodyPr/>
+          <a:lstStyle/>
+          <a:p>
+            <a:pPr marL="714375" indent="-714375"/>
+            <a:r>
+              <a:rPr lang="en-US" altLang="ko-KR" sz="2400" dirty="0"/>
+              <a:t>Introduction</a:t>
+            </a:r>
+          </a:p>
+          <a:p>
+            <a:pPr marL="714375" indent="-714375"/>
+            <a:r>
+              <a:rPr lang="en-US" altLang="ko-KR" sz="2400" dirty="0"/>
+              <a:t>Algorithms</a:t>
+            </a:r>
+          </a:p>
+          <a:p>
+            <a:pPr marL="714375" indent="-714375"/>
+            <a:r>
+              <a:rPr lang="en-US" altLang="ko-KR" sz="2400" dirty="0">
+                <a:latin typeface="+mn-ea"/>
+              </a:rPr>
+              <a:t>CNN (Convolutional Neural Networks)</a:t>
+            </a:r>
+          </a:p>
+          <a:p>
+            <a:pPr marL="714375" indent="-714375"/>
+            <a:r>
+              <a:rPr lang="en-US" altLang="ko-KR" sz="2400" dirty="0">
+                <a:latin typeface="+mn-ea"/>
+              </a:rPr>
+              <a:t>LSTM (Long Short Term Memory Network)</a:t>
+            </a:r>
+          </a:p>
+          <a:p>
+            <a:pPr marL="714375" indent="-714375"/>
+            <a:r>
+              <a:rPr lang="en-US" altLang="ko-KR" sz="2400">
+                <a:latin typeface="+mn-ea"/>
+              </a:rPr>
+              <a:t>RNN (Recurrent Neural Networks)</a:t>
+            </a:r>
+            <a:endParaRPr lang="en-US" altLang="ko-KR" sz="2400" dirty="0">
+              <a:latin typeface="+mn-ea"/>
+            </a:endParaRPr>
+          </a:p>
+          <a:p>
+            <a:pPr marL="714375" indent="-714375"/>
+            <a:r>
+              <a:rPr lang="en-US" altLang="ko-KR" sz="2400" dirty="0">
+                <a:latin typeface="+mn-ea"/>
+              </a:rPr>
+              <a:t>GAN (Generative Adversarial Networks)</a:t>
+            </a:r>
+          </a:p>
+          <a:p>
+            <a:pPr marL="714375" indent="-714375"/>
+            <a:r>
+              <a:rPr lang="en-US" altLang="ko-KR" sz="2400" dirty="0">
+                <a:latin typeface="+mn-ea"/>
+              </a:rPr>
+              <a:t>RBFN (Radial Basis Function Network)</a:t>
+            </a:r>
+          </a:p>
+          <a:p>
+            <a:pPr marL="714375" indent="-714375"/>
+            <a:r>
+              <a:rPr lang="en-US" altLang="ko-KR" sz="2400" dirty="0">
+                <a:latin typeface="+mn-ea"/>
+              </a:rPr>
+              <a:t>MLP (Multilayer Perceptron)</a:t>
+            </a:r>
+          </a:p>
+          <a:p>
+            <a:pPr marL="714375" indent="-714375"/>
+            <a:r>
+              <a:rPr lang="en-US" altLang="ko-KR" sz="2400" dirty="0">
+                <a:latin typeface="+mn-ea"/>
+              </a:rPr>
+              <a:t>SOM (Self Organizing Map)</a:t>
+            </a:r>
+          </a:p>
+          <a:p>
+            <a:pPr marL="714375" indent="-714375"/>
+            <a:endParaRPr lang="en-US" altLang="ko-KR" sz="2400" dirty="0"/>
+          </a:p>
+        </p:txBody>
+      </p:sp>
+      <p:sp>
+        <p:nvSpPr>
+          <p:cNvPr id="3" name="제목 2"/>
+          <p:cNvSpPr>
+            <a:spLocks noGrp="1"/>
+          </p:cNvSpPr>
+          <p:nvPr>
+            <p:ph type="title"/>
+          </p:nvPr>
+        </p:nvSpPr>
+        <p:spPr/>
+        <p:txBody>
+          <a:bodyPr/>
+          <a:lstStyle/>
+          <a:p>
+            <a:r>
+              <a:rPr lang="ko-KR" altLang="en-US"/>
+              <a:t>목      차</a:t>
+            </a:r>
+          </a:p>
+        </p:txBody>
+      </p:sp>
+    </p:spTree>
+    <p:extLst>
+      <p:ext uri="{BB962C8B-B14F-4D97-AF65-F5344CB8AC3E}">
+        <p14:creationId xmlns:p14="http://schemas.microsoft.com/office/powerpoint/2010/main" val="1228193391"/>
+      </p:ext>
+    </p:extLst>
+  </p:cSld>
+  <p:clrMapOvr>
+    <a:masterClrMapping/>
+  </p:clrMapOvr>
+</p:sld>
+</file>
+
+<file path=ppt/slides/slide30.xml><?xml version="1.0" encoding="utf-8"?>
 <p:sld xmlns:a="http://schemas.openxmlformats.org/drawingml/2006/main" xmlns:r="http://schemas.openxmlformats.org/officeDocument/2006/relationships" xmlns:p="http://schemas.openxmlformats.org/presentationml/2006/main">
   <p:cSld>
     <p:spTree>
@@ -20497,164 +22876,7 @@
 </p:sld>
 </file>
 
-<file path=ppt/slides/slide3.xml><?xml version="1.0" encoding="utf-8"?>
-<p:sld xmlns:a="http://schemas.openxmlformats.org/drawingml/2006/main" xmlns:r="http://schemas.openxmlformats.org/officeDocument/2006/relationships" xmlns:p="http://schemas.openxmlformats.org/presentationml/2006/main">
-  <p:cSld>
-    <p:spTree>
-      <p:nvGrpSpPr>
-        <p:cNvPr id="1" name=""/>
-        <p:cNvGrpSpPr/>
-        <p:nvPr/>
-      </p:nvGrpSpPr>
-      <p:grpSpPr>
-        <a:xfrm>
-          <a:off x="0" y="0"/>
-          <a:ext cx="0" cy="0"/>
-          <a:chOff x="0" y="0"/>
-          <a:chExt cx="0" cy="0"/>
-        </a:xfrm>
-      </p:grpSpPr>
-      <p:sp>
-        <p:nvSpPr>
-          <p:cNvPr id="2" name="내용 개체 틀 1"/>
-          <p:cNvSpPr>
-            <a:spLocks noGrp="1"/>
-          </p:cNvSpPr>
-          <p:nvPr>
-            <p:ph idx="1"/>
-          </p:nvPr>
-        </p:nvSpPr>
-        <p:spPr>
-          <a:xfrm>
-            <a:off x="2690752" y="1844831"/>
-            <a:ext cx="6870761" cy="4450449"/>
-          </a:xfrm>
-        </p:spPr>
-        <p:txBody>
-          <a:bodyPr/>
-          <a:lstStyle/>
-          <a:p>
-            <a:pPr marL="714375" indent="-714375"/>
-            <a:r>
-              <a:rPr lang="en-US" altLang="ko-KR" sz="2400" dirty="0"/>
-              <a:t>Introduction</a:t>
-            </a:r>
-          </a:p>
-          <a:p>
-            <a:pPr marL="714375" indent="-714375"/>
-            <a:r>
-              <a:rPr lang="en-US" altLang="ko-KR" sz="2400" dirty="0"/>
-              <a:t>Algorithms</a:t>
-            </a:r>
-          </a:p>
-          <a:p>
-            <a:pPr marL="714375" indent="-714375"/>
-            <a:r>
-              <a:rPr lang="en-US" altLang="ko-KR" sz="2400" dirty="0">
-                <a:latin typeface="+mn-ea"/>
-              </a:rPr>
-              <a:t>CNN (Convolutional Neural Networks)</a:t>
-            </a:r>
-          </a:p>
-          <a:p>
-            <a:pPr marL="714375" indent="-714375"/>
-            <a:r>
-              <a:rPr lang="en-US" altLang="ko-KR" sz="2400" dirty="0">
-                <a:latin typeface="+mn-ea"/>
-              </a:rPr>
-              <a:t>LSTM (Long Short Term Memory Network)</a:t>
-            </a:r>
-          </a:p>
-          <a:p>
-            <a:pPr marL="714375" indent="-714375"/>
-            <a:r>
-              <a:rPr lang="en-US" altLang="ko-KR" sz="2400">
-                <a:latin typeface="+mn-ea"/>
-              </a:rPr>
-              <a:t>RNN (Recurrent Neural Networks)</a:t>
-            </a:r>
-            <a:endParaRPr lang="en-US" altLang="ko-KR" sz="2400" dirty="0">
-              <a:latin typeface="+mn-ea"/>
-            </a:endParaRPr>
-          </a:p>
-          <a:p>
-            <a:pPr marL="714375" indent="-714375"/>
-            <a:r>
-              <a:rPr lang="en-US" altLang="ko-KR" sz="2400" dirty="0">
-                <a:latin typeface="+mn-ea"/>
-              </a:rPr>
-              <a:t>GAN (Generative Adversarial Networks)</a:t>
-            </a:r>
-          </a:p>
-          <a:p>
-            <a:pPr marL="714375" indent="-714375"/>
-            <a:r>
-              <a:rPr lang="en-US" altLang="ko-KR" sz="2400" dirty="0">
-                <a:latin typeface="+mn-ea"/>
-              </a:rPr>
-              <a:t>RBFN (Radial Basis Function Network)</a:t>
-            </a:r>
-          </a:p>
-          <a:p>
-            <a:pPr marL="714375" indent="-714375"/>
-            <a:r>
-              <a:rPr lang="en-US" altLang="ko-KR" sz="2400" dirty="0">
-                <a:latin typeface="+mn-ea"/>
-              </a:rPr>
-              <a:t>MLP (Multilayer Perceptron)</a:t>
-            </a:r>
-          </a:p>
-          <a:p>
-            <a:pPr marL="714375" indent="-714375"/>
-            <a:r>
-              <a:rPr lang="en-US" altLang="ko-KR" sz="2400" dirty="0">
-                <a:latin typeface="+mn-ea"/>
-              </a:rPr>
-              <a:t>SOM (Self Organizing Map)</a:t>
-            </a:r>
-          </a:p>
-          <a:p>
-            <a:pPr marL="714375" indent="-714375"/>
-            <a:endParaRPr lang="en-US" altLang="ko-KR" sz="2400" dirty="0"/>
-          </a:p>
-        </p:txBody>
-      </p:sp>
-      <p:sp>
-        <p:nvSpPr>
-          <p:cNvPr id="3" name="제목 2"/>
-          <p:cNvSpPr>
-            <a:spLocks noGrp="1"/>
-          </p:cNvSpPr>
-          <p:nvPr>
-            <p:ph type="title"/>
-          </p:nvPr>
-        </p:nvSpPr>
-        <p:spPr/>
-        <p:txBody>
-          <a:bodyPr/>
-          <a:lstStyle/>
-          <a:p>
-            <a:r>
-              <a:rPr lang="ko-KR" altLang="en-US"/>
-              <a:t>목      차</a:t>
-            </a:r>
-          </a:p>
-        </p:txBody>
-      </p:sp>
-    </p:spTree>
-    <p:extLst>
-      <p:ext uri="{BB962C8B-B14F-4D97-AF65-F5344CB8AC3E}">
-        <p14:creationId xmlns:p14="http://schemas.microsoft.com/office/powerpoint/2010/main" val="1228193391"/>
-      </p:ext>
-    </p:extLst>
-  </p:cSld>
-  <p:clrMapOvr>
-    <a:masterClrMapping/>
-  </p:clrMapOvr>
-</p:sld>
-</file>
-
-<file path=ppt/slides/slide30.xml><?xml version="1.0" encoding="utf-8"?>
+<file path=ppt/slides/slide31.xml><?xml version="1.0" encoding="utf-8"?>
 <p:sld xmlns:a="http://schemas.openxmlformats.org/drawingml/2006/main" xmlns:r="http://schemas.openxmlformats.org/officeDocument/2006/relationships" xmlns:p="http://schemas.openxmlformats.org/presentationml/2006/main">
   <p:cSld>
     <p:spTree>
@@ -21240,7 +23462,7 @@
 </p:sld>
 </file>
 
-<file path=ppt/slides/slide31.xml><?xml version="1.0" encoding="utf-8"?>
+<file path=ppt/slides/slide32.xml><?xml version="1.0" encoding="utf-8"?>
 <p:sld xmlns:a="http://schemas.openxmlformats.org/drawingml/2006/main" xmlns:r="http://schemas.openxmlformats.org/officeDocument/2006/relationships" xmlns:p="http://schemas.openxmlformats.org/presentationml/2006/main">
   <p:cSld>
     <p:spTree>
@@ -21748,7 +23970,7 @@
 </p:sld>
 </file>
 
-<file path=ppt/slides/slide32.xml><?xml version="1.0" encoding="utf-8"?>
+<file path=ppt/slides/slide33.xml><?xml version="1.0" encoding="utf-8"?>
 <p:sld xmlns:a="http://schemas.openxmlformats.org/drawingml/2006/main" xmlns:r="http://schemas.openxmlformats.org/officeDocument/2006/relationships" xmlns:p="http://schemas.openxmlformats.org/presentationml/2006/main">
   <p:cSld>
     <p:spTree>
@@ -22346,7 +24568,7 @@
 </p:sld>
 </file>
 
-<file path=ppt/slides/slide33.xml><?xml version="1.0" encoding="utf-8"?>
+<file path=ppt/slides/slide34.xml><?xml version="1.0" encoding="utf-8"?>
 <p:sld xmlns:a="http://schemas.openxmlformats.org/drawingml/2006/main" xmlns:r="http://schemas.openxmlformats.org/officeDocument/2006/relationships" xmlns:p="http://schemas.openxmlformats.org/presentationml/2006/main">
   <p:cSld>
     <p:spTree>
@@ -22447,7 +24669,7 @@
 </p:sld>
 </file>
 
-<file path=ppt/slides/slide34.xml><?xml version="1.0" encoding="utf-8"?>
+<file path=ppt/slides/slide35.xml><?xml version="1.0" encoding="utf-8"?>
 <p:sld xmlns:a="http://schemas.openxmlformats.org/drawingml/2006/main" xmlns:r="http://schemas.openxmlformats.org/officeDocument/2006/relationships" xmlns:p="http://schemas.openxmlformats.org/presentationml/2006/main">
   <p:cSld>
     <p:spTree>
@@ -22781,7 +25003,7 @@
 </p:sld>
 </file>
 
-<file path=ppt/slides/slide35.xml><?xml version="1.0" encoding="utf-8"?>
+<file path=ppt/slides/slide36.xml><?xml version="1.0" encoding="utf-8"?>
 <p:sld xmlns:a="http://schemas.openxmlformats.org/drawingml/2006/main" xmlns:r="http://schemas.openxmlformats.org/officeDocument/2006/relationships" xmlns:p="http://schemas.openxmlformats.org/presentationml/2006/main">
   <p:cSld>
     <p:spTree>
@@ -22901,7 +25123,7 @@
 </p:sld>
 </file>
 
-<file path=ppt/slides/slide36.xml><?xml version="1.0" encoding="utf-8"?>
+<file path=ppt/slides/slide37.xml><?xml version="1.0" encoding="utf-8"?>
 <p:sld xmlns:a="http://schemas.openxmlformats.org/drawingml/2006/main" xmlns:r="http://schemas.openxmlformats.org/officeDocument/2006/relationships" xmlns:p="http://schemas.openxmlformats.org/presentationml/2006/main">
   <p:cSld>
     <p:spTree>
@@ -23494,7 +25716,7 @@
 </p:sld>
 </file>
 
-<file path=ppt/slides/slide37.xml><?xml version="1.0" encoding="utf-8"?>
+<file path=ppt/slides/slide38.xml><?xml version="1.0" encoding="utf-8"?>
 <p:sld xmlns:a="http://schemas.openxmlformats.org/drawingml/2006/main" xmlns:r="http://schemas.openxmlformats.org/officeDocument/2006/relationships" xmlns:p="http://schemas.openxmlformats.org/presentationml/2006/main">
   <p:cSld>
     <p:spTree>
@@ -23578,7 +25800,7 @@
 </p:sld>
 </file>
 
-<file path=ppt/slides/slide38.xml><?xml version="1.0" encoding="utf-8"?>
+<file path=ppt/slides/slide39.xml><?xml version="1.0" encoding="utf-8"?>
 <p:sld xmlns:a="http://schemas.openxmlformats.org/drawingml/2006/main" xmlns:r="http://schemas.openxmlformats.org/officeDocument/2006/relationships" xmlns:p="http://schemas.openxmlformats.org/presentationml/2006/main">
   <p:cSld>
     <p:spTree>
@@ -24701,94 +26923,62 @@
           </a:p>
         </p:txBody>
       </p:sp>
+      <p:sp>
+        <p:nvSpPr>
+          <p:cNvPr id="11" name="사각형: 둥근 모서리 10">
+            <a:extLst>
+              <a:ext uri="{FF2B5EF4-FFF2-40B4-BE49-F238E27FC236}">
+                <a16:creationId xmlns:a16="http://schemas.microsoft.com/office/drawing/2014/main" id="{FD74D5C5-63CA-DF58-4312-4D082FB644A9}"/>
+              </a:ext>
+            </a:extLst>
+          </p:cNvPr>
+          <p:cNvSpPr/>
+          <p:nvPr/>
+        </p:nvSpPr>
+        <p:spPr>
+          <a:xfrm>
+            <a:off x="601815" y="5085184"/>
+            <a:ext cx="1902913" cy="1440160"/>
+          </a:xfrm>
+          <a:prstGeom prst="roundRect">
+            <a:avLst/>
+          </a:prstGeom>
+          <a:noFill/>
+          <a:ln w="19050">
+            <a:solidFill>
+              <a:schemeClr val="accent1"/>
+            </a:solidFill>
+          </a:ln>
+        </p:spPr>
+        <p:style>
+          <a:lnRef idx="2">
+            <a:schemeClr val="accent1">
+              <a:shade val="15000"/>
+            </a:schemeClr>
+          </a:lnRef>
+          <a:fillRef idx="1">
+            <a:schemeClr val="accent1"/>
+          </a:fillRef>
+          <a:effectRef idx="0">
+            <a:schemeClr val="accent1"/>
+          </a:effectRef>
+          <a:fontRef idx="minor">
+            <a:schemeClr val="lt1"/>
+          </a:fontRef>
+        </p:style>
+        <p:txBody>
+          <a:bodyPr rtlCol="0" anchor="ctr"/>
+          <a:lstStyle/>
+          <a:p>
+            <a:pPr algn="ctr"/>
+            <a:endParaRPr lang="ko-KR" altLang="en-US"/>
+          </a:p>
+        </p:txBody>
+      </p:sp>
     </p:spTree>
     <p:extLst>
       <p:ext uri="{BB962C8B-B14F-4D97-AF65-F5344CB8AC3E}">
         <p14:creationId xmlns:p14="http://schemas.microsoft.com/office/powerpoint/2010/main" val="3454690338"/>
-      </p:ext>
-    </p:extLst>
-  </p:cSld>
-  <p:clrMapOvr>
-    <a:masterClrMapping/>
-  </p:clrMapOvr>
-</p:sld>
-</file>
-
-<file path=ppt/slides/slide39.xml><?xml version="1.0" encoding="utf-8"?>
-<p:sld xmlns:a="http://schemas.openxmlformats.org/drawingml/2006/main" xmlns:r="http://schemas.openxmlformats.org/officeDocument/2006/relationships" xmlns:p="http://schemas.openxmlformats.org/presentationml/2006/main">
-  <p:cSld>
-    <p:spTree>
-      <p:nvGrpSpPr>
-        <p:cNvPr id="1" name=""/>
-        <p:cNvGrpSpPr/>
-        <p:nvPr/>
-      </p:nvGrpSpPr>
-      <p:grpSpPr>
-        <a:xfrm>
-          <a:off x="0" y="0"/>
-          <a:ext cx="0" cy="0"/>
-          <a:chOff x="0" y="0"/>
-          <a:chExt cx="0" cy="0"/>
-        </a:xfrm>
-      </p:grpSpPr>
-      <p:sp>
-        <p:nvSpPr>
-          <p:cNvPr id="5" name="내용 개체 틀 4"/>
-          <p:cNvSpPr>
-            <a:spLocks noGrp="1"/>
-          </p:cNvSpPr>
-          <p:nvPr>
-            <p:ph idx="1"/>
-          </p:nvPr>
-        </p:nvSpPr>
-        <p:spPr>
-          <a:xfrm>
-            <a:off x="3704861" y="2708927"/>
-            <a:ext cx="5856652" cy="430887"/>
-          </a:xfrm>
-        </p:spPr>
-        <p:txBody>
-          <a:bodyPr/>
-          <a:lstStyle/>
-          <a:p>
-            <a:endParaRPr lang="ko-KR" altLang="en-US" dirty="0"/>
-          </a:p>
-        </p:txBody>
-      </p:sp>
-      <p:sp>
-        <p:nvSpPr>
-          <p:cNvPr id="4" name="제목 3"/>
-          <p:cNvSpPr>
-            <a:spLocks noGrp="1"/>
-          </p:cNvSpPr>
-          <p:nvPr>
-            <p:ph type="title"/>
-          </p:nvPr>
-        </p:nvSpPr>
-        <p:spPr>
-          <a:xfrm>
-            <a:off x="2222699" y="1957097"/>
-            <a:ext cx="7338814" cy="584775"/>
-          </a:xfrm>
-        </p:spPr>
-        <p:txBody>
-          <a:bodyPr/>
-          <a:lstStyle/>
-          <a:p>
-            <a:r>
-              <a:rPr lang="en-US" altLang="ko-KR" sz="3200" dirty="0">
-                <a:latin typeface="+mn-ea"/>
-              </a:rPr>
-              <a:t>RBFN (Radial Basis Function Network)</a:t>
-            </a:r>
-            <a:endParaRPr lang="ko-KR" altLang="en-US" dirty="0"/>
-          </a:p>
-        </p:txBody>
-      </p:sp>
-    </p:spTree>
-    <p:extLst>
-      <p:ext uri="{BB962C8B-B14F-4D97-AF65-F5344CB8AC3E}">
-        <p14:creationId xmlns:p14="http://schemas.microsoft.com/office/powerpoint/2010/main" val="1613587283"/>
       </p:ext>
     </p:extLst>
   </p:cSld>
@@ -25066,7 +27256,7 @@
               <a:rPr lang="en-US" altLang="ko-KR" sz="3200" dirty="0">
                 <a:latin typeface="+mn-ea"/>
               </a:rPr>
-              <a:t>MLP (Multilayer Perceptron)</a:t>
+              <a:t>RBFN (Radial Basis Function Network)</a:t>
             </a:r>
             <a:endParaRPr lang="ko-KR" altLang="en-US" dirty="0"/>
           </a:p>
@@ -25075,7 +27265,7 @@
     </p:spTree>
     <p:extLst>
       <p:ext uri="{BB962C8B-B14F-4D97-AF65-F5344CB8AC3E}">
-        <p14:creationId xmlns:p14="http://schemas.microsoft.com/office/powerpoint/2010/main" val="1188255445"/>
+        <p14:creationId xmlns:p14="http://schemas.microsoft.com/office/powerpoint/2010/main" val="1613587283"/>
       </p:ext>
     </p:extLst>
   </p:cSld>
@@ -25147,10 +27337,10 @@
           <a:lstStyle/>
           <a:p>
             <a:r>
-              <a:rPr lang="en-US" altLang="ko-KR" dirty="0">
-                <a:latin typeface="+mn-ea"/>
-              </a:rPr>
-              <a:t>SOM (Self Organizing Map)</a:t>
+              <a:rPr lang="en-US" altLang="ko-KR" sz="3200" dirty="0">
+                <a:latin typeface="+mn-ea"/>
+              </a:rPr>
+              <a:t>MLP (Multilayer Perceptron)</a:t>
             </a:r>
             <a:endParaRPr lang="ko-KR" altLang="en-US" dirty="0"/>
           </a:p>
@@ -25159,7 +27349,7 @@
     </p:spTree>
     <p:extLst>
       <p:ext uri="{BB962C8B-B14F-4D97-AF65-F5344CB8AC3E}">
-        <p14:creationId xmlns:p14="http://schemas.microsoft.com/office/powerpoint/2010/main" val="1615515316"/>
+        <p14:creationId xmlns:p14="http://schemas.microsoft.com/office/powerpoint/2010/main" val="1188255445"/>
       </p:ext>
     </p:extLst>
   </p:cSld>
@@ -25231,10 +27421,10 @@
           <a:lstStyle/>
           <a:p>
             <a:r>
-              <a:rPr lang="en-US" altLang="ko-KR" sz="3200" dirty="0">
-                <a:latin typeface="+mn-ea"/>
-              </a:rPr>
-              <a:t>DBN (Deep Belief Network)</a:t>
+              <a:rPr lang="en-US" altLang="ko-KR" dirty="0">
+                <a:latin typeface="+mn-ea"/>
+              </a:rPr>
+              <a:t>SOM (Self Organizing Map)</a:t>
             </a:r>
             <a:endParaRPr lang="ko-KR" altLang="en-US" dirty="0"/>
           </a:p>
@@ -25243,7 +27433,7 @@
     </p:spTree>
     <p:extLst>
       <p:ext uri="{BB962C8B-B14F-4D97-AF65-F5344CB8AC3E}">
-        <p14:creationId xmlns:p14="http://schemas.microsoft.com/office/powerpoint/2010/main" val="3928758035"/>
+        <p14:creationId xmlns:p14="http://schemas.microsoft.com/office/powerpoint/2010/main" val="1615515316"/>
       </p:ext>
     </p:extLst>
   </p:cSld>
@@ -25318,7 +27508,7 @@
               <a:rPr lang="en-US" altLang="ko-KR" sz="3200" dirty="0">
                 <a:latin typeface="+mn-ea"/>
               </a:rPr>
-              <a:t>RBM (Restricted Boltzmann Machine)</a:t>
+              <a:t>DBN (Deep Belief Network)</a:t>
             </a:r>
             <a:endParaRPr lang="ko-KR" altLang="en-US" dirty="0"/>
           </a:p>
@@ -25327,7 +27517,7 @@
     </p:spTree>
     <p:extLst>
       <p:ext uri="{BB962C8B-B14F-4D97-AF65-F5344CB8AC3E}">
-        <p14:creationId xmlns:p14="http://schemas.microsoft.com/office/powerpoint/2010/main" val="2551872019"/>
+        <p14:creationId xmlns:p14="http://schemas.microsoft.com/office/powerpoint/2010/main" val="3928758035"/>
       </p:ext>
     </p:extLst>
   </p:cSld>
@@ -25402,6 +27592,90 @@
               <a:rPr lang="en-US" altLang="ko-KR" sz="3200" dirty="0">
                 <a:latin typeface="+mn-ea"/>
               </a:rPr>
+              <a:t>RBM (Restricted Boltzmann Machine)</a:t>
+            </a:r>
+            <a:endParaRPr lang="ko-KR" altLang="en-US" dirty="0"/>
+          </a:p>
+        </p:txBody>
+      </p:sp>
+    </p:spTree>
+    <p:extLst>
+      <p:ext uri="{BB962C8B-B14F-4D97-AF65-F5344CB8AC3E}">
+        <p14:creationId xmlns:p14="http://schemas.microsoft.com/office/powerpoint/2010/main" val="2551872019"/>
+      </p:ext>
+    </p:extLst>
+  </p:cSld>
+  <p:clrMapOvr>
+    <a:masterClrMapping/>
+  </p:clrMapOvr>
+</p:sld>
+</file>
+
+<file path=ppt/slides/slide45.xml><?xml version="1.0" encoding="utf-8"?>
+<p:sld xmlns:a="http://schemas.openxmlformats.org/drawingml/2006/main" xmlns:r="http://schemas.openxmlformats.org/officeDocument/2006/relationships" xmlns:p="http://schemas.openxmlformats.org/presentationml/2006/main">
+  <p:cSld>
+    <p:spTree>
+      <p:nvGrpSpPr>
+        <p:cNvPr id="1" name=""/>
+        <p:cNvGrpSpPr/>
+        <p:nvPr/>
+      </p:nvGrpSpPr>
+      <p:grpSpPr>
+        <a:xfrm>
+          <a:off x="0" y="0"/>
+          <a:ext cx="0" cy="0"/>
+          <a:chOff x="0" y="0"/>
+          <a:chExt cx="0" cy="0"/>
+        </a:xfrm>
+      </p:grpSpPr>
+      <p:sp>
+        <p:nvSpPr>
+          <p:cNvPr id="5" name="내용 개체 틀 4"/>
+          <p:cNvSpPr>
+            <a:spLocks noGrp="1"/>
+          </p:cNvSpPr>
+          <p:nvPr>
+            <p:ph idx="1"/>
+          </p:nvPr>
+        </p:nvSpPr>
+        <p:spPr>
+          <a:xfrm>
+            <a:off x="3704861" y="2708927"/>
+            <a:ext cx="5856652" cy="430887"/>
+          </a:xfrm>
+        </p:spPr>
+        <p:txBody>
+          <a:bodyPr/>
+          <a:lstStyle/>
+          <a:p>
+            <a:endParaRPr lang="ko-KR" altLang="en-US" dirty="0"/>
+          </a:p>
+        </p:txBody>
+      </p:sp>
+      <p:sp>
+        <p:nvSpPr>
+          <p:cNvPr id="4" name="제목 3"/>
+          <p:cNvSpPr>
+            <a:spLocks noGrp="1"/>
+          </p:cNvSpPr>
+          <p:nvPr>
+            <p:ph type="title"/>
+          </p:nvPr>
+        </p:nvSpPr>
+        <p:spPr>
+          <a:xfrm>
+            <a:off x="2222699" y="1957097"/>
+            <a:ext cx="7338814" cy="584775"/>
+          </a:xfrm>
+        </p:spPr>
+        <p:txBody>
+          <a:bodyPr/>
+          <a:lstStyle/>
+          <a:p>
+            <a:r>
+              <a:rPr lang="en-US" altLang="ko-KR" sz="3200" dirty="0">
+                <a:latin typeface="+mn-ea"/>
+              </a:rPr>
               <a:t>AutoEncoder</a:t>
             </a:r>
             <a:endParaRPr lang="ko-KR" altLang="en-US" dirty="0"/>
@@ -25421,7 +27695,7 @@
 </p:sld>
 </file>
 
-<file path=ppt/slides/slide45.xml><?xml version="1.0" encoding="utf-8"?>
+<file path=ppt/slides/slide46.xml><?xml version="1.0" encoding="utf-8"?>
 <p:sld xmlns:a="http://schemas.openxmlformats.org/drawingml/2006/main" xmlns:r="http://schemas.openxmlformats.org/officeDocument/2006/relationships" xmlns:p="http://schemas.openxmlformats.org/presentationml/2006/main">
   <p:cSld>
     <p:spTree>
@@ -26519,6 +28793,58 @@
           </a:p>
         </p:txBody>
       </p:sp>
+      <p:sp>
+        <p:nvSpPr>
+          <p:cNvPr id="11" name="사각형: 둥근 모서리 10">
+            <a:extLst>
+              <a:ext uri="{FF2B5EF4-FFF2-40B4-BE49-F238E27FC236}">
+                <a16:creationId xmlns:a16="http://schemas.microsoft.com/office/drawing/2014/main" id="{0C598DDB-71F1-1AC4-FC57-BCC42367C60B}"/>
+              </a:ext>
+            </a:extLst>
+          </p:cNvPr>
+          <p:cNvSpPr/>
+          <p:nvPr/>
+        </p:nvSpPr>
+        <p:spPr>
+          <a:xfrm>
+            <a:off x="601815" y="5085184"/>
+            <a:ext cx="1902913" cy="1584176"/>
+          </a:xfrm>
+          <a:prstGeom prst="roundRect">
+            <a:avLst/>
+          </a:prstGeom>
+          <a:noFill/>
+          <a:ln w="19050">
+            <a:solidFill>
+              <a:schemeClr val="accent1"/>
+            </a:solidFill>
+          </a:ln>
+        </p:spPr>
+        <p:style>
+          <a:lnRef idx="2">
+            <a:schemeClr val="accent1">
+              <a:shade val="15000"/>
+            </a:schemeClr>
+          </a:lnRef>
+          <a:fillRef idx="1">
+            <a:schemeClr val="accent1"/>
+          </a:fillRef>
+          <a:effectRef idx="0">
+            <a:schemeClr val="accent1"/>
+          </a:effectRef>
+          <a:fontRef idx="minor">
+            <a:schemeClr val="lt1"/>
+          </a:fontRef>
+        </p:style>
+        <p:txBody>
+          <a:bodyPr rtlCol="0" anchor="ctr"/>
+          <a:lstStyle/>
+          <a:p>
+            <a:pPr algn="ctr"/>
+            <a:endParaRPr lang="ko-KR" altLang="en-US"/>
+          </a:p>
+        </p:txBody>
+      </p:sp>
     </p:spTree>
     <p:extLst>
       <p:ext uri="{BB962C8B-B14F-4D97-AF65-F5344CB8AC3E}">
@@ -26532,7 +28858,7 @@
 </p:sld>
 </file>
 
-<file path=ppt/slides/slide46.xml><?xml version="1.0" encoding="utf-8"?>
+<file path=ppt/slides/slide47.xml><?xml version="1.0" encoding="utf-8"?>
 <p:sld xmlns:a="http://schemas.openxmlformats.org/drawingml/2006/main" xmlns:r="http://schemas.openxmlformats.org/officeDocument/2006/relationships" xmlns:p="http://schemas.openxmlformats.org/presentationml/2006/main">
   <p:cSld>
     <p:spTree>
@@ -26616,7 +28942,7 @@
 </p:sld>
 </file>
 
-<file path=ppt/slides/slide47.xml><?xml version="1.0" encoding="utf-8"?>
+<file path=ppt/slides/slide48.xml><?xml version="1.0" encoding="utf-8"?>
 <p:sld xmlns:a="http://schemas.openxmlformats.org/drawingml/2006/main" xmlns:r="http://schemas.openxmlformats.org/officeDocument/2006/relationships" xmlns:p="http://schemas.openxmlformats.org/presentationml/2006/main">
   <p:cSld>
     <p:spTree>
@@ -27283,7 +29609,7 @@
 </p:sld>
 </file>
 
-<file path=ppt/slides/slide48.xml><?xml version="1.0" encoding="utf-8"?>
+<file path=ppt/slides/slide49.xml><?xml version="1.0" encoding="utf-8"?>
 <p:sld xmlns:a="http://schemas.openxmlformats.org/drawingml/2006/main" xmlns:r="http://schemas.openxmlformats.org/officeDocument/2006/relationships" xmlns:p="http://schemas.openxmlformats.org/presentationml/2006/main">
   <p:cSld>
     <p:spTree>
@@ -27367,7 +29693,89 @@
 </p:sld>
 </file>
 
-<file path=ppt/slides/slide49.xml><?xml version="1.0" encoding="utf-8"?>
+<file path=ppt/slides/slide5.xml><?xml version="1.0" encoding="utf-8"?>
+<p:sld xmlns:a="http://schemas.openxmlformats.org/drawingml/2006/main" xmlns:r="http://schemas.openxmlformats.org/officeDocument/2006/relationships" xmlns:p="http://schemas.openxmlformats.org/presentationml/2006/main">
+  <p:cSld>
+    <p:spTree>
+      <p:nvGrpSpPr>
+        <p:cNvPr id="1" name=""/>
+        <p:cNvGrpSpPr/>
+        <p:nvPr/>
+      </p:nvGrpSpPr>
+      <p:grpSpPr>
+        <a:xfrm>
+          <a:off x="0" y="0"/>
+          <a:ext cx="0" cy="0"/>
+          <a:chOff x="0" y="0"/>
+          <a:chExt cx="0" cy="0"/>
+        </a:xfrm>
+      </p:grpSpPr>
+      <p:sp>
+        <p:nvSpPr>
+          <p:cNvPr id="5" name="내용 개체 틀 4"/>
+          <p:cNvSpPr>
+            <a:spLocks noGrp="1"/>
+          </p:cNvSpPr>
+          <p:nvPr>
+            <p:ph idx="1"/>
+          </p:nvPr>
+        </p:nvSpPr>
+        <p:spPr>
+          <a:xfrm>
+            <a:off x="3704861" y="2708927"/>
+            <a:ext cx="5856652" cy="430887"/>
+          </a:xfrm>
+        </p:spPr>
+        <p:txBody>
+          <a:bodyPr/>
+          <a:lstStyle/>
+          <a:p>
+            <a:endParaRPr lang="ko-KR" altLang="en-US"/>
+          </a:p>
+        </p:txBody>
+      </p:sp>
+      <p:sp>
+        <p:nvSpPr>
+          <p:cNvPr id="4" name="제목 3"/>
+          <p:cNvSpPr>
+            <a:spLocks noGrp="1"/>
+          </p:cNvSpPr>
+          <p:nvPr>
+            <p:ph type="title"/>
+          </p:nvPr>
+        </p:nvSpPr>
+        <p:spPr>
+          <a:xfrm>
+            <a:off x="2222699" y="1957097"/>
+            <a:ext cx="7338814" cy="584775"/>
+          </a:xfrm>
+        </p:spPr>
+        <p:txBody>
+          <a:bodyPr/>
+          <a:lstStyle/>
+          <a:p>
+            <a:r>
+              <a:rPr lang="en-US" altLang="ko-KR" dirty="0"/>
+              <a:t>Introduction</a:t>
+            </a:r>
+            <a:endParaRPr lang="ko-KR" altLang="en-US" dirty="0"/>
+          </a:p>
+        </p:txBody>
+      </p:sp>
+    </p:spTree>
+    <p:extLst>
+      <p:ext uri="{BB962C8B-B14F-4D97-AF65-F5344CB8AC3E}">
+        <p14:creationId xmlns:p14="http://schemas.microsoft.com/office/powerpoint/2010/main" val="116734986"/>
+      </p:ext>
+    </p:extLst>
+  </p:cSld>
+  <p:clrMapOvr>
+    <a:masterClrMapping/>
+  </p:clrMapOvr>
+</p:sld>
+</file>
+
+<file path=ppt/slides/slide50.xml><?xml version="1.0" encoding="utf-8"?>
 <p:sld xmlns:a="http://schemas.openxmlformats.org/drawingml/2006/main" xmlns:r="http://schemas.openxmlformats.org/officeDocument/2006/relationships" xmlns:p="http://schemas.openxmlformats.org/presentationml/2006/main">
   <p:cSld>
     <p:spTree>
@@ -27857,7 +30265,7 @@
 </p:sld>
 </file>
 
-<file path=ppt/slides/slide5.xml><?xml version="1.0" encoding="utf-8"?>
+<file path=ppt/slides/slide51.xml><?xml version="1.0" encoding="utf-8"?>
 <p:sld xmlns:a="http://schemas.openxmlformats.org/drawingml/2006/main" xmlns:r="http://schemas.openxmlformats.org/officeDocument/2006/relationships" xmlns:p="http://schemas.openxmlformats.org/presentationml/2006/main">
   <p:cSld>
     <p:spTree>
@@ -27894,88 +30302,6 @@
           <a:bodyPr/>
           <a:lstStyle/>
           <a:p>
-            <a:endParaRPr lang="ko-KR" altLang="en-US"/>
-          </a:p>
-        </p:txBody>
-      </p:sp>
-      <p:sp>
-        <p:nvSpPr>
-          <p:cNvPr id="4" name="제목 3"/>
-          <p:cNvSpPr>
-            <a:spLocks noGrp="1"/>
-          </p:cNvSpPr>
-          <p:nvPr>
-            <p:ph type="title"/>
-          </p:nvPr>
-        </p:nvSpPr>
-        <p:spPr>
-          <a:xfrm>
-            <a:off x="2222699" y="1957097"/>
-            <a:ext cx="7338814" cy="584775"/>
-          </a:xfrm>
-        </p:spPr>
-        <p:txBody>
-          <a:bodyPr/>
-          <a:lstStyle/>
-          <a:p>
-            <a:r>
-              <a:rPr lang="en-US" altLang="ko-KR" dirty="0"/>
-              <a:t>Introduction</a:t>
-            </a:r>
-            <a:endParaRPr lang="ko-KR" altLang="en-US" dirty="0"/>
-          </a:p>
-        </p:txBody>
-      </p:sp>
-    </p:spTree>
-    <p:extLst>
-      <p:ext uri="{BB962C8B-B14F-4D97-AF65-F5344CB8AC3E}">
-        <p14:creationId xmlns:p14="http://schemas.microsoft.com/office/powerpoint/2010/main" val="116734986"/>
-      </p:ext>
-    </p:extLst>
-  </p:cSld>
-  <p:clrMapOvr>
-    <a:masterClrMapping/>
-  </p:clrMapOvr>
-</p:sld>
-</file>
-
-<file path=ppt/slides/slide50.xml><?xml version="1.0" encoding="utf-8"?>
-<p:sld xmlns:a="http://schemas.openxmlformats.org/drawingml/2006/main" xmlns:r="http://schemas.openxmlformats.org/officeDocument/2006/relationships" xmlns:p="http://schemas.openxmlformats.org/presentationml/2006/main">
-  <p:cSld>
-    <p:spTree>
-      <p:nvGrpSpPr>
-        <p:cNvPr id="1" name=""/>
-        <p:cNvGrpSpPr/>
-        <p:nvPr/>
-      </p:nvGrpSpPr>
-      <p:grpSpPr>
-        <a:xfrm>
-          <a:off x="0" y="0"/>
-          <a:ext cx="0" cy="0"/>
-          <a:chOff x="0" y="0"/>
-          <a:chExt cx="0" cy="0"/>
-        </a:xfrm>
-      </p:grpSpPr>
-      <p:sp>
-        <p:nvSpPr>
-          <p:cNvPr id="5" name="내용 개체 틀 4"/>
-          <p:cNvSpPr>
-            <a:spLocks noGrp="1"/>
-          </p:cNvSpPr>
-          <p:nvPr>
-            <p:ph idx="1"/>
-          </p:nvPr>
-        </p:nvSpPr>
-        <p:spPr>
-          <a:xfrm>
-            <a:off x="3704861" y="2708927"/>
-            <a:ext cx="5856652" cy="430887"/>
-          </a:xfrm>
-        </p:spPr>
-        <p:txBody>
-          <a:bodyPr/>
-          <a:lstStyle/>
-          <a:p>
             <a:endParaRPr lang="ko-KR" altLang="en-US" dirty="0"/>
           </a:p>
         </p:txBody>
@@ -28023,7 +30349,7 @@
 </p:sld>
 </file>
 
-<file path=ppt/slides/slide51.xml><?xml version="1.0" encoding="utf-8"?>
+<file path=ppt/slides/slide52.xml><?xml version="1.0" encoding="utf-8"?>
 <p:sld xmlns:a="http://schemas.openxmlformats.org/drawingml/2006/main" xmlns:r="http://schemas.openxmlformats.org/officeDocument/2006/relationships" xmlns:p="http://schemas.openxmlformats.org/presentationml/2006/main">
   <p:cSld>
     <p:spTree>
@@ -28523,7 +30849,7 @@
 </p:sld>
 </file>
 
-<file path=ppt/slides/slide52.xml><?xml version="1.0" encoding="utf-8"?>
+<file path=ppt/slides/slide53.xml><?xml version="1.0" encoding="utf-8"?>
 <p:sld xmlns:a="http://schemas.openxmlformats.org/drawingml/2006/main" xmlns:r="http://schemas.openxmlformats.org/officeDocument/2006/relationships" xmlns:p="http://schemas.openxmlformats.org/presentationml/2006/main">
   <p:cSld>
     <p:spTree>
@@ -29330,7 +31656,7 @@
 </p:sld>
 </file>
 
-<file path=ppt/slides/slide53.xml><?xml version="1.0" encoding="utf-8"?>
+<file path=ppt/slides/slide54.xml><?xml version="1.0" encoding="utf-8"?>
 <p:sld xmlns:a="http://schemas.openxmlformats.org/drawingml/2006/main" xmlns:r="http://schemas.openxmlformats.org/officeDocument/2006/relationships" xmlns:p="http://schemas.openxmlformats.org/presentationml/2006/main">
   <p:cSld>
     <p:spTree>
@@ -29414,7 +31740,7 @@
 </p:sld>
 </file>
 
-<file path=ppt/slides/slide54.xml><?xml version="1.0" encoding="utf-8"?>
+<file path=ppt/slides/slide55.xml><?xml version="1.0" encoding="utf-8"?>
 <p:sld xmlns:a="http://schemas.openxmlformats.org/drawingml/2006/main" xmlns:r="http://schemas.openxmlformats.org/officeDocument/2006/relationships" xmlns:p="http://schemas.openxmlformats.org/presentationml/2006/main">
   <p:cSld>
     <p:spTree>
@@ -29987,7 +32313,7 @@
 </p:sld>
 </file>
 
-<file path=ppt/slides/slide55.xml><?xml version="1.0" encoding="utf-8"?>
+<file path=ppt/slides/slide56.xml><?xml version="1.0" encoding="utf-8"?>
 <p:sld xmlns:a="http://schemas.openxmlformats.org/drawingml/2006/main" xmlns:r="http://schemas.openxmlformats.org/officeDocument/2006/relationships" xmlns:p="http://schemas.openxmlformats.org/presentationml/2006/main">
   <p:cSld>
     <p:spTree>
@@ -30077,7 +32403,7 @@
 </p:sld>
 </file>
 
-<file path=ppt/slides/slide56.xml><?xml version="1.0" encoding="utf-8"?>
+<file path=ppt/slides/slide57.xml><?xml version="1.0" encoding="utf-8"?>
 <p:sld xmlns:a="http://schemas.openxmlformats.org/drawingml/2006/main" xmlns:r="http://schemas.openxmlformats.org/officeDocument/2006/relationships" xmlns:p="http://schemas.openxmlformats.org/presentationml/2006/main">
   <p:cSld>
     <p:spTree>
@@ -30817,7 +33143,7 @@
 </p:sld>
 </file>
 
-<file path=ppt/slides/slide57.xml><?xml version="1.0" encoding="utf-8"?>
+<file path=ppt/slides/slide58.xml><?xml version="1.0" encoding="utf-8"?>
 <p:sld xmlns:a="http://schemas.openxmlformats.org/drawingml/2006/main" xmlns:r="http://schemas.openxmlformats.org/officeDocument/2006/relationships" xmlns:p="http://schemas.openxmlformats.org/presentationml/2006/main">
   <p:cSld>
     <p:spTree>
@@ -30917,7 +33243,7 @@
 </p:sld>
 </file>
 
-<file path=ppt/slides/slide58.xml><?xml version="1.0" encoding="utf-8"?>
+<file path=ppt/slides/slide59.xml><?xml version="1.0" encoding="utf-8"?>
 <p:sld xmlns:a="http://schemas.openxmlformats.org/drawingml/2006/main" xmlns:r="http://schemas.openxmlformats.org/officeDocument/2006/relationships" xmlns:p="http://schemas.openxmlformats.org/presentationml/2006/main">
   <p:cSld>
     <p:spTree>
@@ -31754,7 +34080,7 @@
 </p:sld>
 </file>
 
-<file path=ppt/slides/slide59.xml><?xml version="1.0" encoding="utf-8"?>
+<file path=ppt/slides/slide6.xml><?xml version="1.0" encoding="utf-8"?>
 <p:sld xmlns:a="http://schemas.openxmlformats.org/drawingml/2006/main" xmlns:r="http://schemas.openxmlformats.org/officeDocument/2006/relationships" xmlns:p="http://schemas.openxmlformats.org/presentationml/2006/main">
   <p:cSld>
     <p:spTree>
@@ -31793,16 +34119,8 @@
           <a:lstStyle/>
           <a:p>
             <a:r>
-              <a:rPr lang="en-US" altLang="ko-KR" sz="2400">
-                <a:latin typeface="+mn-ea"/>
-              </a:rPr>
-              <a:t>Deep Learning </a:t>
-            </a:r>
-            <a:r>
-              <a:rPr lang="ko-KR" altLang="en-US" sz="2400">
-                <a:latin typeface="+mn-ea"/>
-              </a:rPr>
-              <a:t>활용</a:t>
+              <a:rPr lang="en-US" altLang="ko-KR" sz="2400" dirty="0"/>
+              <a:t>Neural Networks</a:t>
             </a:r>
             <a:endParaRPr lang="ko-KR" altLang="en-US" sz="2400" dirty="0"/>
           </a:p>
@@ -31835,7 +34153,7 @@
               <a:rPr lang="en-US" altLang="ko-KR" sz="1600">
                 <a:latin typeface="+mn-ea"/>
               </a:rPr>
-              <a:t>Stock</a:t>
+              <a:t>load_data</a:t>
             </a:r>
             <a:endParaRPr lang="en-US" altLang="ko-KR" sz="1600" dirty="0">
               <a:latin typeface="+mn-ea"/>
@@ -31860,7 +34178,7 @@
         <p:spPr>
           <a:xfrm>
             <a:off x="344488" y="1412776"/>
-            <a:ext cx="6624637" cy="338554"/>
+            <a:ext cx="6624637" cy="3520964"/>
           </a:xfrm>
           <a:prstGeom prst="rect">
             <a:avLst/>
@@ -32009,12 +34327,165 @@
           </a:lstStyle>
           <a:p>
             <a:r>
-              <a:rPr lang="en-US" altLang="ko-KR" sz="1600">
-                <a:latin typeface="+mn-ea"/>
-              </a:rPr>
-              <a:t>ppp</a:t>
-            </a:r>
-            <a:endParaRPr lang="en-US" altLang="ko-KR" sz="1600" dirty="0">
+              <a:rPr lang="ko-KR" altLang="en-US" sz="1400">
+                <a:latin typeface="+mn-ea"/>
+              </a:rPr>
+              <a:t>데이터 가공</a:t>
+            </a:r>
+            <a:endParaRPr lang="en-US" altLang="ko-KR" sz="1400">
+              <a:latin typeface="+mn-ea"/>
+            </a:endParaRPr>
+          </a:p>
+          <a:p>
+            <a:pPr lvl="1"/>
+            <a:r>
+              <a:rPr lang="en-US" altLang="ko-KR" sz="1200">
+                <a:latin typeface="+mn-ea"/>
+              </a:rPr>
+              <a:t>Nomalization</a:t>
+            </a:r>
+          </a:p>
+          <a:p>
+            <a:pPr lvl="1"/>
+            <a:r>
+              <a:rPr lang="en-US" altLang="ko-KR" sz="1200">
+                <a:latin typeface="+mn-ea"/>
+              </a:rPr>
+              <a:t>Layer</a:t>
+            </a:r>
+            <a:r>
+              <a:rPr lang="ko-KR" altLang="en-US" sz="1200">
+                <a:latin typeface="+mn-ea"/>
+              </a:rPr>
+              <a:t>에서 데이터 가공과 다른 점은 </a:t>
+            </a:r>
+            <a:r>
+              <a:rPr lang="en-US" altLang="ko-KR" sz="1200">
+                <a:latin typeface="+mn-ea"/>
+              </a:rPr>
+              <a:t>“</a:t>
+            </a:r>
+            <a:r>
+              <a:rPr lang="ko-KR" altLang="en-US" sz="1200" b="1" u="sng">
+                <a:solidFill>
+                  <a:srgbClr val="0070C0"/>
+                </a:solidFill>
+                <a:latin typeface="+mn-ea"/>
+              </a:rPr>
+              <a:t>한번만 실행된다</a:t>
+            </a:r>
+            <a:r>
+              <a:rPr lang="en-US" altLang="ko-KR" sz="1200">
+                <a:latin typeface="+mn-ea"/>
+              </a:rPr>
+              <a:t>”</a:t>
+            </a:r>
+            <a:r>
+              <a:rPr lang="ko-KR" altLang="en-US" sz="1200">
+                <a:latin typeface="+mn-ea"/>
+              </a:rPr>
+              <a:t>는 것 이다</a:t>
+            </a:r>
+            <a:r>
+              <a:rPr lang="en-US" altLang="ko-KR" sz="1200">
+                <a:latin typeface="+mn-ea"/>
+              </a:rPr>
+              <a:t>.</a:t>
+            </a:r>
+          </a:p>
+          <a:p>
+            <a:endParaRPr lang="en-US" altLang="ko-KR" sz="1400">
+              <a:latin typeface="+mn-ea"/>
+            </a:endParaRPr>
+          </a:p>
+          <a:p>
+            <a:endParaRPr lang="en-US" altLang="ko-KR" sz="1400">
+              <a:latin typeface="+mn-ea"/>
+            </a:endParaRPr>
+          </a:p>
+          <a:p>
+            <a:r>
+              <a:rPr lang="ko-KR" altLang="en-US" sz="1400">
+                <a:latin typeface="+mn-ea"/>
+              </a:rPr>
+              <a:t>훈련 데이터 </a:t>
+            </a:r>
+            <a:r>
+              <a:rPr lang="en-US" altLang="ko-KR" sz="1400">
+                <a:latin typeface="+mn-ea"/>
+              </a:rPr>
+              <a:t>		: train</a:t>
+            </a:r>
+          </a:p>
+          <a:p>
+            <a:pPr lvl="1"/>
+            <a:r>
+              <a:rPr lang="ko-KR" altLang="en-US" sz="1200">
+                <a:latin typeface="+mn-ea"/>
+              </a:rPr>
+              <a:t>훈련용</a:t>
+            </a:r>
+            <a:r>
+              <a:rPr lang="en-US" altLang="ko-KR" sz="1200">
+                <a:latin typeface="+mn-ea"/>
+              </a:rPr>
+              <a:t>		: train		: 80%</a:t>
+            </a:r>
+          </a:p>
+          <a:p>
+            <a:pPr lvl="1"/>
+            <a:r>
+              <a:rPr lang="ko-KR" altLang="en-US" sz="1200">
+                <a:latin typeface="+mn-ea"/>
+              </a:rPr>
+              <a:t>검증용</a:t>
+            </a:r>
+            <a:r>
+              <a:rPr lang="en-US" altLang="ko-KR" sz="1200">
+                <a:latin typeface="+mn-ea"/>
+              </a:rPr>
+              <a:t>		: validation		: 20%</a:t>
+            </a:r>
+            <a:endParaRPr lang="en-US" altLang="ko-KR" sz="1400">
+              <a:latin typeface="+mn-ea"/>
+            </a:endParaRPr>
+          </a:p>
+          <a:p>
+            <a:endParaRPr lang="en-US" altLang="ko-KR" sz="1400">
+              <a:latin typeface="+mn-ea"/>
+            </a:endParaRPr>
+          </a:p>
+          <a:p>
+            <a:endParaRPr lang="en-US" altLang="ko-KR" sz="1400">
+              <a:latin typeface="+mn-ea"/>
+            </a:endParaRPr>
+          </a:p>
+          <a:p>
+            <a:r>
+              <a:rPr lang="ko-KR" altLang="en-US" sz="1400">
+                <a:latin typeface="+mn-ea"/>
+              </a:rPr>
+              <a:t>평가 데이터 </a:t>
+            </a:r>
+            <a:r>
+              <a:rPr lang="en-US" altLang="ko-KR" sz="1400">
+                <a:latin typeface="+mn-ea"/>
+              </a:rPr>
+              <a:t>: test</a:t>
+            </a:r>
+          </a:p>
+          <a:p>
+            <a:endParaRPr lang="en-US" altLang="ko-KR" sz="1400">
+              <a:latin typeface="+mn-ea"/>
+            </a:endParaRPr>
+          </a:p>
+          <a:p>
+            <a:endParaRPr lang="en-US" altLang="ko-KR" sz="1400">
+              <a:latin typeface="+mn-ea"/>
+            </a:endParaRPr>
+          </a:p>
+          <a:p>
+            <a:endParaRPr lang="en-US" altLang="ko-KR" sz="1400">
               <a:latin typeface="+mn-ea"/>
             </a:endParaRPr>
           </a:p>
@@ -32035,7 +34506,7 @@
         <p:spPr>
           <a:xfrm>
             <a:off x="6969125" y="1412776"/>
-            <a:ext cx="2592388" cy="307777"/>
+            <a:ext cx="2592388" cy="1384995"/>
           </a:xfrm>
           <a:prstGeom prst="rect">
             <a:avLst/>
@@ -32053,23 +34524,89 @@
               <a:buChar char="§"/>
             </a:pPr>
             <a:r>
-              <a:rPr lang="en-US" altLang="ko-KR" sz="1400">
-                <a:latin typeface="+mn-ea"/>
-              </a:rPr>
-              <a:t>ppp</a:t>
-            </a:r>
-            <a:endParaRPr lang="ko-KR" altLang="en-US" sz="1400">
+              <a:rPr lang="en-US" altLang="ko-KR" sz="1200">
+                <a:latin typeface="+mn-ea"/>
+              </a:rPr>
+              <a:t>ephochs</a:t>
+            </a:r>
+          </a:p>
+          <a:p>
+            <a:pPr marL="357188" indent="-171450">
+              <a:buFont typeface="Wingdings" panose="05000000000000000000" pitchFamily="2" charset="2"/>
+              <a:buChar char="§"/>
+            </a:pPr>
+            <a:r>
+              <a:rPr lang="ko-KR" altLang="en-US" sz="1200">
+                <a:latin typeface="+mn-ea"/>
+              </a:rPr>
+              <a:t>훈련 집합 횟수</a:t>
+            </a:r>
+            <a:endParaRPr lang="en-US" altLang="ko-KR" sz="1200">
               <a:latin typeface="+mn-ea"/>
             </a:endParaRPr>
           </a:p>
+          <a:p>
+            <a:pPr marL="171450" indent="-171450">
+              <a:buFont typeface="Wingdings" panose="05000000000000000000" pitchFamily="2" charset="2"/>
+              <a:buChar char="§"/>
+            </a:pPr>
+            <a:endParaRPr lang="en-US" altLang="ko-KR" sz="1200">
+              <a:latin typeface="+mn-ea"/>
+            </a:endParaRPr>
+          </a:p>
+          <a:p>
+            <a:pPr marL="171450" indent="-171450">
+              <a:buFont typeface="Wingdings" panose="05000000000000000000" pitchFamily="2" charset="2"/>
+              <a:buChar char="§"/>
+            </a:pPr>
+            <a:r>
+              <a:rPr lang="en-US" altLang="ko-KR" sz="1200">
+                <a:latin typeface="+mn-ea"/>
+              </a:rPr>
+              <a:t>batch_size</a:t>
+            </a:r>
+          </a:p>
+          <a:p>
+            <a:pPr marL="357188" indent="-171450">
+              <a:buFont typeface="Wingdings" panose="05000000000000000000" pitchFamily="2" charset="2"/>
+              <a:buChar char="§"/>
+            </a:pPr>
+            <a:r>
+              <a:rPr lang="ko-KR" altLang="en-US" sz="1200">
+                <a:latin typeface="+mn-ea"/>
+              </a:rPr>
+              <a:t>훈련 집합당 훈련 횟수</a:t>
+            </a:r>
+            <a:endParaRPr lang="en-US" altLang="ko-KR" sz="1200">
+              <a:latin typeface="+mn-ea"/>
+            </a:endParaRPr>
+          </a:p>
+          <a:p>
+            <a:pPr marL="171450" indent="-171450">
+              <a:buFont typeface="Wingdings" panose="05000000000000000000" pitchFamily="2" charset="2"/>
+              <a:buChar char="§"/>
+            </a:pPr>
+            <a:endParaRPr lang="en-US" altLang="ko-KR" sz="1200">
+              <a:latin typeface="+mn-ea"/>
+            </a:endParaRPr>
+          </a:p>
+          <a:p>
+            <a:pPr marL="171450" indent="-171450">
+              <a:buFont typeface="Wingdings" panose="05000000000000000000" pitchFamily="2" charset="2"/>
+              <a:buChar char="§"/>
+            </a:pPr>
+            <a:endParaRPr lang="ko-KR" altLang="en-US" sz="1200">
+              <a:latin typeface="+mn-ea"/>
+            </a:endParaRPr>
+          </a:p>
         </p:txBody>
       </p:sp>
       <p:sp>
         <p:nvSpPr>
-          <p:cNvPr id="3" name="모서리가 둥근 직사각형 2">
+          <p:cNvPr id="7" name="모서리가 둥근 직사각형 6">
             <a:extLst>
               <a:ext uri="{FF2B5EF4-FFF2-40B4-BE49-F238E27FC236}">
-                <a16:creationId xmlns:a16="http://schemas.microsoft.com/office/drawing/2014/main" id="{EC14ADE0-A8C3-FA57-1950-24C55F05E405}"/>
+                <a16:creationId xmlns:a16="http://schemas.microsoft.com/office/drawing/2014/main" id="{6B293D30-5DE2-7BDB-FA2F-A445DE654E47}"/>
               </a:ext>
             </a:extLst>
           </p:cNvPr>
@@ -32127,7 +34664,7 @@
     </p:spTree>
     <p:extLst>
       <p:ext uri="{BB962C8B-B14F-4D97-AF65-F5344CB8AC3E}">
-        <p14:creationId xmlns:p14="http://schemas.microsoft.com/office/powerpoint/2010/main" val="2277100938"/>
+        <p14:creationId xmlns:p14="http://schemas.microsoft.com/office/powerpoint/2010/main" val="502630752"/>
       </p:ext>
     </p:extLst>
   </p:cSld>
@@ -32137,7 +34674,7 @@
 </p:sld>
 </file>
 
-<file path=ppt/slides/slide6.xml><?xml version="1.0" encoding="utf-8"?>
+<file path=ppt/slides/slide60.xml><?xml version="1.0" encoding="utf-8"?>
 <p:sld xmlns:a="http://schemas.openxmlformats.org/drawingml/2006/main" xmlns:r="http://schemas.openxmlformats.org/officeDocument/2006/relationships" xmlns:p="http://schemas.openxmlformats.org/presentationml/2006/main">
   <p:cSld>
     <p:spTree>
@@ -32176,8 +34713,16 @@
           <a:lstStyle/>
           <a:p>
             <a:r>
-              <a:rPr lang="en-US" altLang="ko-KR" sz="2400" dirty="0"/>
-              <a:t>Neural Networks</a:t>
+              <a:rPr lang="en-US" altLang="ko-KR" sz="2400">
+                <a:latin typeface="+mn-ea"/>
+              </a:rPr>
+              <a:t>Deep Learning </a:t>
+            </a:r>
+            <a:r>
+              <a:rPr lang="ko-KR" altLang="en-US" sz="2400">
+                <a:latin typeface="+mn-ea"/>
+              </a:rPr>
+              <a:t>활용</a:t>
             </a:r>
             <a:endParaRPr lang="ko-KR" altLang="en-US" sz="2400" dirty="0"/>
           </a:p>
@@ -32210,7 +34755,7 @@
               <a:rPr lang="en-US" altLang="ko-KR" sz="1600">
                 <a:latin typeface="+mn-ea"/>
               </a:rPr>
-              <a:t>load_data</a:t>
+              <a:t>Stock</a:t>
             </a:r>
             <a:endParaRPr lang="en-US" altLang="ko-KR" sz="1600" dirty="0">
               <a:latin typeface="+mn-ea"/>
@@ -32235,7 +34780,7 @@
         <p:spPr>
           <a:xfrm>
             <a:off x="344488" y="1412776"/>
-            <a:ext cx="6624637" cy="3520964"/>
+            <a:ext cx="6624637" cy="338554"/>
           </a:xfrm>
           <a:prstGeom prst="rect">
             <a:avLst/>
@@ -32384,165 +34929,12 @@
           </a:lstStyle>
           <a:p>
             <a:r>
-              <a:rPr lang="ko-KR" altLang="en-US" sz="1400">
-                <a:latin typeface="+mn-ea"/>
-              </a:rPr>
-              <a:t>데이터 가공</a:t>
-            </a:r>
-            <a:endParaRPr lang="en-US" altLang="ko-KR" sz="1400">
-              <a:latin typeface="+mn-ea"/>
-            </a:endParaRPr>
-          </a:p>
-          <a:p>
-            <a:pPr lvl="1"/>
-            <a:r>
-              <a:rPr lang="en-US" altLang="ko-KR" sz="1200">
-                <a:latin typeface="+mn-ea"/>
-              </a:rPr>
-              <a:t>Nomalization</a:t>
-            </a:r>
-          </a:p>
-          <a:p>
-            <a:pPr lvl="1"/>
-            <a:r>
-              <a:rPr lang="en-US" altLang="ko-KR" sz="1200">
-                <a:latin typeface="+mn-ea"/>
-              </a:rPr>
-              <a:t>Layer</a:t>
-            </a:r>
-            <a:r>
-              <a:rPr lang="ko-KR" altLang="en-US" sz="1200">
-                <a:latin typeface="+mn-ea"/>
-              </a:rPr>
-              <a:t>에서 데이터 가공과 다른 점은 </a:t>
-            </a:r>
-            <a:r>
-              <a:rPr lang="en-US" altLang="ko-KR" sz="1200">
-                <a:latin typeface="+mn-ea"/>
-              </a:rPr>
-              <a:t>“</a:t>
-            </a:r>
-            <a:r>
-              <a:rPr lang="ko-KR" altLang="en-US" sz="1200" b="1" u="sng">
-                <a:solidFill>
-                  <a:srgbClr val="0070C0"/>
-                </a:solidFill>
-                <a:latin typeface="+mn-ea"/>
-              </a:rPr>
-              <a:t>한번만 실행된다</a:t>
-            </a:r>
-            <a:r>
-              <a:rPr lang="en-US" altLang="ko-KR" sz="1200">
-                <a:latin typeface="+mn-ea"/>
-              </a:rPr>
-              <a:t>”</a:t>
-            </a:r>
-            <a:r>
-              <a:rPr lang="ko-KR" altLang="en-US" sz="1200">
-                <a:latin typeface="+mn-ea"/>
-              </a:rPr>
-              <a:t>는 것 이다</a:t>
-            </a:r>
-            <a:r>
-              <a:rPr lang="en-US" altLang="ko-KR" sz="1200">
-                <a:latin typeface="+mn-ea"/>
-              </a:rPr>
-              <a:t>.</a:t>
-            </a:r>
-          </a:p>
-          <a:p>
-            <a:endParaRPr lang="en-US" altLang="ko-KR" sz="1400">
-              <a:latin typeface="+mn-ea"/>
-            </a:endParaRPr>
-          </a:p>
-          <a:p>
-            <a:endParaRPr lang="en-US" altLang="ko-KR" sz="1400">
-              <a:latin typeface="+mn-ea"/>
-            </a:endParaRPr>
-          </a:p>
-          <a:p>
-            <a:r>
-              <a:rPr lang="ko-KR" altLang="en-US" sz="1400">
-                <a:latin typeface="+mn-ea"/>
-              </a:rPr>
-              <a:t>훈련 데이터 </a:t>
-            </a:r>
-            <a:r>
-              <a:rPr lang="en-US" altLang="ko-KR" sz="1400">
-                <a:latin typeface="+mn-ea"/>
-              </a:rPr>
-              <a:t>		: train</a:t>
-            </a:r>
-          </a:p>
-          <a:p>
-            <a:pPr lvl="1"/>
-            <a:r>
-              <a:rPr lang="ko-KR" altLang="en-US" sz="1200">
-                <a:latin typeface="+mn-ea"/>
-              </a:rPr>
-              <a:t>훈련용</a:t>
-            </a:r>
-            <a:r>
-              <a:rPr lang="en-US" altLang="ko-KR" sz="1200">
-                <a:latin typeface="+mn-ea"/>
-              </a:rPr>
-              <a:t>		: train		: 80%</a:t>
-            </a:r>
-          </a:p>
-          <a:p>
-            <a:pPr lvl="1"/>
-            <a:r>
-              <a:rPr lang="ko-KR" altLang="en-US" sz="1200">
-                <a:latin typeface="+mn-ea"/>
-              </a:rPr>
-              <a:t>검증용</a:t>
-            </a:r>
-            <a:r>
-              <a:rPr lang="en-US" altLang="ko-KR" sz="1200">
-                <a:latin typeface="+mn-ea"/>
-              </a:rPr>
-              <a:t>		: validation		: 20%</a:t>
-            </a:r>
-            <a:endParaRPr lang="en-US" altLang="ko-KR" sz="1400">
-              <a:latin typeface="+mn-ea"/>
-            </a:endParaRPr>
-          </a:p>
-          <a:p>
-            <a:endParaRPr lang="en-US" altLang="ko-KR" sz="1400">
-              <a:latin typeface="+mn-ea"/>
-            </a:endParaRPr>
-          </a:p>
-          <a:p>
-            <a:endParaRPr lang="en-US" altLang="ko-KR" sz="1400">
-              <a:latin typeface="+mn-ea"/>
-            </a:endParaRPr>
-          </a:p>
-          <a:p>
-            <a:r>
-              <a:rPr lang="ko-KR" altLang="en-US" sz="1400">
-                <a:latin typeface="+mn-ea"/>
-              </a:rPr>
-              <a:t>평가 데이터 </a:t>
-            </a:r>
-            <a:r>
-              <a:rPr lang="en-US" altLang="ko-KR" sz="1400">
-                <a:latin typeface="+mn-ea"/>
-              </a:rPr>
-              <a:t>: test</a:t>
-            </a:r>
-          </a:p>
-          <a:p>
-            <a:endParaRPr lang="en-US" altLang="ko-KR" sz="1400">
-              <a:latin typeface="+mn-ea"/>
-            </a:endParaRPr>
-          </a:p>
-          <a:p>
-            <a:endParaRPr lang="en-US" altLang="ko-KR" sz="1400">
-              <a:latin typeface="+mn-ea"/>
-            </a:endParaRPr>
-          </a:p>
-          <a:p>
-            <a:endParaRPr lang="en-US" altLang="ko-KR" sz="1400">
+              <a:rPr lang="en-US" altLang="ko-KR" sz="1600">
+                <a:latin typeface="+mn-ea"/>
+              </a:rPr>
+              <a:t>ppp</a:t>
+            </a:r>
+            <a:endParaRPr lang="en-US" altLang="ko-KR" sz="1600" dirty="0">
               <a:latin typeface="+mn-ea"/>
             </a:endParaRPr>
           </a:p>
@@ -32563,7 +34955,7 @@
         <p:spPr>
           <a:xfrm>
             <a:off x="6969125" y="1412776"/>
-            <a:ext cx="2592388" cy="1384995"/>
+            <a:ext cx="2592388" cy="307777"/>
           </a:xfrm>
           <a:prstGeom prst="rect">
             <a:avLst/>
@@ -32581,89 +34973,23 @@
               <a:buChar char="§"/>
             </a:pPr>
             <a:r>
-              <a:rPr lang="en-US" altLang="ko-KR" sz="1200">
-                <a:latin typeface="+mn-ea"/>
-              </a:rPr>
-              <a:t>ephochs</a:t>
-            </a:r>
-          </a:p>
-          <a:p>
-            <a:pPr marL="357188" indent="-171450">
-              <a:buFont typeface="Wingdings" panose="05000000000000000000" pitchFamily="2" charset="2"/>
-              <a:buChar char="§"/>
-            </a:pPr>
-            <a:r>
-              <a:rPr lang="ko-KR" altLang="en-US" sz="1200">
-                <a:latin typeface="+mn-ea"/>
-              </a:rPr>
-              <a:t>훈련 집합 횟수</a:t>
-            </a:r>
-            <a:endParaRPr lang="en-US" altLang="ko-KR" sz="1200">
+              <a:rPr lang="en-US" altLang="ko-KR" sz="1400">
+                <a:latin typeface="+mn-ea"/>
+              </a:rPr>
+              <a:t>ppp</a:t>
+            </a:r>
+            <a:endParaRPr lang="ko-KR" altLang="en-US" sz="1400">
               <a:latin typeface="+mn-ea"/>
             </a:endParaRPr>
           </a:p>
-          <a:p>
-            <a:pPr marL="171450" indent="-171450">
-              <a:buFont typeface="Wingdings" panose="05000000000000000000" pitchFamily="2" charset="2"/>
-              <a:buChar char="§"/>
-            </a:pPr>
-            <a:endParaRPr lang="en-US" altLang="ko-KR" sz="1200">
-              <a:latin typeface="+mn-ea"/>
-            </a:endParaRPr>
-          </a:p>
-          <a:p>
-            <a:pPr marL="171450" indent="-171450">
-              <a:buFont typeface="Wingdings" panose="05000000000000000000" pitchFamily="2" charset="2"/>
-              <a:buChar char="§"/>
-            </a:pPr>
-            <a:r>
-              <a:rPr lang="en-US" altLang="ko-KR" sz="1200">
-                <a:latin typeface="+mn-ea"/>
-              </a:rPr>
-              <a:t>batch_size</a:t>
-            </a:r>
-          </a:p>
-          <a:p>
-            <a:pPr marL="357188" indent="-171450">
-              <a:buFont typeface="Wingdings" panose="05000000000000000000" pitchFamily="2" charset="2"/>
-              <a:buChar char="§"/>
-            </a:pPr>
-            <a:r>
-              <a:rPr lang="ko-KR" altLang="en-US" sz="1200">
-                <a:latin typeface="+mn-ea"/>
-              </a:rPr>
-              <a:t>훈련 집합당 훈련 횟수</a:t>
-            </a:r>
-            <a:endParaRPr lang="en-US" altLang="ko-KR" sz="1200">
-              <a:latin typeface="+mn-ea"/>
-            </a:endParaRPr>
-          </a:p>
-          <a:p>
-            <a:pPr marL="171450" indent="-171450">
-              <a:buFont typeface="Wingdings" panose="05000000000000000000" pitchFamily="2" charset="2"/>
-              <a:buChar char="§"/>
-            </a:pPr>
-            <a:endParaRPr lang="en-US" altLang="ko-KR" sz="1200">
-              <a:latin typeface="+mn-ea"/>
-            </a:endParaRPr>
-          </a:p>
-          <a:p>
-            <a:pPr marL="171450" indent="-171450">
-              <a:buFont typeface="Wingdings" panose="05000000000000000000" pitchFamily="2" charset="2"/>
-              <a:buChar char="§"/>
-            </a:pPr>
-            <a:endParaRPr lang="ko-KR" altLang="en-US" sz="1200">
-              <a:latin typeface="+mn-ea"/>
-            </a:endParaRPr>
-          </a:p>
         </p:txBody>
       </p:sp>
       <p:sp>
         <p:nvSpPr>
-          <p:cNvPr id="7" name="모서리가 둥근 직사각형 6">
+          <p:cNvPr id="3" name="모서리가 둥근 직사각형 2">
             <a:extLst>
               <a:ext uri="{FF2B5EF4-FFF2-40B4-BE49-F238E27FC236}">
-                <a16:creationId xmlns:a16="http://schemas.microsoft.com/office/drawing/2014/main" id="{6B293D30-5DE2-7BDB-FA2F-A445DE654E47}"/>
+                <a16:creationId xmlns:a16="http://schemas.microsoft.com/office/drawing/2014/main" id="{EC14ADE0-A8C3-FA57-1950-24C55F05E405}"/>
               </a:ext>
             </a:extLst>
           </p:cNvPr>
@@ -32721,7 +35047,7 @@
     </p:spTree>
     <p:extLst>
       <p:ext uri="{BB962C8B-B14F-4D97-AF65-F5344CB8AC3E}">
-        <p14:creationId xmlns:p14="http://schemas.microsoft.com/office/powerpoint/2010/main" val="502630752"/>
+        <p14:creationId xmlns:p14="http://schemas.microsoft.com/office/powerpoint/2010/main" val="2277100938"/>
       </p:ext>
     </p:extLst>
   </p:cSld>
@@ -32731,7 +35057,7 @@
 </p:sld>
 </file>
 
-<file path=ppt/slides/slide60.xml><?xml version="1.0" encoding="utf-8"?>
+<file path=ppt/slides/slide61.xml><?xml version="1.0" encoding="utf-8"?>
 <p:sld xmlns:a="http://schemas.openxmlformats.org/drawingml/2006/main" xmlns:r="http://schemas.openxmlformats.org/officeDocument/2006/relationships" xmlns:p="http://schemas.openxmlformats.org/presentationml/2006/main">
   <p:cSld>
     <p:spTree>
@@ -36836,25 +39162,25 @@
               <a:rPr lang="en-US" altLang="ko-KR" sz="1400">
                 <a:latin typeface="+mn-ea"/>
               </a:rPr>
+              <a:t>ReLU ([0, x])	</a:t>
+            </a:r>
+          </a:p>
+          <a:p>
+            <a:pPr lvl="2"/>
+            <a:r>
+              <a:rPr lang="en-US" altLang="ko-KR" sz="1400">
+                <a:latin typeface="+mn-ea"/>
+              </a:rPr>
+              <a:t>Rectified Linear Unit</a:t>
+            </a:r>
+          </a:p>
+          <a:p>
+            <a:pPr lvl="1"/>
+            <a:r>
+              <a:rPr lang="en-US" altLang="ko-KR" sz="1400">
+                <a:latin typeface="+mn-ea"/>
+              </a:rPr>
               <a:t>TanH ([-1, 1])</a:t>
-            </a:r>
-          </a:p>
-          <a:p>
-            <a:pPr lvl="1"/>
-            <a:r>
-              <a:rPr lang="en-US" altLang="ko-KR" sz="1400">
-                <a:latin typeface="+mn-ea"/>
-              </a:rPr>
-              <a:t>ReLU ([0, x])	</a:t>
-            </a:r>
-          </a:p>
-          <a:p>
-            <a:pPr lvl="2"/>
-            <a:r>
-              <a:rPr lang="en-US" altLang="ko-KR" sz="1400">
-                <a:latin typeface="+mn-ea"/>
-              </a:rPr>
-              <a:t>Rectified Linear Unit</a:t>
             </a:r>
           </a:p>
           <a:p>
@@ -37463,7 +39789,7 @@
               <a:rPr lang="en-US" altLang="ko-KR" sz="1400">
                 <a:latin typeface="+mn-ea"/>
               </a:rPr>
-              <a:t>rmsprop</a:t>
+              <a:t>RMSProp</a:t>
             </a:r>
           </a:p>
           <a:p>

--- a/laboratory/pnuskgh/docs/Deep_Learning.pptx
+++ b/laboratory/pnuskgh/docs/Deep_Learning.pptx
@@ -288,7 +288,7 @@
           <a:p>
             <a:fld id="{E17425D8-D77A-47D9-A78B-1C162B9A78B3}" type="datetimeFigureOut">
               <a:rPr lang="ko-KR" altLang="en-US" smtClean="0"/>
-              <a:t>2023-07-28</a:t>
+              <a:t>2023. 8. 1.</a:t>
             </a:fld>
             <a:endParaRPr lang="ko-KR" altLang="en-US"/>
           </a:p>
@@ -5762,7 +5762,7 @@
                 <a:latin typeface="+mj-ea"/>
                 <a:ea typeface="+mj-ea"/>
               </a:rPr>
-              <a:t>~ 2023.07.28</a:t>
+              <a:t>~ 2023.08.01</a:t>
             </a:r>
             <a:endParaRPr lang="en-US" altLang="ko-KR" sz="2400" dirty="0">
               <a:latin typeface="+mj-ea"/>
@@ -11079,7 +11079,7 @@
         <p:spPr>
           <a:xfrm>
             <a:off x="344488" y="1412776"/>
-            <a:ext cx="9217025" cy="338554"/>
+            <a:ext cx="9217025" cy="634020"/>
           </a:xfrm>
           <a:prstGeom prst="rect">
             <a:avLst/>
@@ -11228,11 +11228,25 @@
           </a:lstStyle>
           <a:p>
             <a:r>
-              <a:rPr lang="en-US" altLang="ko-KR" sz="1600" dirty="0">
-                <a:latin typeface="+mn-ea"/>
-              </a:rPr>
-              <a:t>ppp</a:t>
-            </a:r>
+              <a:rPr lang="ko-KR" altLang="en-US" sz="1600" dirty="0">
+                <a:latin typeface="+mn-ea"/>
+              </a:rPr>
+              <a:t>이미지 처리</a:t>
+            </a:r>
+            <a:endParaRPr lang="en-US" altLang="ko-KR" sz="1600" dirty="0">
+              <a:latin typeface="+mn-ea"/>
+            </a:endParaRPr>
+          </a:p>
+          <a:p>
+            <a:r>
+              <a:rPr lang="ko-KR" altLang="en-US" sz="1600" dirty="0">
+                <a:latin typeface="+mn-ea"/>
+              </a:rPr>
+              <a:t>객체 탐지</a:t>
+            </a:r>
+            <a:endParaRPr lang="en-US" altLang="ko-KR" sz="1600" dirty="0">
+              <a:latin typeface="+mn-ea"/>
+            </a:endParaRPr>
           </a:p>
         </p:txBody>
       </p:sp>
@@ -11325,7 +11339,7 @@
         </p:blipFill>
         <p:spPr bwMode="auto">
           <a:xfrm>
-            <a:off x="704528" y="1844824"/>
+            <a:off x="704528" y="3542819"/>
             <a:ext cx="8985448" cy="2587636"/>
           </a:xfrm>
           <a:prstGeom prst="rect">
@@ -11357,7 +11371,7 @@
         </p:nvSpPr>
         <p:spPr>
           <a:xfrm>
-            <a:off x="704528" y="4509120"/>
+            <a:off x="704528" y="6207115"/>
             <a:ext cx="8820840" cy="246221"/>
           </a:xfrm>
           <a:prstGeom prst="rect">
@@ -11451,7 +11465,7 @@
           <p:nvPr>
             <p:extLst>
               <p:ext uri="{D42A27DB-BD31-4B8C-83A1-F6EECF244321}">
-                <p14:modId xmlns:p14="http://schemas.microsoft.com/office/powerpoint/2010/main" val="1630028737"/>
+                <p14:modId xmlns:p14="http://schemas.microsoft.com/office/powerpoint/2010/main" val="2653773536"/>
               </p:ext>
             </p:extLst>
           </p:nvPr>
@@ -11859,7 +11873,7 @@
                           <a:latin typeface="+mn-ea"/>
                           <a:ea typeface="+mn-ea"/>
                         </a:rPr>
-                        <a:t>2022.07.11</a:t>
+                        <a:t>2023.07.11</a:t>
                       </a:r>
                       <a:endParaRPr lang="en-US" altLang="ko-KR" sz="1200" dirty="0">
                         <a:solidFill>
@@ -12220,7 +12234,7 @@
                           <a:latin typeface="+mn-ea"/>
                           <a:ea typeface="+mn-ea"/>
                         </a:rPr>
-                        <a:t>2022.07.12</a:t>
+                        <a:t>2023.07.12</a:t>
                       </a:r>
                     </a:p>
                   </a:txBody>
@@ -12557,7 +12571,7 @@
                           <a:latin typeface="+mn-ea"/>
                           <a:ea typeface="+mn-ea"/>
                         </a:rPr>
-                        <a:t>2022.07.13</a:t>
+                        <a:t>2023.07.13</a:t>
                       </a:r>
                       <a:endParaRPr lang="en-US" altLang="ko-KR" sz="1200" dirty="0">
                         <a:solidFill>
@@ -12918,7 +12932,7 @@
                           <a:latin typeface="+mn-ea"/>
                           <a:ea typeface="+mn-ea"/>
                         </a:rPr>
-                        <a:t>2022.07.14</a:t>
+                        <a:t>2023.07.14</a:t>
                       </a:r>
                       <a:endParaRPr lang="en-US" altLang="ko-KR" sz="1200" dirty="0">
                         <a:solidFill>
@@ -13279,7 +13293,7 @@
                           <a:latin typeface="+mn-ea"/>
                           <a:ea typeface="+mn-ea"/>
                         </a:rPr>
-                        <a:t>2022.07.23</a:t>
+                        <a:t>2023.07.23</a:t>
                       </a:r>
                     </a:p>
                   </a:txBody>
@@ -13626,7 +13640,7 @@
                           <a:latin typeface="+mn-ea"/>
                           <a:ea typeface="+mn-ea"/>
                         </a:rPr>
-                        <a:t>2022.07.23</a:t>
+                        <a:t>2023.07.23</a:t>
                       </a:r>
                     </a:p>
                   </a:txBody>
@@ -13972,6 +13986,95 @@
                         <a:buFont typeface="Wingdings" panose="05000000000000000000" pitchFamily="2" charset="2"/>
                         <a:buNone/>
                       </a:pPr>
+                      <a:r>
+                        <a:rPr lang="en-US" altLang="ko-KR" sz="1200" dirty="0">
+                          <a:solidFill>
+                            <a:schemeClr val="tx1"/>
+                          </a:solidFill>
+                          <a:latin typeface="+mn-ea"/>
+                          <a:ea typeface="+mn-ea"/>
+                        </a:rPr>
+                        <a:t>2023.08.01</a:t>
+                      </a:r>
+                    </a:p>
+                  </a:txBody>
+                  <a:tcPr marL="99060" marR="99060" anchor="ctr">
+                    <a:lnL w="12700" cap="flat" cmpd="sng" algn="ctr">
+                      <a:solidFill>
+                        <a:sysClr val="window" lastClr="FFFFFF">
+                          <a:lumMod val="65000"/>
+                        </a:sysClr>
+                      </a:solidFill>
+                      <a:prstDash val="solid"/>
+                      <a:round/>
+                      <a:headEnd type="none" w="med" len="med"/>
+                      <a:tailEnd type="none" w="med" len="med"/>
+                    </a:lnL>
+                    <a:lnR w="12700" cap="flat" cmpd="sng" algn="ctr">
+                      <a:solidFill>
+                        <a:sysClr val="window" lastClr="FFFFFF">
+                          <a:lumMod val="65000"/>
+                        </a:sysClr>
+                      </a:solidFill>
+                      <a:prstDash val="solid"/>
+                      <a:round/>
+                      <a:headEnd type="none" w="med" len="med"/>
+                      <a:tailEnd type="none" w="med" len="med"/>
+                    </a:lnR>
+                    <a:lnT w="12700" cap="flat" cmpd="sng" algn="ctr">
+                      <a:solidFill>
+                        <a:sysClr val="window" lastClr="FFFFFF">
+                          <a:lumMod val="65000"/>
+                        </a:sysClr>
+                      </a:solidFill>
+                      <a:prstDash val="solid"/>
+                      <a:round/>
+                      <a:headEnd type="none" w="med" len="med"/>
+                      <a:tailEnd type="none" w="med" len="med"/>
+                    </a:lnT>
+                    <a:lnB w="12700" cap="flat" cmpd="sng" algn="ctr">
+                      <a:solidFill>
+                        <a:sysClr val="window" lastClr="FFFFFF">
+                          <a:lumMod val="65000"/>
+                        </a:sysClr>
+                      </a:solidFill>
+                      <a:prstDash val="solid"/>
+                      <a:round/>
+                      <a:headEnd type="none" w="med" len="med"/>
+                      <a:tailEnd type="none" w="med" len="med"/>
+                    </a:lnB>
+                    <a:lnTlToBr w="12700" cmpd="sng">
+                      <a:noFill/>
+                      <a:prstDash val="solid"/>
+                    </a:lnTlToBr>
+                    <a:lnBlToTr w="12700" cmpd="sng">
+                      <a:noFill/>
+                      <a:prstDash val="solid"/>
+                    </a:lnBlToTr>
+                    <a:solidFill>
+                      <a:sysClr val="window" lastClr="FFFFFF"/>
+                    </a:solidFill>
+                  </a:tcPr>
+                </a:tc>
+                <a:tc>
+                  <a:txBody>
+                    <a:bodyPr/>
+                    <a:lstStyle/>
+                    <a:p>
+                      <a:pPr marL="0" indent="0" algn="ctr" latinLnBrk="1">
+                        <a:buFont typeface="Wingdings" panose="05000000000000000000" pitchFamily="2" charset="2"/>
+                        <a:buNone/>
+                      </a:pPr>
+                      <a:r>
+                        <a:rPr lang="ko-KR" altLang="en-US" sz="1200" dirty="0">
+                          <a:solidFill>
+                            <a:schemeClr val="tx1"/>
+                          </a:solidFill>
+                          <a:latin typeface="+mn-ea"/>
+                          <a:ea typeface="+mn-ea"/>
+                        </a:rPr>
+                        <a:t>김계현</a:t>
+                      </a:r>
                       <a:endParaRPr lang="en-US" altLang="ko-KR" sz="1200" dirty="0">
                         <a:solidFill>
                           <a:schemeClr val="tx1"/>
@@ -14048,89 +14151,16 @@
                         <a:buFont typeface="Wingdings" panose="05000000000000000000" pitchFamily="2" charset="2"/>
                         <a:buNone/>
                       </a:pPr>
-                      <a:endParaRPr lang="en-US" altLang="ko-KR" sz="1200" dirty="0">
-                        <a:solidFill>
-                          <a:schemeClr val="tx1"/>
-                        </a:solidFill>
-                        <a:latin typeface="+mn-ea"/>
-                        <a:ea typeface="+mn-ea"/>
-                      </a:endParaRPr>
-                    </a:p>
-                  </a:txBody>
-                  <a:tcPr marL="99060" marR="99060" anchor="ctr">
-                    <a:lnL w="12700" cap="flat" cmpd="sng" algn="ctr">
-                      <a:solidFill>
-                        <a:sysClr val="window" lastClr="FFFFFF">
-                          <a:lumMod val="65000"/>
-                        </a:sysClr>
-                      </a:solidFill>
-                      <a:prstDash val="solid"/>
-                      <a:round/>
-                      <a:headEnd type="none" w="med" len="med"/>
-                      <a:tailEnd type="none" w="med" len="med"/>
-                    </a:lnL>
-                    <a:lnR w="12700" cap="flat" cmpd="sng" algn="ctr">
-                      <a:solidFill>
-                        <a:sysClr val="window" lastClr="FFFFFF">
-                          <a:lumMod val="65000"/>
-                        </a:sysClr>
-                      </a:solidFill>
-                      <a:prstDash val="solid"/>
-                      <a:round/>
-                      <a:headEnd type="none" w="med" len="med"/>
-                      <a:tailEnd type="none" w="med" len="med"/>
-                    </a:lnR>
-                    <a:lnT w="12700" cap="flat" cmpd="sng" algn="ctr">
-                      <a:solidFill>
-                        <a:sysClr val="window" lastClr="FFFFFF">
-                          <a:lumMod val="65000"/>
-                        </a:sysClr>
-                      </a:solidFill>
-                      <a:prstDash val="solid"/>
-                      <a:round/>
-                      <a:headEnd type="none" w="med" len="med"/>
-                      <a:tailEnd type="none" w="med" len="med"/>
-                    </a:lnT>
-                    <a:lnB w="12700" cap="flat" cmpd="sng" algn="ctr">
-                      <a:solidFill>
-                        <a:sysClr val="window" lastClr="FFFFFF">
-                          <a:lumMod val="65000"/>
-                        </a:sysClr>
-                      </a:solidFill>
-                      <a:prstDash val="solid"/>
-                      <a:round/>
-                      <a:headEnd type="none" w="med" len="med"/>
-                      <a:tailEnd type="none" w="med" len="med"/>
-                    </a:lnB>
-                    <a:lnTlToBr w="12700" cmpd="sng">
-                      <a:noFill/>
-                      <a:prstDash val="solid"/>
-                    </a:lnTlToBr>
-                    <a:lnBlToTr w="12700" cmpd="sng">
-                      <a:noFill/>
-                      <a:prstDash val="solid"/>
-                    </a:lnBlToTr>
-                    <a:solidFill>
-                      <a:sysClr val="window" lastClr="FFFFFF"/>
-                    </a:solidFill>
-                  </a:tcPr>
-                </a:tc>
-                <a:tc>
-                  <a:txBody>
-                    <a:bodyPr/>
-                    <a:lstStyle/>
-                    <a:p>
-                      <a:pPr marL="0" indent="0" algn="ctr" latinLnBrk="1">
-                        <a:buFont typeface="Wingdings" panose="05000000000000000000" pitchFamily="2" charset="2"/>
-                        <a:buNone/>
-                      </a:pPr>
-                      <a:endParaRPr lang="en-US" altLang="ko-KR" sz="1200" baseline="0" dirty="0">
-                        <a:solidFill>
-                          <a:schemeClr val="tx1"/>
-                        </a:solidFill>
-                        <a:latin typeface="+mn-ea"/>
-                        <a:ea typeface="+mn-ea"/>
-                      </a:endParaRPr>
+                      <a:r>
+                        <a:rPr lang="en-US" altLang="ko-KR" sz="1200" baseline="0" dirty="0">
+                          <a:solidFill>
+                            <a:schemeClr val="tx1"/>
+                          </a:solidFill>
+                          <a:latin typeface="+mn-ea"/>
+                          <a:ea typeface="+mn-ea"/>
+                        </a:rPr>
+                        <a:t>0.07</a:t>
+                      </a:r>
                     </a:p>
                   </a:txBody>
                   <a:tcPr marL="99060" marR="99060" anchor="ctr">
@@ -14200,6 +14230,26 @@
                         <a:buFont typeface="Wingdings" pitchFamily="2" charset="2"/>
                         <a:buChar char="§"/>
                       </a:pPr>
+                      <a:r>
+                        <a:rPr lang="en-US" altLang="ko-KR" sz="1200" baseline="0" dirty="0">
+                          <a:solidFill>
+                            <a:schemeClr val="tx1"/>
+                          </a:solidFill>
+                          <a:latin typeface="+mn-ea"/>
+                          <a:ea typeface="+mn-ea"/>
+                        </a:rPr>
+                        <a:t>Layer </a:t>
+                      </a:r>
+                      <a:r>
+                        <a:rPr lang="ko-KR" altLang="en-US" sz="1200" baseline="0" dirty="0">
+                          <a:solidFill>
+                            <a:schemeClr val="tx1"/>
+                          </a:solidFill>
+                          <a:latin typeface="+mn-ea"/>
+                          <a:ea typeface="+mn-ea"/>
+                        </a:rPr>
+                        <a:t>정리</a:t>
+                      </a:r>
                       <a:endParaRPr lang="en-US" altLang="ko-KR" sz="1200" baseline="0" dirty="0">
                         <a:solidFill>
                           <a:schemeClr val="tx1"/>
@@ -18117,7 +18167,7 @@
         <p:spPr>
           <a:xfrm>
             <a:off x="344488" y="1412776"/>
-            <a:ext cx="9217025" cy="338554"/>
+            <a:ext cx="9217025" cy="634020"/>
           </a:xfrm>
           <a:prstGeom prst="rect">
             <a:avLst/>
@@ -18266,11 +18316,37 @@
           </a:lstStyle>
           <a:p>
             <a:r>
+              <a:rPr lang="ko-KR" altLang="en-US" sz="1600" dirty="0">
+                <a:latin typeface="+mn-ea"/>
+              </a:rPr>
+              <a:t>시계열 예측</a:t>
+            </a:r>
+            <a:endParaRPr lang="en-US" altLang="ko-KR" sz="1600" dirty="0">
+              <a:latin typeface="+mn-ea"/>
+            </a:endParaRPr>
+          </a:p>
+          <a:p>
+            <a:r>
+              <a:rPr lang="ko-KR" altLang="en-US" sz="1600" dirty="0">
+                <a:latin typeface="+mn-ea"/>
+              </a:rPr>
+              <a:t>음악 작곡</a:t>
+            </a:r>
+            <a:r>
               <a:rPr lang="en-US" altLang="ko-KR" sz="1600" dirty="0">
                 <a:latin typeface="+mn-ea"/>
               </a:rPr>
-              <a:t>ppp</a:t>
-            </a:r>
+              <a:t>.</a:t>
+            </a:r>
+            <a:r>
+              <a:rPr lang="ko-KR" altLang="en-US" sz="1600" dirty="0">
+                <a:latin typeface="+mn-ea"/>
+              </a:rPr>
+              <a:t>  음성 인식</a:t>
+            </a:r>
+            <a:endParaRPr lang="en-US" altLang="ko-KR" sz="1600" dirty="0">
+              <a:latin typeface="+mn-ea"/>
+            </a:endParaRPr>
           </a:p>
         </p:txBody>
       </p:sp>
@@ -18363,7 +18439,7 @@
         </p:blipFill>
         <p:spPr bwMode="auto">
           <a:xfrm>
-            <a:off x="776536" y="1878917"/>
+            <a:off x="776536" y="3127976"/>
             <a:ext cx="7977336" cy="3100166"/>
           </a:xfrm>
           <a:prstGeom prst="rect">
@@ -18395,7 +18471,7 @@
         </p:nvSpPr>
         <p:spPr>
           <a:xfrm>
-            <a:off x="704528" y="4958056"/>
+            <a:off x="704528" y="6207115"/>
             <a:ext cx="8820840" cy="246221"/>
           </a:xfrm>
           <a:prstGeom prst="rect">
@@ -18535,7 +18611,7 @@
         <p:spPr>
           <a:xfrm>
             <a:off x="344488" y="1412776"/>
-            <a:ext cx="9217025" cy="338554"/>
+            <a:ext cx="9217025" cy="1520416"/>
           </a:xfrm>
           <a:prstGeom prst="rect">
             <a:avLst/>
@@ -18684,11 +18760,58 @@
           </a:lstStyle>
           <a:p>
             <a:r>
-              <a:rPr lang="en-US" altLang="ko-KR" sz="1600" dirty="0">
-                <a:latin typeface="+mn-ea"/>
-              </a:rPr>
-              <a:t>ppp</a:t>
-            </a:r>
+              <a:rPr lang="ko-KR" altLang="en-US" sz="1600" dirty="0">
+                <a:latin typeface="+mn-ea"/>
+              </a:rPr>
+              <a:t>시계열 분석</a:t>
+            </a:r>
+            <a:endParaRPr lang="en-US" altLang="ko-KR" sz="1600" dirty="0">
+              <a:latin typeface="+mn-ea"/>
+            </a:endParaRPr>
+          </a:p>
+          <a:p>
+            <a:r>
+              <a:rPr lang="ko-KR" altLang="en-US" sz="1600" dirty="0">
+                <a:latin typeface="+mn-ea"/>
+              </a:rPr>
+              <a:t>자연어 처리</a:t>
+            </a:r>
+            <a:endParaRPr lang="en-US" altLang="ko-KR" sz="1600" dirty="0">
+              <a:latin typeface="+mn-ea"/>
+            </a:endParaRPr>
+          </a:p>
+          <a:p>
+            <a:r>
+              <a:rPr lang="ko-KR" altLang="en-US" sz="1600" dirty="0">
+                <a:latin typeface="+mn-ea"/>
+              </a:rPr>
+              <a:t>필기 인식</a:t>
+            </a:r>
+            <a:endParaRPr lang="en-US" altLang="ko-KR" sz="1600" dirty="0">
+              <a:latin typeface="+mn-ea"/>
+            </a:endParaRPr>
+          </a:p>
+          <a:p>
+            <a:r>
+              <a:rPr lang="ko-KR" altLang="en-US" sz="1600" dirty="0">
+                <a:latin typeface="+mn-ea"/>
+              </a:rPr>
+              <a:t>기계 번역</a:t>
+            </a:r>
+            <a:endParaRPr lang="en-US" altLang="ko-KR" sz="1600" dirty="0">
+              <a:latin typeface="+mn-ea"/>
+            </a:endParaRPr>
+          </a:p>
+          <a:p>
+            <a:r>
+              <a:rPr lang="ko-KR" altLang="en-US" sz="1600" dirty="0">
+                <a:latin typeface="+mn-ea"/>
+              </a:rPr>
+              <a:t>이미지 캡션</a:t>
+            </a:r>
+            <a:endParaRPr lang="en-US" altLang="ko-KR" sz="1600" dirty="0">
+              <a:latin typeface="+mn-ea"/>
+            </a:endParaRPr>
           </a:p>
         </p:txBody>
       </p:sp>
@@ -18781,8 +18904,8 @@
         </p:blipFill>
         <p:spPr bwMode="auto">
           <a:xfrm>
-            <a:off x="1640632" y="1393277"/>
-            <a:ext cx="6910248" cy="3261638"/>
+            <a:off x="4664968" y="2006154"/>
+            <a:ext cx="4680520" cy="2209206"/>
           </a:xfrm>
           <a:prstGeom prst="rect">
             <a:avLst/>
@@ -19149,11 +19272,14 @@
           </a:lstStyle>
           <a:p>
             <a:r>
-              <a:rPr lang="en-US" altLang="ko-KR" sz="1600" dirty="0">
-                <a:latin typeface="+mn-ea"/>
-              </a:rPr>
-              <a:t>ppp</a:t>
-            </a:r>
+              <a:rPr lang="ko-KR" altLang="en-US" sz="1600" dirty="0">
+                <a:latin typeface="+mn-ea"/>
+              </a:rPr>
+              <a:t>이미지 생성</a:t>
+            </a:r>
+            <a:endParaRPr lang="en-US" altLang="ko-KR" sz="1600" dirty="0">
+              <a:latin typeface="+mn-ea"/>
+            </a:endParaRPr>
           </a:p>
         </p:txBody>
       </p:sp>
@@ -19246,7 +19372,7 @@
         </p:blipFill>
         <p:spPr bwMode="auto">
           <a:xfrm>
-            <a:off x="730712" y="1976394"/>
+            <a:off x="730712" y="3148846"/>
             <a:ext cx="8794656" cy="3130277"/>
           </a:xfrm>
           <a:prstGeom prst="rect">
@@ -19278,7 +19404,7 @@
         </p:nvSpPr>
         <p:spPr>
           <a:xfrm>
-            <a:off x="704528" y="5106671"/>
+            <a:off x="704528" y="6279123"/>
             <a:ext cx="8820840" cy="246221"/>
           </a:xfrm>
           <a:prstGeom prst="rect">
@@ -19567,11 +19693,38 @@
           </a:lstStyle>
           <a:p>
             <a:r>
+              <a:rPr lang="ko-KR" altLang="en-US" sz="1600" dirty="0">
+                <a:latin typeface="+mn-ea"/>
+              </a:rPr>
+              <a:t>분류</a:t>
+            </a:r>
+            <a:r>
               <a:rPr lang="en-US" altLang="ko-KR" sz="1600" dirty="0">
                 <a:latin typeface="+mn-ea"/>
               </a:rPr>
-              <a:t>ppp</a:t>
-            </a:r>
+              <a:t>,</a:t>
+            </a:r>
+            <a:r>
+              <a:rPr lang="ko-KR" altLang="en-US" sz="1600" dirty="0">
+                <a:latin typeface="+mn-ea"/>
+              </a:rPr>
+              <a:t> 회귀</a:t>
+            </a:r>
+            <a:r>
+              <a:rPr lang="en-US" altLang="ko-KR" sz="1600" dirty="0">
+                <a:latin typeface="+mn-ea"/>
+              </a:rPr>
+              <a:t>,</a:t>
+            </a:r>
+            <a:r>
+              <a:rPr lang="ko-KR" altLang="en-US" sz="1600" dirty="0">
+                <a:latin typeface="+mn-ea"/>
+              </a:rPr>
+              <a:t> 시계열 예측</a:t>
+            </a:r>
+            <a:endParaRPr lang="en-US" altLang="ko-KR" sz="1600" dirty="0">
+              <a:latin typeface="+mn-ea"/>
+            </a:endParaRPr>
           </a:p>
         </p:txBody>
       </p:sp>
@@ -19664,8 +19817,8 @@
         </p:blipFill>
         <p:spPr bwMode="auto">
           <a:xfrm>
-            <a:off x="704528" y="1916832"/>
-            <a:ext cx="7812236" cy="3875035"/>
+            <a:off x="704528" y="3223645"/>
+            <a:ext cx="6048672" cy="3000270"/>
           </a:xfrm>
           <a:prstGeom prst="rect">
             <a:avLst/>
@@ -19696,7 +19849,7 @@
         </p:nvSpPr>
         <p:spPr>
           <a:xfrm>
-            <a:off x="704528" y="5847075"/>
+            <a:off x="704528" y="6279123"/>
             <a:ext cx="8820840" cy="246221"/>
           </a:xfrm>
           <a:prstGeom prst="rect">
@@ -19836,7 +19989,7 @@
         <p:spPr>
           <a:xfrm>
             <a:off x="344488" y="1412776"/>
-            <a:ext cx="9217025" cy="338554"/>
+            <a:ext cx="9217025" cy="1224951"/>
           </a:xfrm>
           <a:prstGeom prst="rect">
             <a:avLst/>
@@ -19985,11 +20138,47 @@
           </a:lstStyle>
           <a:p>
             <a:r>
-              <a:rPr lang="en-US" altLang="ko-KR" sz="1600" dirty="0">
-                <a:latin typeface="+mn-ea"/>
-              </a:rPr>
-              <a:t>ppp</a:t>
-            </a:r>
+              <a:rPr lang="ko-KR" altLang="en-US" sz="1600" dirty="0">
+                <a:latin typeface="+mn-ea"/>
+              </a:rPr>
+              <a:t>음성 인식</a:t>
+            </a:r>
+            <a:endParaRPr lang="en-US" altLang="ko-KR" sz="1600" dirty="0">
+              <a:latin typeface="+mn-ea"/>
+            </a:endParaRPr>
+          </a:p>
+          <a:p>
+            <a:r>
+              <a:rPr lang="ko-KR" altLang="en-US" sz="1600" dirty="0">
+                <a:latin typeface="+mn-ea"/>
+              </a:rPr>
+              <a:t>이미지 인식</a:t>
+            </a:r>
+            <a:endParaRPr lang="en-US" altLang="ko-KR" sz="1600" dirty="0">
+              <a:latin typeface="+mn-ea"/>
+            </a:endParaRPr>
+          </a:p>
+          <a:p>
+            <a:r>
+              <a:rPr lang="ko-KR" altLang="en-US" sz="1600" dirty="0">
+                <a:latin typeface="+mn-ea"/>
+              </a:rPr>
+              <a:t>기계 번역</a:t>
+            </a:r>
+            <a:endParaRPr lang="en-US" altLang="ko-KR" sz="1600" dirty="0">
+              <a:latin typeface="+mn-ea"/>
+            </a:endParaRPr>
+          </a:p>
+          <a:p>
+            <a:r>
+              <a:rPr lang="ko-KR" altLang="en-US" sz="1600" dirty="0">
+                <a:latin typeface="+mn-ea"/>
+              </a:rPr>
+              <a:t>소프트웨어 구축</a:t>
+            </a:r>
+            <a:endParaRPr lang="en-US" altLang="ko-KR" sz="1600" dirty="0">
+              <a:latin typeface="+mn-ea"/>
+            </a:endParaRPr>
           </a:p>
         </p:txBody>
       </p:sp>
@@ -20082,8 +20271,8 @@
         </p:blipFill>
         <p:spPr bwMode="auto">
           <a:xfrm>
-            <a:off x="704527" y="1751330"/>
-            <a:ext cx="8552989" cy="2757790"/>
+            <a:off x="704527" y="4017420"/>
+            <a:ext cx="6912769" cy="2228924"/>
           </a:xfrm>
           <a:prstGeom prst="rect">
             <a:avLst/>
@@ -20114,7 +20303,7 @@
         </p:nvSpPr>
         <p:spPr>
           <a:xfrm>
-            <a:off x="704528" y="4541899"/>
+            <a:off x="704528" y="6279123"/>
             <a:ext cx="8820840" cy="246221"/>
           </a:xfrm>
           <a:prstGeom prst="rect">
@@ -20254,7 +20443,7 @@
         <p:spPr>
           <a:xfrm>
             <a:off x="344488" y="1412776"/>
-            <a:ext cx="9217025" cy="338554"/>
+            <a:ext cx="9217025" cy="1483483"/>
           </a:xfrm>
           <a:prstGeom prst="rect">
             <a:avLst/>
@@ -20403,11 +20592,74 @@
           </a:lstStyle>
           <a:p>
             <a:r>
+              <a:rPr lang="ko-KR" altLang="en-US" sz="1600" dirty="0">
+                <a:latin typeface="+mn-ea"/>
+              </a:rPr>
+              <a:t>고차원의 데이터를 저차원의 격자 형태로 변환</a:t>
+            </a:r>
+            <a:endParaRPr lang="en-US" altLang="ko-KR" sz="1600" dirty="0">
+              <a:latin typeface="+mn-ea"/>
+            </a:endParaRPr>
+          </a:p>
+          <a:p>
+            <a:pPr lvl="1"/>
+            <a:r>
+              <a:rPr lang="ko-KR" altLang="en-US" sz="1400" dirty="0">
+                <a:latin typeface="+mn-ea"/>
+              </a:rPr>
+              <a:t>입력 데이터의 분포를 보존하면서 비슷한 패턴이나 특징을 가진 데이터를 인접한 노드에 매핑</a:t>
+            </a:r>
+            <a:endParaRPr lang="en-US" altLang="ko-KR" sz="1400" dirty="0">
+              <a:latin typeface="+mn-ea"/>
+            </a:endParaRPr>
+          </a:p>
+          <a:p>
+            <a:r>
+              <a:rPr lang="ko-KR" altLang="en-US" sz="1600" dirty="0">
+                <a:latin typeface="+mn-ea"/>
+              </a:rPr>
+              <a:t>구조 탐색 </a:t>
+            </a:r>
+            <a:r>
               <a:rPr lang="en-US" altLang="ko-KR" sz="1600" dirty="0">
                 <a:latin typeface="+mn-ea"/>
               </a:rPr>
-              <a:t>ppp</a:t>
-            </a:r>
+              <a:t>(</a:t>
+            </a:r>
+            <a:r>
+              <a:rPr lang="ko-KR" altLang="en-US" sz="1600" dirty="0">
+                <a:latin typeface="+mn-ea"/>
+              </a:rPr>
+              <a:t>분류</a:t>
+            </a:r>
+            <a:r>
+              <a:rPr lang="en-US" altLang="ko-KR" sz="1600" dirty="0">
+                <a:latin typeface="+mn-ea"/>
+              </a:rPr>
+              <a:t>)</a:t>
+            </a:r>
+          </a:p>
+          <a:p>
+            <a:r>
+              <a:rPr lang="ko-KR" altLang="en-US" sz="1600" dirty="0">
+                <a:latin typeface="+mn-ea"/>
+              </a:rPr>
+              <a:t>차원 축소</a:t>
+            </a:r>
+            <a:endParaRPr lang="en-US" altLang="ko-KR" sz="1600" dirty="0">
+              <a:latin typeface="+mn-ea"/>
+            </a:endParaRPr>
+          </a:p>
+          <a:p>
+            <a:r>
+              <a:rPr lang="ko-KR" altLang="en-US" sz="1600" dirty="0">
+                <a:latin typeface="+mn-ea"/>
+              </a:rPr>
+              <a:t>시각화</a:t>
+            </a:r>
+            <a:endParaRPr lang="en-US" altLang="ko-KR" sz="1600" dirty="0">
+              <a:latin typeface="+mn-ea"/>
+            </a:endParaRPr>
           </a:p>
         </p:txBody>
       </p:sp>
@@ -20500,8 +20752,8 @@
         </p:blipFill>
         <p:spPr bwMode="auto">
           <a:xfrm>
-            <a:off x="632520" y="1916832"/>
-            <a:ext cx="7977336" cy="3336674"/>
+            <a:off x="632520" y="4149080"/>
+            <a:ext cx="4928491" cy="2061436"/>
           </a:xfrm>
           <a:prstGeom prst="rect">
             <a:avLst/>
@@ -20532,8 +20784,8 @@
         </p:nvSpPr>
         <p:spPr>
           <a:xfrm>
-            <a:off x="704528" y="5322113"/>
-            <a:ext cx="8820840" cy="246221"/>
+            <a:off x="704528" y="6279123"/>
+            <a:ext cx="5616624" cy="250103"/>
           </a:xfrm>
           <a:prstGeom prst="rect">
             <a:avLst/>
@@ -20557,6 +20809,192 @@
                 <a:latin typeface="+mn-ea"/>
               </a:rPr>
               <a:t>: https://www.simplilearn.com/tutorials/deep-learning-tutorial/deep-learning-algorithm</a:t>
+            </a:r>
+            <a:endParaRPr lang="ko-KR" altLang="en-US" sz="1000">
+              <a:latin typeface="+mn-ea"/>
+            </a:endParaRPr>
+          </a:p>
+        </p:txBody>
+      </p:sp>
+      <p:pic>
+        <p:nvPicPr>
+          <p:cNvPr id="2050" name="Picture 2">
+            <a:extLst>
+              <a:ext uri="{FF2B5EF4-FFF2-40B4-BE49-F238E27FC236}">
+                <a16:creationId xmlns:a16="http://schemas.microsoft.com/office/drawing/2014/main" id="{5DB934A3-80E8-2CB9-11A8-FB924A1F7029}"/>
+              </a:ext>
+            </a:extLst>
+          </p:cNvPr>
+          <p:cNvPicPr>
+            <a:picLocks noChangeAspect="1" noChangeArrowheads="1"/>
+          </p:cNvPicPr>
+          <p:nvPr/>
+        </p:nvPicPr>
+        <p:blipFill>
+          <a:blip r:embed="rId4">
+            <a:extLst>
+              <a:ext uri="{28A0092B-C50C-407E-A947-70E740481C1C}">
+                <a14:useLocalDpi xmlns:a14="http://schemas.microsoft.com/office/drawing/2010/main" val="0"/>
+              </a:ext>
+            </a:extLst>
+          </a:blip>
+          <a:srcRect/>
+          <a:stretch>
+            <a:fillRect/>
+          </a:stretch>
+        </p:blipFill>
+        <p:spPr bwMode="auto">
+          <a:xfrm>
+            <a:off x="5561011" y="2132856"/>
+            <a:ext cx="4077870" cy="3645024"/>
+          </a:xfrm>
+          <a:prstGeom prst="rect">
+            <a:avLst/>
+          </a:prstGeom>
+          <a:noFill/>
+          <a:extLst>
+            <a:ext uri="{909E8E84-426E-40DD-AFC4-6F175D3DCCD1}">
+              <a14:hiddenFill xmlns:a14="http://schemas.microsoft.com/office/drawing/2010/main">
+                <a:solidFill>
+                  <a:srgbClr val="FFFFFF"/>
+                </a:solidFill>
+              </a14:hiddenFill>
+            </a:ext>
+          </a:extLst>
+        </p:spPr>
+      </p:pic>
+      <p:sp>
+        <p:nvSpPr>
+          <p:cNvPr id="6" name="TextBox 5">
+            <a:extLst>
+              <a:ext uri="{FF2B5EF4-FFF2-40B4-BE49-F238E27FC236}">
+                <a16:creationId xmlns:a16="http://schemas.microsoft.com/office/drawing/2014/main" id="{DF7628B7-9E1B-76C9-C065-A74ED63D4068}"/>
+              </a:ext>
+            </a:extLst>
+          </p:cNvPr>
+          <p:cNvSpPr txBox="1"/>
+          <p:nvPr/>
+        </p:nvSpPr>
+        <p:spPr>
+          <a:xfrm>
+            <a:off x="5745088" y="5877272"/>
+            <a:ext cx="3744416" cy="246221"/>
+          </a:xfrm>
+          <a:prstGeom prst="rect">
+            <a:avLst/>
+          </a:prstGeom>
+          <a:noFill/>
+        </p:spPr>
+        <p:txBody>
+          <a:bodyPr wrap="square" rtlCol="0">
+            <a:spAutoFit/>
+          </a:bodyPr>
+          <a:lstStyle/>
+          <a:p>
+            <a:r>
+              <a:rPr lang="ko-KR" altLang="en-US" sz="1000">
+                <a:latin typeface="+mn-ea"/>
+              </a:rPr>
+              <a:t>출처</a:t>
+            </a:r>
+            <a:r>
+              <a:rPr lang="en-US" altLang="ko-KR" sz="1000">
+                <a:latin typeface="+mn-ea"/>
+              </a:rPr>
+              <a:t>: https://untitledtblog.tistory.com/5</a:t>
+            </a:r>
+            <a:endParaRPr lang="ko-KR" altLang="en-US" sz="1000">
+              <a:latin typeface="+mn-ea"/>
+            </a:endParaRPr>
+          </a:p>
+        </p:txBody>
+      </p:sp>
+      <p:pic>
+        <p:nvPicPr>
+          <p:cNvPr id="2052" name="Picture 4">
+            <a:extLst>
+              <a:ext uri="{FF2B5EF4-FFF2-40B4-BE49-F238E27FC236}">
+                <a16:creationId xmlns:a16="http://schemas.microsoft.com/office/drawing/2014/main" id="{E336CB50-62E4-25A8-0942-C39E0D69D984}"/>
+              </a:ext>
+            </a:extLst>
+          </p:cNvPr>
+          <p:cNvPicPr>
+            <a:picLocks noChangeAspect="1" noChangeArrowheads="1"/>
+          </p:cNvPicPr>
+          <p:nvPr/>
+        </p:nvPicPr>
+        <p:blipFill>
+          <a:blip r:embed="rId5">
+            <a:extLst>
+              <a:ext uri="{28A0092B-C50C-407E-A947-70E740481C1C}">
+                <a14:useLocalDpi xmlns:a14="http://schemas.microsoft.com/office/drawing/2010/main" val="0"/>
+              </a:ext>
+            </a:extLst>
+          </a:blip>
+          <a:srcRect/>
+          <a:stretch>
+            <a:fillRect/>
+          </a:stretch>
+        </p:blipFill>
+        <p:spPr bwMode="auto">
+          <a:xfrm>
+            <a:off x="2656869" y="1967322"/>
+            <a:ext cx="2868611" cy="2707453"/>
+          </a:xfrm>
+          <a:prstGeom prst="rect">
+            <a:avLst/>
+          </a:prstGeom>
+          <a:noFill/>
+          <a:extLst>
+            <a:ext uri="{909E8E84-426E-40DD-AFC4-6F175D3DCCD1}">
+              <a14:hiddenFill xmlns:a14="http://schemas.microsoft.com/office/drawing/2010/main">
+                <a:solidFill>
+                  <a:srgbClr val="FFFFFF"/>
+                </a:solidFill>
+              </a14:hiddenFill>
+            </a:ext>
+          </a:extLst>
+        </p:spPr>
+      </p:pic>
+      <p:sp>
+        <p:nvSpPr>
+          <p:cNvPr id="7" name="TextBox 6">
+            <a:extLst>
+              <a:ext uri="{FF2B5EF4-FFF2-40B4-BE49-F238E27FC236}">
+                <a16:creationId xmlns:a16="http://schemas.microsoft.com/office/drawing/2014/main" id="{EBA0F4DC-7249-C3D5-82AF-2B2A860EFBDB}"/>
+              </a:ext>
+            </a:extLst>
+          </p:cNvPr>
+          <p:cNvSpPr txBox="1"/>
+          <p:nvPr/>
+        </p:nvSpPr>
+        <p:spPr>
+          <a:xfrm>
+            <a:off x="272480" y="3717032"/>
+            <a:ext cx="4928490" cy="246221"/>
+          </a:xfrm>
+          <a:prstGeom prst="rect">
+            <a:avLst/>
+          </a:prstGeom>
+          <a:noFill/>
+        </p:spPr>
+        <p:txBody>
+          <a:bodyPr wrap="square" rtlCol="0">
+            <a:spAutoFit/>
+          </a:bodyPr>
+          <a:lstStyle/>
+          <a:p>
+            <a:r>
+              <a:rPr lang="ko-KR" altLang="en-US" sz="1000">
+                <a:latin typeface="+mn-ea"/>
+              </a:rPr>
+              <a:t>출처</a:t>
+            </a:r>
+            <a:r>
+              <a:rPr lang="en-US" altLang="ko-KR" sz="1000">
+                <a:latin typeface="+mn-ea"/>
+              </a:rPr>
+              <a:t>: https://ratsgo.github.io/machine%20learning/2017/05/01/SOM/</a:t>
             </a:r>
             <a:endParaRPr lang="ko-KR" altLang="en-US" sz="1000">
               <a:latin typeface="+mn-ea"/>
@@ -20650,8 +21088,18 @@
               <a:rPr lang="en-US" altLang="ko-KR" sz="1600" dirty="0">
                 <a:latin typeface="+mn-ea"/>
               </a:rPr>
-              <a:t>DBN (Deep Belief Network)</a:t>
-            </a:r>
+              <a:t>DBN (Deep Belief Network)  </a:t>
+            </a:r>
+            <a:r>
+              <a:rPr lang="en-US" altLang="ko-KR" sz="1600" dirty="0">
+                <a:latin typeface="+mn-ea"/>
+                <a:sym typeface="Wingdings" pitchFamily="2" charset="2"/>
+              </a:rPr>
+              <a:t> RBM</a:t>
+            </a:r>
+            <a:endParaRPr lang="en-US" altLang="ko-KR" sz="1600" dirty="0">
+              <a:latin typeface="+mn-ea"/>
+            </a:endParaRPr>
           </a:p>
         </p:txBody>
       </p:sp>
@@ -20672,7 +21120,7 @@
         <p:spPr>
           <a:xfrm>
             <a:off x="344488" y="1412776"/>
-            <a:ext cx="9217025" cy="338554"/>
+            <a:ext cx="9217025" cy="929485"/>
           </a:xfrm>
           <a:prstGeom prst="rect">
             <a:avLst/>
@@ -20821,11 +21269,36 @@
           </a:lstStyle>
           <a:p>
             <a:r>
-              <a:rPr lang="en-US" altLang="ko-KR" sz="1600" dirty="0">
-                <a:latin typeface="+mn-ea"/>
-              </a:rPr>
-              <a:t>ppp</a:t>
-            </a:r>
+              <a:rPr lang="ko-KR" altLang="en-US" sz="1600" dirty="0">
+                <a:latin typeface="+mn-ea"/>
+              </a:rPr>
+              <a:t>이미지 인식</a:t>
+            </a:r>
+            <a:endParaRPr lang="en-US" altLang="ko-KR" sz="1600" dirty="0">
+              <a:latin typeface="+mn-ea"/>
+            </a:endParaRPr>
+          </a:p>
+          <a:p>
+            <a:r>
+              <a:rPr lang="ko-KR" altLang="en-US" sz="1600" dirty="0">
+                <a:latin typeface="+mn-ea"/>
+              </a:rPr>
+              <a:t>비디오 인식</a:t>
+            </a:r>
+            <a:endParaRPr lang="en-US" altLang="ko-KR" sz="1600" dirty="0">
+              <a:latin typeface="+mn-ea"/>
+            </a:endParaRPr>
+          </a:p>
+          <a:p>
+            <a:r>
+              <a:rPr lang="ko-KR" altLang="en-US" sz="1600" dirty="0">
+                <a:latin typeface="+mn-ea"/>
+              </a:rPr>
+              <a:t>모션 캡쳐</a:t>
+            </a:r>
+            <a:endParaRPr lang="en-US" altLang="ko-KR" sz="1600" dirty="0">
+              <a:latin typeface="+mn-ea"/>
+            </a:endParaRPr>
           </a:p>
         </p:txBody>
       </p:sp>
@@ -20918,8 +21391,8 @@
         </p:blipFill>
         <p:spPr bwMode="auto">
           <a:xfrm>
-            <a:off x="553297" y="1821110"/>
-            <a:ext cx="8799405" cy="3624114"/>
+            <a:off x="553297" y="3302013"/>
+            <a:ext cx="6703959" cy="2761086"/>
           </a:xfrm>
           <a:prstGeom prst="rect">
             <a:avLst/>
@@ -20950,7 +21423,7 @@
         </p:nvSpPr>
         <p:spPr>
           <a:xfrm>
-            <a:off x="704528" y="5589240"/>
+            <a:off x="704528" y="6207115"/>
             <a:ext cx="8820840" cy="246221"/>
           </a:xfrm>
           <a:prstGeom prst="rect">
@@ -21068,7 +21541,19 @@
               <a:rPr lang="en-US" altLang="ko-KR" sz="1600" dirty="0">
                 <a:latin typeface="+mn-ea"/>
               </a:rPr>
-              <a:t>RBM (Restricted Boltzmann Machine)</a:t>
+              <a:t>RBM (Restricted Boltzmann Machine) : </a:t>
+            </a:r>
+            <a:r>
+              <a:rPr lang="ko-KR" altLang="en-US" sz="1600" dirty="0">
+                <a:latin typeface="+mn-ea"/>
+              </a:rPr>
+              <a:t>생성 </a:t>
+            </a:r>
+            <a:r>
+              <a:rPr lang="en-US" altLang="ko-KR" sz="1600" dirty="0">
+                <a:latin typeface="+mn-ea"/>
+              </a:rPr>
+              <a:t>AI</a:t>
             </a:r>
           </a:p>
         </p:txBody>
@@ -21090,7 +21575,7 @@
         <p:spPr>
           <a:xfrm>
             <a:off x="344488" y="1412776"/>
-            <a:ext cx="9217025" cy="338554"/>
+            <a:ext cx="9217025" cy="2480679"/>
           </a:xfrm>
           <a:prstGeom prst="rect">
             <a:avLst/>
@@ -21242,8 +21727,165 @@
               <a:rPr lang="en-US" altLang="ko-KR" sz="1600" dirty="0">
                 <a:latin typeface="+mn-ea"/>
               </a:rPr>
-              <a:t>ppp</a:t>
-            </a:r>
+              <a:t>Boltzmann Distribution</a:t>
+            </a:r>
+            <a:r>
+              <a:rPr lang="ko-KR" altLang="en-US" sz="1600" dirty="0">
+                <a:latin typeface="+mn-ea"/>
+              </a:rPr>
+              <a:t>를 기반으로한 확률 모형</a:t>
+            </a:r>
+            <a:endParaRPr lang="en-US" altLang="ko-KR" sz="1600" dirty="0">
+              <a:latin typeface="+mn-ea"/>
+            </a:endParaRPr>
+          </a:p>
+          <a:p>
+            <a:pPr lvl="1"/>
+            <a:r>
+              <a:rPr lang="en-US" altLang="ko-KR" dirty="0">
+                <a:latin typeface="+mn-ea"/>
+              </a:rPr>
+              <a:t>Visible units : </a:t>
+            </a:r>
+            <a:r>
+              <a:rPr lang="ko-KR" altLang="en-US" dirty="0">
+                <a:latin typeface="+mn-ea"/>
+              </a:rPr>
+              <a:t>특징 데이터</a:t>
+            </a:r>
+            <a:endParaRPr lang="en-US" altLang="ko-KR" dirty="0">
+              <a:latin typeface="+mn-ea"/>
+            </a:endParaRPr>
+          </a:p>
+          <a:p>
+            <a:pPr lvl="1"/>
+            <a:r>
+              <a:rPr lang="en-US" altLang="ko-KR" dirty="0">
+                <a:latin typeface="+mn-ea"/>
+              </a:rPr>
+              <a:t>Hidden units : </a:t>
+            </a:r>
+            <a:r>
+              <a:rPr lang="ko-KR" altLang="en-US" dirty="0">
+                <a:latin typeface="+mn-ea"/>
+              </a:rPr>
+              <a:t>확률 분포</a:t>
+            </a:r>
+            <a:endParaRPr lang="en-US" altLang="ko-KR" dirty="0">
+              <a:latin typeface="+mn-ea"/>
+            </a:endParaRPr>
+          </a:p>
+          <a:p>
+            <a:r>
+              <a:rPr lang="ko-KR" altLang="en-US" dirty="0">
+                <a:latin typeface="+mn-ea"/>
+              </a:rPr>
+              <a:t>학습 </a:t>
+            </a:r>
+            <a:r>
+              <a:rPr lang="en-US" altLang="ko-KR" dirty="0">
+                <a:latin typeface="+mn-ea"/>
+              </a:rPr>
+              <a:t>:</a:t>
+            </a:r>
+            <a:r>
+              <a:rPr lang="ko-KR" altLang="en-US" dirty="0">
+                <a:latin typeface="+mn-ea"/>
+              </a:rPr>
+              <a:t> 샘플 데이터와 유사한 데이터 생성</a:t>
+            </a:r>
+            <a:endParaRPr lang="en-US" altLang="ko-KR" dirty="0">
+              <a:latin typeface="+mn-ea"/>
+            </a:endParaRPr>
+          </a:p>
+          <a:p>
+            <a:pPr lvl="1"/>
+            <a:r>
+              <a:rPr lang="ko-KR" altLang="en-US" dirty="0">
+                <a:latin typeface="+mn-ea"/>
+              </a:rPr>
+              <a:t>분류</a:t>
+            </a:r>
+            <a:r>
+              <a:rPr lang="en-US" altLang="ko-KR" dirty="0">
+                <a:latin typeface="+mn-ea"/>
+              </a:rPr>
+              <a:t>,</a:t>
+            </a:r>
+            <a:r>
+              <a:rPr lang="ko-KR" altLang="en-US" dirty="0">
+                <a:latin typeface="+mn-ea"/>
+              </a:rPr>
+              <a:t> 협업</a:t>
+            </a:r>
+            <a:r>
+              <a:rPr lang="en-US" altLang="ko-KR" dirty="0">
+                <a:latin typeface="+mn-ea"/>
+              </a:rPr>
+              <a:t>,</a:t>
+            </a:r>
+            <a:r>
+              <a:rPr lang="ko-KR" altLang="en-US" dirty="0">
+                <a:latin typeface="+mn-ea"/>
+              </a:rPr>
+              <a:t> 특징값 학습</a:t>
+            </a:r>
+            <a:endParaRPr lang="en-US" altLang="ko-KR" dirty="0">
+              <a:latin typeface="+mn-ea"/>
+            </a:endParaRPr>
+          </a:p>
+          <a:p>
+            <a:pPr lvl="1"/>
+            <a:r>
+              <a:rPr lang="ko-KR" altLang="en-US" dirty="0">
+                <a:latin typeface="+mn-ea"/>
+              </a:rPr>
+              <a:t>선형 회귀 분석</a:t>
+            </a:r>
+            <a:r>
+              <a:rPr lang="en-US" altLang="ko-KR" dirty="0">
+                <a:latin typeface="+mn-ea"/>
+              </a:rPr>
+              <a:t>,</a:t>
+            </a:r>
+            <a:r>
+              <a:rPr lang="ko-KR" altLang="en-US" dirty="0">
+                <a:latin typeface="+mn-ea"/>
+              </a:rPr>
+              <a:t> 협업 필터링</a:t>
+            </a:r>
+            <a:r>
+              <a:rPr lang="en-US" altLang="ko-KR" dirty="0">
+                <a:latin typeface="+mn-ea"/>
+              </a:rPr>
+              <a:t>,</a:t>
+            </a:r>
+            <a:r>
+              <a:rPr lang="ko-KR" altLang="en-US" dirty="0">
+                <a:latin typeface="+mn-ea"/>
+              </a:rPr>
+              <a:t> 주제 모델링</a:t>
+            </a:r>
+            <a:endParaRPr lang="en-US" altLang="ko-KR" dirty="0">
+              <a:latin typeface="+mn-ea"/>
+            </a:endParaRPr>
+          </a:p>
+          <a:p>
+            <a:pPr lvl="1"/>
+            <a:r>
+              <a:rPr lang="ko-KR" altLang="en-US" dirty="0">
+                <a:latin typeface="+mn-ea"/>
+              </a:rPr>
+              <a:t>차원 감소</a:t>
+            </a:r>
+            <a:endParaRPr lang="en-US" altLang="ko-KR" dirty="0">
+              <a:latin typeface="+mn-ea"/>
+            </a:endParaRPr>
+          </a:p>
+          <a:p>
+            <a:endParaRPr lang="en-US" altLang="ko-KR" dirty="0">
+              <a:latin typeface="+mn-ea"/>
+            </a:endParaRPr>
           </a:p>
         </p:txBody>
       </p:sp>
@@ -21336,8 +21978,8 @@
         </p:blipFill>
         <p:spPr bwMode="auto">
           <a:xfrm>
-            <a:off x="776973" y="1751330"/>
-            <a:ext cx="7471246" cy="4085992"/>
+            <a:off x="776973" y="3613184"/>
+            <a:ext cx="4968115" cy="2717041"/>
           </a:xfrm>
           <a:prstGeom prst="rect">
             <a:avLst/>
@@ -21368,7 +22010,7 @@
         </p:nvSpPr>
         <p:spPr>
           <a:xfrm>
-            <a:off x="704528" y="5714211"/>
+            <a:off x="704528" y="6207115"/>
             <a:ext cx="8820840" cy="246221"/>
           </a:xfrm>
           <a:prstGeom prst="rect">
@@ -21400,6 +22042,53 @@
           </a:p>
         </p:txBody>
       </p:sp>
+      <p:pic>
+        <p:nvPicPr>
+          <p:cNvPr id="1026" name="Picture 2">
+            <a:extLst>
+              <a:ext uri="{FF2B5EF4-FFF2-40B4-BE49-F238E27FC236}">
+                <a16:creationId xmlns:a16="http://schemas.microsoft.com/office/drawing/2014/main" id="{4400D656-DB37-F3A9-F33E-10CF67430AB7}"/>
+              </a:ext>
+            </a:extLst>
+          </p:cNvPr>
+          <p:cNvPicPr>
+            <a:picLocks noChangeAspect="1" noChangeArrowheads="1"/>
+          </p:cNvPicPr>
+          <p:nvPr/>
+        </p:nvPicPr>
+        <p:blipFill>
+          <a:blip r:embed="rId4">
+            <a:extLst>
+              <a:ext uri="{28A0092B-C50C-407E-A947-70E740481C1C}">
+                <a14:useLocalDpi xmlns:a14="http://schemas.microsoft.com/office/drawing/2010/main" val="0"/>
+              </a:ext>
+            </a:extLst>
+          </a:blip>
+          <a:srcRect/>
+          <a:stretch>
+            <a:fillRect/>
+          </a:stretch>
+        </p:blipFill>
+        <p:spPr bwMode="auto">
+          <a:xfrm>
+            <a:off x="5295215" y="1484784"/>
+            <a:ext cx="4410313" cy="1585819"/>
+          </a:xfrm>
+          <a:prstGeom prst="rect">
+            <a:avLst/>
+          </a:prstGeom>
+          <a:noFill/>
+          <a:extLst>
+            <a:ext uri="{909E8E84-426E-40DD-AFC4-6F175D3DCCD1}">
+              <a14:hiddenFill xmlns:a14="http://schemas.microsoft.com/office/drawing/2010/main">
+                <a:solidFill>
+                  <a:srgbClr val="FFFFFF"/>
+                </a:solidFill>
+              </a14:hiddenFill>
+            </a:ext>
+          </a:extLst>
+        </p:spPr>
+      </p:pic>
     </p:spTree>
     <p:extLst>
       <p:ext uri="{BB962C8B-B14F-4D97-AF65-F5344CB8AC3E}">
@@ -21430,6 +22119,53 @@
           <a:chExt cx="0" cy="0"/>
         </a:xfrm>
       </p:grpSpPr>
+      <p:pic>
+        <p:nvPicPr>
+          <p:cNvPr id="10242" name="Picture 2" descr="/Autoencoders">
+            <a:extLst>
+              <a:ext uri="{FF2B5EF4-FFF2-40B4-BE49-F238E27FC236}">
+                <a16:creationId xmlns:a16="http://schemas.microsoft.com/office/drawing/2014/main" id="{9BED9961-80AD-D2BA-3E1A-B44CAF26C911}"/>
+              </a:ext>
+            </a:extLst>
+          </p:cNvPr>
+          <p:cNvPicPr>
+            <a:picLocks noChangeAspect="1" noChangeArrowheads="1"/>
+          </p:cNvPicPr>
+          <p:nvPr/>
+        </p:nvPicPr>
+        <p:blipFill>
+          <a:blip r:embed="rId3">
+            <a:extLst>
+              <a:ext uri="{28A0092B-C50C-407E-A947-70E740481C1C}">
+                <a14:useLocalDpi xmlns:a14="http://schemas.microsoft.com/office/drawing/2010/main" val="0"/>
+              </a:ext>
+            </a:extLst>
+          </a:blip>
+          <a:srcRect/>
+          <a:stretch>
+            <a:fillRect/>
+          </a:stretch>
+        </p:blipFill>
+        <p:spPr bwMode="auto">
+          <a:xfrm>
+            <a:off x="630661" y="3447487"/>
+            <a:ext cx="6986635" cy="2861833"/>
+          </a:xfrm>
+          <a:prstGeom prst="rect">
+            <a:avLst/>
+          </a:prstGeom>
+          <a:noFill/>
+          <a:extLst>
+            <a:ext uri="{909E8E84-426E-40DD-AFC4-6F175D3DCCD1}">
+              <a14:hiddenFill xmlns:a14="http://schemas.microsoft.com/office/drawing/2010/main">
+                <a:solidFill>
+                  <a:srgbClr val="FFFFFF"/>
+                </a:solidFill>
+              </a14:hiddenFill>
+            </a:ext>
+          </a:extLst>
+        </p:spPr>
+      </p:pic>
       <p:sp>
         <p:nvSpPr>
           <p:cNvPr id="4" name="제목 3"/>
@@ -21488,6 +22224,30 @@
               </a:rPr>
               <a:t>AutoEncoder</a:t>
             </a:r>
+            <a:r>
+              <a:rPr lang="ko-KR" altLang="en-US" sz="1600" dirty="0">
+                <a:latin typeface="+mn-ea"/>
+              </a:rPr>
+              <a:t> </a:t>
+            </a:r>
+            <a:r>
+              <a:rPr lang="en-US" altLang="ko-KR" sz="1600" dirty="0">
+                <a:latin typeface="+mn-ea"/>
+              </a:rPr>
+              <a:t>:</a:t>
+            </a:r>
+            <a:r>
+              <a:rPr lang="ko-KR" altLang="en-US" sz="1600" dirty="0">
+                <a:latin typeface="+mn-ea"/>
+              </a:rPr>
+              <a:t> 생성 </a:t>
+            </a:r>
+            <a:r>
+              <a:rPr lang="en-US" altLang="ko-KR" sz="1600" dirty="0">
+                <a:latin typeface="+mn-ea"/>
+              </a:rPr>
+              <a:t>AI</a:t>
+            </a:r>
           </a:p>
         </p:txBody>
       </p:sp>
@@ -21508,7 +22268,7 @@
         <p:spPr>
           <a:xfrm>
             <a:off x="344488" y="1412776"/>
-            <a:ext cx="9217025" cy="338554"/>
+            <a:ext cx="9217025" cy="1409617"/>
           </a:xfrm>
           <a:prstGeom prst="rect">
             <a:avLst/>
@@ -21657,11 +22417,91 @@
           </a:lstStyle>
           <a:p>
             <a:r>
+              <a:rPr lang="ko-KR" altLang="en-US" sz="1600" dirty="0">
+                <a:latin typeface="+mn-ea"/>
+              </a:rPr>
+              <a:t>입력 데이터의 분포를 학습하고</a:t>
+            </a:r>
+            <a:r>
               <a:rPr lang="en-US" altLang="ko-KR" sz="1600" dirty="0">
                 <a:latin typeface="+mn-ea"/>
               </a:rPr>
-              <a:t>ppp</a:t>
-            </a:r>
+              <a:t>,</a:t>
+            </a:r>
+            <a:r>
+              <a:rPr lang="ko-KR" altLang="en-US" sz="1600" dirty="0">
+                <a:latin typeface="+mn-ea"/>
+              </a:rPr>
+              <a:t> 분포에서 랜덤하게 샘플링하여 새로운 콘텐츠 생성</a:t>
+            </a:r>
+            <a:endParaRPr lang="en-US" altLang="ko-KR" sz="1600" dirty="0">
+              <a:latin typeface="+mn-ea"/>
+            </a:endParaRPr>
+          </a:p>
+          <a:p>
+            <a:pPr lvl="1"/>
+            <a:r>
+              <a:rPr lang="ko-KR" altLang="en-US" sz="1400" dirty="0">
+                <a:latin typeface="+mn-ea"/>
+              </a:rPr>
+              <a:t>이미지 복원과 생성</a:t>
+            </a:r>
+            <a:r>
+              <a:rPr lang="en-US" altLang="ko-KR" sz="1400" dirty="0">
+                <a:latin typeface="+mn-ea"/>
+              </a:rPr>
+              <a:t>.</a:t>
+            </a:r>
+            <a:r>
+              <a:rPr lang="ko-KR" altLang="en-US" sz="1400" dirty="0">
+                <a:latin typeface="+mn-ea"/>
+              </a:rPr>
+              <a:t>  이미지의 스타일 변경</a:t>
+            </a:r>
+            <a:endParaRPr lang="en-US" altLang="ko-KR" sz="1400" dirty="0">
+              <a:latin typeface="+mn-ea"/>
+            </a:endParaRPr>
+          </a:p>
+          <a:p>
+            <a:pPr lvl="1"/>
+            <a:r>
+              <a:rPr lang="ko-KR" altLang="en-US" sz="1400" dirty="0">
+                <a:latin typeface="+mn-ea"/>
+              </a:rPr>
+              <a:t>음악 생성</a:t>
+            </a:r>
+            <a:r>
+              <a:rPr lang="en-US" altLang="ko-KR" sz="1400" dirty="0">
+                <a:latin typeface="+mn-ea"/>
+              </a:rPr>
+              <a:t>.</a:t>
+            </a:r>
+            <a:r>
+              <a:rPr lang="ko-KR" altLang="en-US" sz="1400" dirty="0">
+                <a:latin typeface="+mn-ea"/>
+              </a:rPr>
+              <a:t>  텍스트 생성</a:t>
+            </a:r>
+            <a:endParaRPr lang="en-US" altLang="ko-KR" sz="1400" dirty="0">
+              <a:latin typeface="+mn-ea"/>
+            </a:endParaRPr>
+          </a:p>
+          <a:p>
+            <a:pPr lvl="1"/>
+            <a:r>
+              <a:rPr lang="ko-KR" altLang="en-US" sz="1400" dirty="0">
+                <a:latin typeface="+mn-ea"/>
+              </a:rPr>
+              <a:t>추천 시스템에서 상품을 추천</a:t>
+            </a:r>
+            <a:endParaRPr lang="en-US" altLang="ko-KR" sz="1400" dirty="0">
+              <a:latin typeface="+mn-ea"/>
+            </a:endParaRPr>
+          </a:p>
+          <a:p>
+            <a:endParaRPr lang="en-US" altLang="ko-KR" sz="1600" dirty="0">
+              <a:latin typeface="+mn-ea"/>
+            </a:endParaRPr>
           </a:p>
         </p:txBody>
       </p:sp>
@@ -21725,53 +22565,6 @@
           </a:p>
         </p:txBody>
       </p:sp>
-      <p:pic>
-        <p:nvPicPr>
-          <p:cNvPr id="10242" name="Picture 2" descr="/Autoencoders">
-            <a:extLst>
-              <a:ext uri="{FF2B5EF4-FFF2-40B4-BE49-F238E27FC236}">
-                <a16:creationId xmlns:a16="http://schemas.microsoft.com/office/drawing/2014/main" id="{9BED9961-80AD-D2BA-3E1A-B44CAF26C911}"/>
-              </a:ext>
-            </a:extLst>
-          </p:cNvPr>
-          <p:cNvPicPr>
-            <a:picLocks noChangeAspect="1" noChangeArrowheads="1"/>
-          </p:cNvPicPr>
-          <p:nvPr/>
-        </p:nvPicPr>
-        <p:blipFill>
-          <a:blip r:embed="rId3">
-            <a:extLst>
-              <a:ext uri="{28A0092B-C50C-407E-A947-70E740481C1C}">
-                <a14:useLocalDpi xmlns:a14="http://schemas.microsoft.com/office/drawing/2010/main" val="0"/>
-              </a:ext>
-            </a:extLst>
-          </a:blip>
-          <a:srcRect/>
-          <a:stretch>
-            <a:fillRect/>
-          </a:stretch>
-        </p:blipFill>
-        <p:spPr bwMode="auto">
-          <a:xfrm>
-            <a:off x="630661" y="1885267"/>
-            <a:ext cx="8644678" cy="3540993"/>
-          </a:xfrm>
-          <a:prstGeom prst="rect">
-            <a:avLst/>
-          </a:prstGeom>
-          <a:noFill/>
-          <a:extLst>
-            <a:ext uri="{909E8E84-426E-40DD-AFC4-6F175D3DCCD1}">
-              <a14:hiddenFill xmlns:a14="http://schemas.microsoft.com/office/drawing/2010/main">
-                <a:solidFill>
-                  <a:srgbClr val="FFFFFF"/>
-                </a:solidFill>
-              </a14:hiddenFill>
-            </a:ext>
-          </a:extLst>
-        </p:spPr>
-      </p:pic>
       <p:sp>
         <p:nvSpPr>
           <p:cNvPr id="5" name="TextBox 4">
@@ -21786,7 +22579,7 @@
         </p:nvSpPr>
         <p:spPr>
           <a:xfrm>
-            <a:off x="704528" y="5560197"/>
+            <a:off x="704528" y="6279123"/>
             <a:ext cx="8820840" cy="246221"/>
           </a:xfrm>
           <a:prstGeom prst="rect">
